--- a/Presentation.pptx
+++ b/Presentation.pptx
@@ -2,18 +2,22 @@
 <file path=ppt/presentation.xml><?xml version="1.0" encoding="utf-8"?>
 <p:presentation xmlns:a="http://schemas.openxmlformats.org/drawingml/2006/main" xmlns:r="http://schemas.openxmlformats.org/officeDocument/2006/relationships" xmlns:p="http://schemas.openxmlformats.org/presentationml/2006/main" saveSubsetFonts="1">
   <p:sldMasterIdLst>
-    <p:sldMasterId id="2147483648" r:id="rId1"/>
+    <p:sldMasterId id="2147483660" r:id="rId1"/>
   </p:sldMasterIdLst>
   <p:sldIdLst>
     <p:sldId id="256" r:id="rId2"/>
+    <p:sldId id="257" r:id="rId3"/>
+    <p:sldId id="260" r:id="rId4"/>
+    <p:sldId id="258" r:id="rId5"/>
+    <p:sldId id="259" r:id="rId6"/>
   </p:sldIdLst>
   <p:sldSz cx="12192000" cy="6858000"/>
   <p:notesSz cx="6858000" cy="9144000"/>
   <p:defaultTextStyle>
     <a:defPPr>
-      <a:defRPr lang="de-DE"/>
+      <a:defRPr lang="en-US"/>
     </a:defPPr>
-    <a:lvl1pPr marL="0" algn="l" defTabSz="914400" rtl="0" eaLnBrk="1" latinLnBrk="0" hangingPunct="1">
+    <a:lvl1pPr marL="0" algn="l" defTabSz="457200" rtl="0" eaLnBrk="1" latinLnBrk="0" hangingPunct="1">
       <a:defRPr sz="1800" kern="1200">
         <a:solidFill>
           <a:schemeClr val="tx1"/>
@@ -23,7 +27,7 @@
         <a:cs typeface="+mn-cs"/>
       </a:defRPr>
     </a:lvl1pPr>
-    <a:lvl2pPr marL="457200" algn="l" defTabSz="914400" rtl="0" eaLnBrk="1" latinLnBrk="0" hangingPunct="1">
+    <a:lvl2pPr marL="457200" algn="l" defTabSz="457200" rtl="0" eaLnBrk="1" latinLnBrk="0" hangingPunct="1">
       <a:defRPr sz="1800" kern="1200">
         <a:solidFill>
           <a:schemeClr val="tx1"/>
@@ -33,7 +37,7 @@
         <a:cs typeface="+mn-cs"/>
       </a:defRPr>
     </a:lvl2pPr>
-    <a:lvl3pPr marL="914400" algn="l" defTabSz="914400" rtl="0" eaLnBrk="1" latinLnBrk="0" hangingPunct="1">
+    <a:lvl3pPr marL="914400" algn="l" defTabSz="457200" rtl="0" eaLnBrk="1" latinLnBrk="0" hangingPunct="1">
       <a:defRPr sz="1800" kern="1200">
         <a:solidFill>
           <a:schemeClr val="tx1"/>
@@ -43,7 +47,7 @@
         <a:cs typeface="+mn-cs"/>
       </a:defRPr>
     </a:lvl3pPr>
-    <a:lvl4pPr marL="1371600" algn="l" defTabSz="914400" rtl="0" eaLnBrk="1" latinLnBrk="0" hangingPunct="1">
+    <a:lvl4pPr marL="1371600" algn="l" defTabSz="457200" rtl="0" eaLnBrk="1" latinLnBrk="0" hangingPunct="1">
       <a:defRPr sz="1800" kern="1200">
         <a:solidFill>
           <a:schemeClr val="tx1"/>
@@ -53,7 +57,7 @@
         <a:cs typeface="+mn-cs"/>
       </a:defRPr>
     </a:lvl4pPr>
-    <a:lvl5pPr marL="1828800" algn="l" defTabSz="914400" rtl="0" eaLnBrk="1" latinLnBrk="0" hangingPunct="1">
+    <a:lvl5pPr marL="1828800" algn="l" defTabSz="457200" rtl="0" eaLnBrk="1" latinLnBrk="0" hangingPunct="1">
       <a:defRPr sz="1800" kern="1200">
         <a:solidFill>
           <a:schemeClr val="tx1"/>
@@ -63,7 +67,7 @@
         <a:cs typeface="+mn-cs"/>
       </a:defRPr>
     </a:lvl5pPr>
-    <a:lvl6pPr marL="2286000" algn="l" defTabSz="914400" rtl="0" eaLnBrk="1" latinLnBrk="0" hangingPunct="1">
+    <a:lvl6pPr marL="2286000" algn="l" defTabSz="457200" rtl="0" eaLnBrk="1" latinLnBrk="0" hangingPunct="1">
       <a:defRPr sz="1800" kern="1200">
         <a:solidFill>
           <a:schemeClr val="tx1"/>
@@ -73,7 +77,7 @@
         <a:cs typeface="+mn-cs"/>
       </a:defRPr>
     </a:lvl6pPr>
-    <a:lvl7pPr marL="2743200" algn="l" defTabSz="914400" rtl="0" eaLnBrk="1" latinLnBrk="0" hangingPunct="1">
+    <a:lvl7pPr marL="2743200" algn="l" defTabSz="457200" rtl="0" eaLnBrk="1" latinLnBrk="0" hangingPunct="1">
       <a:defRPr sz="1800" kern="1200">
         <a:solidFill>
           <a:schemeClr val="tx1"/>
@@ -83,7 +87,7 @@
         <a:cs typeface="+mn-cs"/>
       </a:defRPr>
     </a:lvl7pPr>
-    <a:lvl8pPr marL="3200400" algn="l" defTabSz="914400" rtl="0" eaLnBrk="1" latinLnBrk="0" hangingPunct="1">
+    <a:lvl8pPr marL="3200400" algn="l" defTabSz="457200" rtl="0" eaLnBrk="1" latinLnBrk="0" hangingPunct="1">
       <a:defRPr sz="1800" kern="1200">
         <a:solidFill>
           <a:schemeClr val="tx1"/>
@@ -93,7 +97,7 @@
         <a:cs typeface="+mn-cs"/>
       </a:defRPr>
     </a:lvl8pPr>
-    <a:lvl9pPr marL="3657600" algn="l" defTabSz="914400" rtl="0" eaLnBrk="1" latinLnBrk="0" hangingPunct="1">
+    <a:lvl9pPr marL="3657600" algn="l" defTabSz="457200" rtl="0" eaLnBrk="1" latinLnBrk="0" hangingPunct="1">
       <a:defRPr sz="1800" kern="1200">
         <a:solidFill>
           <a:schemeClr val="tx1"/>
@@ -104,6 +108,11 @@
       </a:defRPr>
     </a:lvl9pPr>
   </p:defaultTextStyle>
+  <p:extLst>
+    <p:ext uri="{EFAFB233-063F-42B5-8137-9DF3F51BA10A}">
+      <p15:sldGuideLst xmlns:p15="http://schemas.microsoft.com/office/powerpoint/2012/main"/>
+    </p:ext>
+  </p:extLst>
 </p:presentation>
 </file>
 
@@ -126,13 +135,7 @@
       </p:grpSpPr>
       <p:sp>
         <p:nvSpPr>
-          <p:cNvPr id="2" name="Titel 1">
-            <a:extLst>
-              <a:ext uri="{FF2B5EF4-FFF2-40B4-BE49-F238E27FC236}">
-                <a16:creationId xmlns:a16="http://schemas.microsoft.com/office/drawing/2014/main" id="{78B4914E-0969-4752-90BF-06BDF7BD540D}"/>
-              </a:ext>
-            </a:extLst>
-          </p:cNvPr>
+          <p:cNvPr id="2" name="Title 1"/>
           <p:cNvSpPr>
             <a:spLocks noGrp="1"/>
           </p:cNvSpPr>
@@ -142,15 +145,32 @@
         </p:nvSpPr>
         <p:spPr>
           <a:xfrm>
-            <a:off x="1524000" y="1122363"/>
-            <a:ext cx="9144000" cy="2387600"/>
+            <a:off x="1751012" y="609601"/>
+            <a:ext cx="8676222" cy="3200400"/>
           </a:xfrm>
         </p:spPr>
         <p:txBody>
-          <a:bodyPr anchor="b"/>
+          <a:bodyPr anchor="b">
+            <a:normAutofit/>
+          </a:bodyPr>
           <a:lstStyle>
             <a:lvl1pPr algn="ctr">
-              <a:defRPr sz="6000"/>
+              <a:defRPr sz="4800">
+                <a:effectLst>
+                  <a:glow rad="38100">
+                    <a:schemeClr val="bg1">
+                      <a:lumMod val="65000"/>
+                      <a:lumOff val="35000"/>
+                      <a:alpha val="50000"/>
+                    </a:schemeClr>
+                  </a:glow>
+                  <a:outerShdw blurRad="28575" dist="31750" dir="13200000" algn="tl" rotWithShape="0">
+                    <a:srgbClr val="000000">
+                      <a:alpha val="25000"/>
+                    </a:srgbClr>
+                  </a:outerShdw>
+                </a:effectLst>
+              </a:defRPr>
             </a:lvl1pPr>
           </a:lstStyle>
           <a:p>
@@ -158,18 +178,13 @@
               <a:rPr lang="de-DE"/>
               <a:t>Mastertitelformat bearbeiten</a:t>
             </a:r>
-          </a:p>
-        </p:txBody>
-      </p:sp>
-      <p:sp>
-        <p:nvSpPr>
-          <p:cNvPr id="3" name="Untertitel 2">
-            <a:extLst>
-              <a:ext uri="{FF2B5EF4-FFF2-40B4-BE49-F238E27FC236}">
-                <a16:creationId xmlns:a16="http://schemas.microsoft.com/office/drawing/2014/main" id="{2702D8D6-705E-4A86-8C50-EB062F24121E}"/>
-              </a:ext>
-            </a:extLst>
-          </p:cNvPr>
+            <a:endParaRPr lang="en-US" dirty="0"/>
+          </a:p>
+        </p:txBody>
+      </p:sp>
+      <p:sp>
+        <p:nvSpPr>
+          <p:cNvPr id="3" name="Subtitle 2"/>
           <p:cNvSpPr>
             <a:spLocks noGrp="1"/>
           </p:cNvSpPr>
@@ -179,48 +194,113 @@
         </p:nvSpPr>
         <p:spPr>
           <a:xfrm>
-            <a:off x="1524000" y="3602038"/>
-            <a:ext cx="9144000" cy="1655762"/>
+            <a:off x="1751012" y="3886200"/>
+            <a:ext cx="8676222" cy="1905000"/>
           </a:xfrm>
         </p:spPr>
         <p:txBody>
-          <a:bodyPr/>
+          <a:bodyPr anchor="t">
+            <a:normAutofit/>
+          </a:bodyPr>
           <a:lstStyle>
             <a:lvl1pPr marL="0" indent="0" algn="ctr">
               <a:buNone/>
-              <a:defRPr sz="2400"/>
+              <a:defRPr sz="2100">
+                <a:gradFill flip="none" rotWithShape="1">
+                  <a:gsLst>
+                    <a:gs pos="0">
+                      <a:schemeClr val="tx1"/>
+                    </a:gs>
+                    <a:gs pos="100000">
+                      <a:schemeClr val="tx1">
+                        <a:lumMod val="75000"/>
+                      </a:schemeClr>
+                    </a:gs>
+                  </a:gsLst>
+                  <a:lin ang="5400000" scaled="0"/>
+                  <a:tileRect/>
+                </a:gradFill>
+              </a:defRPr>
             </a:lvl1pPr>
             <a:lvl2pPr marL="457200" indent="0" algn="ctr">
               <a:buNone/>
-              <a:defRPr sz="2000"/>
+              <a:defRPr>
+                <a:solidFill>
+                  <a:schemeClr val="tx1">
+                    <a:tint val="75000"/>
+                  </a:schemeClr>
+                </a:solidFill>
+              </a:defRPr>
             </a:lvl2pPr>
             <a:lvl3pPr marL="914400" indent="0" algn="ctr">
               <a:buNone/>
-              <a:defRPr sz="1800"/>
+              <a:defRPr>
+                <a:solidFill>
+                  <a:schemeClr val="tx1">
+                    <a:tint val="75000"/>
+                  </a:schemeClr>
+                </a:solidFill>
+              </a:defRPr>
             </a:lvl3pPr>
             <a:lvl4pPr marL="1371600" indent="0" algn="ctr">
               <a:buNone/>
-              <a:defRPr sz="1600"/>
+              <a:defRPr>
+                <a:solidFill>
+                  <a:schemeClr val="tx1">
+                    <a:tint val="75000"/>
+                  </a:schemeClr>
+                </a:solidFill>
+              </a:defRPr>
             </a:lvl4pPr>
             <a:lvl5pPr marL="1828800" indent="0" algn="ctr">
               <a:buNone/>
-              <a:defRPr sz="1600"/>
+              <a:defRPr>
+                <a:solidFill>
+                  <a:schemeClr val="tx1">
+                    <a:tint val="75000"/>
+                  </a:schemeClr>
+                </a:solidFill>
+              </a:defRPr>
             </a:lvl5pPr>
             <a:lvl6pPr marL="2286000" indent="0" algn="ctr">
               <a:buNone/>
-              <a:defRPr sz="1600"/>
+              <a:defRPr>
+                <a:solidFill>
+                  <a:schemeClr val="tx1">
+                    <a:tint val="75000"/>
+                  </a:schemeClr>
+                </a:solidFill>
+              </a:defRPr>
             </a:lvl6pPr>
             <a:lvl7pPr marL="2743200" indent="0" algn="ctr">
               <a:buNone/>
-              <a:defRPr sz="1600"/>
+              <a:defRPr>
+                <a:solidFill>
+                  <a:schemeClr val="tx1">
+                    <a:tint val="75000"/>
+                  </a:schemeClr>
+                </a:solidFill>
+              </a:defRPr>
             </a:lvl7pPr>
             <a:lvl8pPr marL="3200400" indent="0" algn="ctr">
               <a:buNone/>
-              <a:defRPr sz="1600"/>
+              <a:defRPr>
+                <a:solidFill>
+                  <a:schemeClr val="tx1">
+                    <a:tint val="75000"/>
+                  </a:schemeClr>
+                </a:solidFill>
+              </a:defRPr>
             </a:lvl8pPr>
             <a:lvl9pPr marL="3657600" indent="0" algn="ctr">
               <a:buNone/>
-              <a:defRPr sz="1600"/>
+              <a:defRPr>
+                <a:solidFill>
+                  <a:schemeClr val="tx1">
+                    <a:tint val="75000"/>
+                  </a:schemeClr>
+                </a:solidFill>
+              </a:defRPr>
             </a:lvl9pPr>
           </a:lstStyle>
           <a:p>
@@ -228,18 +308,13 @@
               <a:rPr lang="de-DE"/>
               <a:t>Master-Untertitelformat bearbeiten</a:t>
             </a:r>
-          </a:p>
-        </p:txBody>
-      </p:sp>
-      <p:sp>
-        <p:nvSpPr>
-          <p:cNvPr id="4" name="Datumsplatzhalter 3">
-            <a:extLst>
-              <a:ext uri="{FF2B5EF4-FFF2-40B4-BE49-F238E27FC236}">
-                <a16:creationId xmlns:a16="http://schemas.microsoft.com/office/drawing/2014/main" id="{5164EBB8-C9E8-4089-BC06-9DEA77605CC8}"/>
-              </a:ext>
-            </a:extLst>
-          </p:cNvPr>
+            <a:endParaRPr lang="en-US" dirty="0"/>
+          </a:p>
+        </p:txBody>
+      </p:sp>
+      <p:sp>
+        <p:nvSpPr>
+          <p:cNvPr id="4" name="Date Placeholder 3"/>
           <p:cNvSpPr>
             <a:spLocks noGrp="1"/>
           </p:cNvSpPr>
@@ -262,13 +337,7 @@
       </p:sp>
       <p:sp>
         <p:nvSpPr>
-          <p:cNvPr id="5" name="Fußzeilenplatzhalter 4">
-            <a:extLst>
-              <a:ext uri="{FF2B5EF4-FFF2-40B4-BE49-F238E27FC236}">
-                <a16:creationId xmlns:a16="http://schemas.microsoft.com/office/drawing/2014/main" id="{318A2E0C-DFC3-4D89-99B8-760383291CCC}"/>
-              </a:ext>
-            </a:extLst>
-          </p:cNvPr>
+          <p:cNvPr id="5" name="Footer Placeholder 4"/>
           <p:cNvSpPr>
             <a:spLocks noGrp="1"/>
           </p:cNvSpPr>
@@ -287,13 +356,7 @@
       </p:sp>
       <p:sp>
         <p:nvSpPr>
-          <p:cNvPr id="6" name="Foliennummernplatzhalter 5">
-            <a:extLst>
-              <a:ext uri="{FF2B5EF4-FFF2-40B4-BE49-F238E27FC236}">
-                <a16:creationId xmlns:a16="http://schemas.microsoft.com/office/drawing/2014/main" id="{4892DD6C-1895-45ED-9537-FA530BA7621B}"/>
-              </a:ext>
-            </a:extLst>
-          </p:cNvPr>
+          <p:cNvPr id="6" name="Slide Number Placeholder 5"/>
           <p:cNvSpPr>
             <a:spLocks noGrp="1"/>
           </p:cNvSpPr>
@@ -317,7 +380,7 @@
     </p:spTree>
     <p:extLst>
       <p:ext uri="{BB962C8B-B14F-4D97-AF65-F5344CB8AC3E}">
-        <p14:creationId xmlns:p14="http://schemas.microsoft.com/office/powerpoint/2010/main" val="3982985882"/>
+        <p14:creationId xmlns:p14="http://schemas.microsoft.com/office/powerpoint/2010/main" val="2167151067"/>
       </p:ext>
     </p:extLst>
   </p:cSld>
@@ -328,6 +391,2113 @@
 </file>
 
 <file path=ppt/slideLayouts/slideLayout10.xml><?xml version="1.0" encoding="utf-8"?>
+<p:sldLayout xmlns:a="http://schemas.openxmlformats.org/drawingml/2006/main" xmlns:r="http://schemas.openxmlformats.org/officeDocument/2006/relationships" xmlns:p="http://schemas.openxmlformats.org/presentationml/2006/main" preserve="1">
+  <p:cSld name="Panoramabild mit Beschriftung">
+    <p:spTree>
+      <p:nvGrpSpPr>
+        <p:cNvPr id="1" name=""/>
+        <p:cNvGrpSpPr/>
+        <p:nvPr/>
+      </p:nvGrpSpPr>
+      <p:grpSpPr>
+        <a:xfrm>
+          <a:off x="0" y="0"/>
+          <a:ext cx="0" cy="0"/>
+          <a:chOff x="0" y="0"/>
+          <a:chExt cx="0" cy="0"/>
+        </a:xfrm>
+      </p:grpSpPr>
+      <p:sp>
+        <p:nvSpPr>
+          <p:cNvPr id="2" name="Title 1"/>
+          <p:cNvSpPr>
+            <a:spLocks noGrp="1"/>
+          </p:cNvSpPr>
+          <p:nvPr>
+            <p:ph type="title"/>
+          </p:nvPr>
+        </p:nvSpPr>
+        <p:spPr>
+          <a:xfrm>
+            <a:off x="1141413" y="4732865"/>
+            <a:ext cx="9906000" cy="566738"/>
+          </a:xfrm>
+        </p:spPr>
+        <p:txBody>
+          <a:bodyPr anchor="b">
+            <a:normAutofit/>
+          </a:bodyPr>
+          <a:lstStyle>
+            <a:lvl1pPr algn="l">
+              <a:defRPr sz="2400" b="0"/>
+            </a:lvl1pPr>
+          </a:lstStyle>
+          <a:p>
+            <a:r>
+              <a:rPr lang="de-DE"/>
+              <a:t>Mastertitelformat bearbeiten</a:t>
+            </a:r>
+            <a:endParaRPr lang="en-US" dirty="0"/>
+          </a:p>
+        </p:txBody>
+      </p:sp>
+      <p:sp>
+        <p:nvSpPr>
+          <p:cNvPr id="3" name="Picture Placeholder 2"/>
+          <p:cNvSpPr>
+            <a:spLocks noGrp="1" noChangeAspect="1"/>
+          </p:cNvSpPr>
+          <p:nvPr>
+            <p:ph type="pic" idx="1"/>
+          </p:nvPr>
+        </p:nvSpPr>
+        <p:spPr>
+          <a:xfrm>
+            <a:off x="1979612" y="932112"/>
+            <a:ext cx="8225944" cy="3164976"/>
+          </a:xfrm>
+          <a:prstGeom prst="roundRect">
+            <a:avLst>
+              <a:gd name="adj" fmla="val 4380"/>
+            </a:avLst>
+          </a:prstGeom>
+          <a:ln w="38100">
+            <a:gradFill flip="none" rotWithShape="1">
+              <a:gsLst>
+                <a:gs pos="0">
+                  <a:schemeClr val="bg2"/>
+                </a:gs>
+                <a:gs pos="100000">
+                  <a:schemeClr val="bg2">
+                    <a:lumMod val="75000"/>
+                  </a:schemeClr>
+                </a:gs>
+              </a:gsLst>
+              <a:lin ang="5400000" scaled="0"/>
+              <a:tileRect/>
+            </a:gradFill>
+          </a:ln>
+          <a:effectLst>
+            <a:innerShdw blurRad="57150" dist="38100" dir="14460000">
+              <a:srgbClr val="000000">
+                <a:alpha val="70000"/>
+              </a:srgbClr>
+            </a:innerShdw>
+          </a:effectLst>
+        </p:spPr>
+        <p:txBody>
+          <a:bodyPr anchor="t">
+            <a:normAutofit/>
+          </a:bodyPr>
+          <a:lstStyle>
+            <a:lvl1pPr marL="0" indent="0" algn="ctr">
+              <a:buNone/>
+              <a:defRPr sz="1600"/>
+            </a:lvl1pPr>
+            <a:lvl2pPr marL="457200" indent="0">
+              <a:buNone/>
+              <a:defRPr sz="1600"/>
+            </a:lvl2pPr>
+            <a:lvl3pPr marL="914400" indent="0">
+              <a:buNone/>
+              <a:defRPr sz="1600"/>
+            </a:lvl3pPr>
+            <a:lvl4pPr marL="1371600" indent="0">
+              <a:buNone/>
+              <a:defRPr sz="1600"/>
+            </a:lvl4pPr>
+            <a:lvl5pPr marL="1828800" indent="0">
+              <a:buNone/>
+              <a:defRPr sz="1600"/>
+            </a:lvl5pPr>
+            <a:lvl6pPr marL="2286000" indent="0">
+              <a:buNone/>
+              <a:defRPr sz="1600"/>
+            </a:lvl6pPr>
+            <a:lvl7pPr marL="2743200" indent="0">
+              <a:buNone/>
+              <a:defRPr sz="1600"/>
+            </a:lvl7pPr>
+            <a:lvl8pPr marL="3200400" indent="0">
+              <a:buNone/>
+              <a:defRPr sz="1600"/>
+            </a:lvl8pPr>
+            <a:lvl9pPr marL="3657600" indent="0">
+              <a:buNone/>
+              <a:defRPr sz="1600"/>
+            </a:lvl9pPr>
+          </a:lstStyle>
+          <a:p>
+            <a:r>
+              <a:rPr lang="de-DE"/>
+              <a:t>Bild durch Klicken auf Symbol hinzufügen</a:t>
+            </a:r>
+            <a:endParaRPr lang="en-US" dirty="0"/>
+          </a:p>
+        </p:txBody>
+      </p:sp>
+      <p:sp>
+        <p:nvSpPr>
+          <p:cNvPr id="4" name="Text Placeholder 3"/>
+          <p:cNvSpPr>
+            <a:spLocks noGrp="1"/>
+          </p:cNvSpPr>
+          <p:nvPr>
+            <p:ph type="body" sz="half" idx="2"/>
+          </p:nvPr>
+        </p:nvSpPr>
+        <p:spPr>
+          <a:xfrm>
+            <a:off x="1141413" y="5299603"/>
+            <a:ext cx="9906000" cy="493712"/>
+          </a:xfrm>
+        </p:spPr>
+        <p:txBody>
+          <a:bodyPr>
+            <a:normAutofit/>
+          </a:bodyPr>
+          <a:lstStyle>
+            <a:lvl1pPr marL="0" indent="0">
+              <a:buNone/>
+              <a:defRPr sz="1400"/>
+            </a:lvl1pPr>
+            <a:lvl2pPr marL="457200" indent="0">
+              <a:buNone/>
+              <a:defRPr sz="1200"/>
+            </a:lvl2pPr>
+            <a:lvl3pPr marL="914400" indent="0">
+              <a:buNone/>
+              <a:defRPr sz="1000"/>
+            </a:lvl3pPr>
+            <a:lvl4pPr marL="1371600" indent="0">
+              <a:buNone/>
+              <a:defRPr sz="900"/>
+            </a:lvl4pPr>
+            <a:lvl5pPr marL="1828800" indent="0">
+              <a:buNone/>
+              <a:defRPr sz="900"/>
+            </a:lvl5pPr>
+            <a:lvl6pPr marL="2286000" indent="0">
+              <a:buNone/>
+              <a:defRPr sz="900"/>
+            </a:lvl6pPr>
+            <a:lvl7pPr marL="2743200" indent="0">
+              <a:buNone/>
+              <a:defRPr sz="900"/>
+            </a:lvl7pPr>
+            <a:lvl8pPr marL="3200400" indent="0">
+              <a:buNone/>
+              <a:defRPr sz="900"/>
+            </a:lvl8pPr>
+            <a:lvl9pPr marL="3657600" indent="0">
+              <a:buNone/>
+              <a:defRPr sz="900"/>
+            </a:lvl9pPr>
+          </a:lstStyle>
+          <a:p>
+            <a:pPr lvl="0"/>
+            <a:r>
+              <a:rPr lang="de-DE"/>
+              <a:t>Mastertextformat bearbeiten</a:t>
+            </a:r>
+          </a:p>
+        </p:txBody>
+      </p:sp>
+      <p:sp>
+        <p:nvSpPr>
+          <p:cNvPr id="5" name="Date Placeholder 4"/>
+          <p:cNvSpPr>
+            <a:spLocks noGrp="1"/>
+          </p:cNvSpPr>
+          <p:nvPr>
+            <p:ph type="dt" sz="half" idx="10"/>
+          </p:nvPr>
+        </p:nvSpPr>
+        <p:spPr/>
+        <p:txBody>
+          <a:bodyPr/>
+          <a:lstStyle/>
+          <a:p>
+            <a:fld id="{43BCE32F-5E05-43DB-B938-369A12D4E909}" type="datetimeFigureOut">
+              <a:rPr lang="de-DE" smtClean="0"/>
+              <a:t>17.06.2021</a:t>
+            </a:fld>
+            <a:endParaRPr lang="de-DE"/>
+          </a:p>
+        </p:txBody>
+      </p:sp>
+      <p:sp>
+        <p:nvSpPr>
+          <p:cNvPr id="6" name="Footer Placeholder 5"/>
+          <p:cNvSpPr>
+            <a:spLocks noGrp="1"/>
+          </p:cNvSpPr>
+          <p:nvPr>
+            <p:ph type="ftr" sz="quarter" idx="11"/>
+          </p:nvPr>
+        </p:nvSpPr>
+        <p:spPr/>
+        <p:txBody>
+          <a:bodyPr/>
+          <a:lstStyle/>
+          <a:p>
+            <a:endParaRPr lang="de-DE"/>
+          </a:p>
+        </p:txBody>
+      </p:sp>
+      <p:sp>
+        <p:nvSpPr>
+          <p:cNvPr id="7" name="Slide Number Placeholder 6"/>
+          <p:cNvSpPr>
+            <a:spLocks noGrp="1"/>
+          </p:cNvSpPr>
+          <p:nvPr>
+            <p:ph type="sldNum" sz="quarter" idx="12"/>
+          </p:nvPr>
+        </p:nvSpPr>
+        <p:spPr/>
+        <p:txBody>
+          <a:bodyPr/>
+          <a:lstStyle/>
+          <a:p>
+            <a:fld id="{B9721975-55CA-428F-B1FA-1B78A615F678}" type="slidenum">
+              <a:rPr lang="de-DE" smtClean="0"/>
+              <a:t>‹Nr.›</a:t>
+            </a:fld>
+            <a:endParaRPr lang="de-DE"/>
+          </a:p>
+        </p:txBody>
+      </p:sp>
+    </p:spTree>
+    <p:extLst>
+      <p:ext uri="{BB962C8B-B14F-4D97-AF65-F5344CB8AC3E}">
+        <p14:creationId xmlns:p14="http://schemas.microsoft.com/office/powerpoint/2010/main" val="2223853724"/>
+      </p:ext>
+    </p:extLst>
+  </p:cSld>
+  <p:clrMapOvr>
+    <a:masterClrMapping/>
+  </p:clrMapOvr>
+</p:sldLayout>
+</file>
+
+<file path=ppt/slideLayouts/slideLayout11.xml><?xml version="1.0" encoding="utf-8"?>
+<p:sldLayout xmlns:a="http://schemas.openxmlformats.org/drawingml/2006/main" xmlns:r="http://schemas.openxmlformats.org/officeDocument/2006/relationships" xmlns:p="http://schemas.openxmlformats.org/presentationml/2006/main" preserve="1">
+  <p:cSld name="Titel und Beschriftung">
+    <p:spTree>
+      <p:nvGrpSpPr>
+        <p:cNvPr id="1" name=""/>
+        <p:cNvGrpSpPr/>
+        <p:nvPr/>
+      </p:nvGrpSpPr>
+      <p:grpSpPr>
+        <a:xfrm>
+          <a:off x="0" y="0"/>
+          <a:ext cx="0" cy="0"/>
+          <a:chOff x="0" y="0"/>
+          <a:chExt cx="0" cy="0"/>
+        </a:xfrm>
+      </p:grpSpPr>
+      <p:sp>
+        <p:nvSpPr>
+          <p:cNvPr id="2" name="Title 1"/>
+          <p:cNvSpPr>
+            <a:spLocks noGrp="1"/>
+          </p:cNvSpPr>
+          <p:nvPr>
+            <p:ph type="title"/>
+          </p:nvPr>
+        </p:nvSpPr>
+        <p:spPr>
+          <a:xfrm>
+            <a:off x="1141412" y="609601"/>
+            <a:ext cx="9905999" cy="3124199"/>
+          </a:xfrm>
+        </p:spPr>
+        <p:txBody>
+          <a:bodyPr anchor="ctr">
+            <a:normAutofit/>
+          </a:bodyPr>
+          <a:lstStyle>
+            <a:lvl1pPr algn="l">
+              <a:defRPr sz="3200" b="0" cap="all"/>
+            </a:lvl1pPr>
+          </a:lstStyle>
+          <a:p>
+            <a:r>
+              <a:rPr lang="de-DE"/>
+              <a:t>Mastertitelformat bearbeiten</a:t>
+            </a:r>
+            <a:endParaRPr lang="en-US" dirty="0"/>
+          </a:p>
+        </p:txBody>
+      </p:sp>
+      <p:sp>
+        <p:nvSpPr>
+          <p:cNvPr id="3" name="Text Placeholder 2"/>
+          <p:cNvSpPr>
+            <a:spLocks noGrp="1"/>
+          </p:cNvSpPr>
+          <p:nvPr>
+            <p:ph type="body" idx="1"/>
+          </p:nvPr>
+        </p:nvSpPr>
+        <p:spPr>
+          <a:xfrm>
+            <a:off x="1141411" y="4343400"/>
+            <a:ext cx="9906000" cy="1447800"/>
+          </a:xfrm>
+        </p:spPr>
+        <p:txBody>
+          <a:bodyPr anchor="ctr">
+            <a:normAutofit/>
+          </a:bodyPr>
+          <a:lstStyle>
+            <a:lvl1pPr marL="0" indent="0" algn="l">
+              <a:buNone/>
+              <a:defRPr sz="2000">
+                <a:gradFill flip="none" rotWithShape="1">
+                  <a:gsLst>
+                    <a:gs pos="0">
+                      <a:schemeClr val="tx1"/>
+                    </a:gs>
+                    <a:gs pos="100000">
+                      <a:schemeClr val="tx1">
+                        <a:lumMod val="75000"/>
+                      </a:schemeClr>
+                    </a:gs>
+                  </a:gsLst>
+                  <a:lin ang="5400000" scaled="0"/>
+                  <a:tileRect/>
+                </a:gradFill>
+              </a:defRPr>
+            </a:lvl1pPr>
+            <a:lvl2pPr marL="457200" indent="0">
+              <a:buNone/>
+              <a:defRPr sz="1800">
+                <a:solidFill>
+                  <a:schemeClr val="tx1">
+                    <a:tint val="75000"/>
+                  </a:schemeClr>
+                </a:solidFill>
+              </a:defRPr>
+            </a:lvl2pPr>
+            <a:lvl3pPr marL="914400" indent="0">
+              <a:buNone/>
+              <a:defRPr sz="1600">
+                <a:solidFill>
+                  <a:schemeClr val="tx1">
+                    <a:tint val="75000"/>
+                  </a:schemeClr>
+                </a:solidFill>
+              </a:defRPr>
+            </a:lvl3pPr>
+            <a:lvl4pPr marL="1371600" indent="0">
+              <a:buNone/>
+              <a:defRPr sz="1400">
+                <a:solidFill>
+                  <a:schemeClr val="tx1">
+                    <a:tint val="75000"/>
+                  </a:schemeClr>
+                </a:solidFill>
+              </a:defRPr>
+            </a:lvl4pPr>
+            <a:lvl5pPr marL="1828800" indent="0">
+              <a:buNone/>
+              <a:defRPr sz="1400">
+                <a:solidFill>
+                  <a:schemeClr val="tx1">
+                    <a:tint val="75000"/>
+                  </a:schemeClr>
+                </a:solidFill>
+              </a:defRPr>
+            </a:lvl5pPr>
+            <a:lvl6pPr marL="2286000" indent="0">
+              <a:buNone/>
+              <a:defRPr sz="1400">
+                <a:solidFill>
+                  <a:schemeClr val="tx1">
+                    <a:tint val="75000"/>
+                  </a:schemeClr>
+                </a:solidFill>
+              </a:defRPr>
+            </a:lvl6pPr>
+            <a:lvl7pPr marL="2743200" indent="0">
+              <a:buNone/>
+              <a:defRPr sz="1400">
+                <a:solidFill>
+                  <a:schemeClr val="tx1">
+                    <a:tint val="75000"/>
+                  </a:schemeClr>
+                </a:solidFill>
+              </a:defRPr>
+            </a:lvl7pPr>
+            <a:lvl8pPr marL="3200400" indent="0">
+              <a:buNone/>
+              <a:defRPr sz="1400">
+                <a:solidFill>
+                  <a:schemeClr val="tx1">
+                    <a:tint val="75000"/>
+                  </a:schemeClr>
+                </a:solidFill>
+              </a:defRPr>
+            </a:lvl8pPr>
+            <a:lvl9pPr marL="3657600" indent="0">
+              <a:buNone/>
+              <a:defRPr sz="1400">
+                <a:solidFill>
+                  <a:schemeClr val="tx1">
+                    <a:tint val="75000"/>
+                  </a:schemeClr>
+                </a:solidFill>
+              </a:defRPr>
+            </a:lvl9pPr>
+          </a:lstStyle>
+          <a:p>
+            <a:pPr lvl="0"/>
+            <a:r>
+              <a:rPr lang="de-DE"/>
+              <a:t>Mastertextformat bearbeiten</a:t>
+            </a:r>
+          </a:p>
+        </p:txBody>
+      </p:sp>
+      <p:sp>
+        <p:nvSpPr>
+          <p:cNvPr id="4" name="Date Placeholder 3"/>
+          <p:cNvSpPr>
+            <a:spLocks noGrp="1"/>
+          </p:cNvSpPr>
+          <p:nvPr>
+            <p:ph type="dt" sz="half" idx="10"/>
+          </p:nvPr>
+        </p:nvSpPr>
+        <p:spPr/>
+        <p:txBody>
+          <a:bodyPr/>
+          <a:lstStyle/>
+          <a:p>
+            <a:fld id="{43BCE32F-5E05-43DB-B938-369A12D4E909}" type="datetimeFigureOut">
+              <a:rPr lang="de-DE" smtClean="0"/>
+              <a:t>17.06.2021</a:t>
+            </a:fld>
+            <a:endParaRPr lang="de-DE"/>
+          </a:p>
+        </p:txBody>
+      </p:sp>
+      <p:sp>
+        <p:nvSpPr>
+          <p:cNvPr id="5" name="Footer Placeholder 4"/>
+          <p:cNvSpPr>
+            <a:spLocks noGrp="1"/>
+          </p:cNvSpPr>
+          <p:nvPr>
+            <p:ph type="ftr" sz="quarter" idx="11"/>
+          </p:nvPr>
+        </p:nvSpPr>
+        <p:spPr/>
+        <p:txBody>
+          <a:bodyPr/>
+          <a:lstStyle/>
+          <a:p>
+            <a:endParaRPr lang="de-DE"/>
+          </a:p>
+        </p:txBody>
+      </p:sp>
+      <p:sp>
+        <p:nvSpPr>
+          <p:cNvPr id="6" name="Slide Number Placeholder 5"/>
+          <p:cNvSpPr>
+            <a:spLocks noGrp="1"/>
+          </p:cNvSpPr>
+          <p:nvPr>
+            <p:ph type="sldNum" sz="quarter" idx="12"/>
+          </p:nvPr>
+        </p:nvSpPr>
+        <p:spPr/>
+        <p:txBody>
+          <a:bodyPr/>
+          <a:lstStyle/>
+          <a:p>
+            <a:fld id="{B9721975-55CA-428F-B1FA-1B78A615F678}" type="slidenum">
+              <a:rPr lang="de-DE" smtClean="0"/>
+              <a:t>‹Nr.›</a:t>
+            </a:fld>
+            <a:endParaRPr lang="de-DE"/>
+          </a:p>
+        </p:txBody>
+      </p:sp>
+    </p:spTree>
+    <p:extLst>
+      <p:ext uri="{BB962C8B-B14F-4D97-AF65-F5344CB8AC3E}">
+        <p14:creationId xmlns:p14="http://schemas.microsoft.com/office/powerpoint/2010/main" val="2842925180"/>
+      </p:ext>
+    </p:extLst>
+  </p:cSld>
+  <p:clrMapOvr>
+    <a:masterClrMapping/>
+  </p:clrMapOvr>
+</p:sldLayout>
+</file>
+
+<file path=ppt/slideLayouts/slideLayout12.xml><?xml version="1.0" encoding="utf-8"?>
+<p:sldLayout xmlns:a="http://schemas.openxmlformats.org/drawingml/2006/main" xmlns:r="http://schemas.openxmlformats.org/officeDocument/2006/relationships" xmlns:p="http://schemas.openxmlformats.org/presentationml/2006/main" preserve="1">
+  <p:cSld name="Zitat mit Beschriftung">
+    <p:spTree>
+      <p:nvGrpSpPr>
+        <p:cNvPr id="1" name=""/>
+        <p:cNvGrpSpPr/>
+        <p:nvPr/>
+      </p:nvGrpSpPr>
+      <p:grpSpPr>
+        <a:xfrm>
+          <a:off x="0" y="0"/>
+          <a:ext cx="0" cy="0"/>
+          <a:chOff x="0" y="0"/>
+          <a:chExt cx="0" cy="0"/>
+        </a:xfrm>
+      </p:grpSpPr>
+      <p:sp>
+        <p:nvSpPr>
+          <p:cNvPr id="14" name="TextBox 13"/>
+          <p:cNvSpPr txBox="1"/>
+          <p:nvPr/>
+        </p:nvSpPr>
+        <p:spPr>
+          <a:xfrm>
+            <a:off x="836612" y="786824"/>
+            <a:ext cx="609600" cy="584776"/>
+          </a:xfrm>
+          <a:prstGeom prst="rect">
+            <a:avLst/>
+          </a:prstGeom>
+        </p:spPr>
+        <p:txBody>
+          <a:bodyPr vert="horz" lIns="91440" tIns="45720" rIns="91440" bIns="45720" rtlCol="0" anchor="ctr">
+            <a:noAutofit/>
+          </a:bodyPr>
+          <a:lstStyle>
+            <a:lvl1pPr>
+              <a:spcBef>
+                <a:spcPct val="0"/>
+              </a:spcBef>
+              <a:buNone/>
+              <a:defRPr sz="3200" b="0" cap="all">
+                <a:ln w="3175" cmpd="sng">
+                  <a:noFill/>
+                </a:ln>
+                <a:effectLst>
+                  <a:glow rad="38100">
+                    <a:schemeClr val="bg1">
+                      <a:lumMod val="65000"/>
+                      <a:lumOff val="35000"/>
+                      <a:alpha val="40000"/>
+                    </a:schemeClr>
+                  </a:glow>
+                  <a:outerShdw blurRad="28575" dist="38100" dir="14040000" algn="tl" rotWithShape="0">
+                    <a:srgbClr val="000000">
+                      <a:alpha val="25000"/>
+                    </a:srgbClr>
+                  </a:outerShdw>
+                </a:effectLst>
+              </a:defRPr>
+            </a:lvl1pPr>
+            <a:lvl2pPr>
+              <a:defRPr>
+                <a:solidFill>
+                  <a:schemeClr val="tx2"/>
+                </a:solidFill>
+              </a:defRPr>
+            </a:lvl2pPr>
+            <a:lvl3pPr>
+              <a:defRPr>
+                <a:solidFill>
+                  <a:schemeClr val="tx2"/>
+                </a:solidFill>
+              </a:defRPr>
+            </a:lvl3pPr>
+            <a:lvl4pPr>
+              <a:defRPr>
+                <a:solidFill>
+                  <a:schemeClr val="tx2"/>
+                </a:solidFill>
+              </a:defRPr>
+            </a:lvl4pPr>
+            <a:lvl5pPr>
+              <a:defRPr>
+                <a:solidFill>
+                  <a:schemeClr val="tx2"/>
+                </a:solidFill>
+              </a:defRPr>
+            </a:lvl5pPr>
+            <a:lvl6pPr>
+              <a:defRPr>
+                <a:solidFill>
+                  <a:schemeClr val="tx2"/>
+                </a:solidFill>
+              </a:defRPr>
+            </a:lvl6pPr>
+            <a:lvl7pPr>
+              <a:defRPr>
+                <a:solidFill>
+                  <a:schemeClr val="tx2"/>
+                </a:solidFill>
+              </a:defRPr>
+            </a:lvl7pPr>
+            <a:lvl8pPr>
+              <a:defRPr>
+                <a:solidFill>
+                  <a:schemeClr val="tx2"/>
+                </a:solidFill>
+              </a:defRPr>
+            </a:lvl8pPr>
+            <a:lvl9pPr>
+              <a:defRPr>
+                <a:solidFill>
+                  <a:schemeClr val="tx2"/>
+                </a:solidFill>
+              </a:defRPr>
+            </a:lvl9pPr>
+          </a:lstStyle>
+          <a:p>
+            <a:pPr lvl="0"/>
+            <a:r>
+              <a:rPr lang="en-US" sz="8000" dirty="0">
+                <a:solidFill>
+                  <a:schemeClr val="accent1"/>
+                </a:solidFill>
+              </a:rPr>
+              <a:t>“</a:t>
+            </a:r>
+          </a:p>
+        </p:txBody>
+      </p:sp>
+      <p:sp>
+        <p:nvSpPr>
+          <p:cNvPr id="15" name="TextBox 14"/>
+          <p:cNvSpPr txBox="1"/>
+          <p:nvPr/>
+        </p:nvSpPr>
+        <p:spPr>
+          <a:xfrm>
+            <a:off x="10437812" y="2743200"/>
+            <a:ext cx="609600" cy="584776"/>
+          </a:xfrm>
+          <a:prstGeom prst="rect">
+            <a:avLst/>
+          </a:prstGeom>
+        </p:spPr>
+        <p:txBody>
+          <a:bodyPr vert="horz" lIns="91440" tIns="45720" rIns="91440" bIns="45720" rtlCol="0" anchor="ctr">
+            <a:noAutofit/>
+          </a:bodyPr>
+          <a:lstStyle>
+            <a:lvl1pPr>
+              <a:spcBef>
+                <a:spcPct val="0"/>
+              </a:spcBef>
+              <a:buNone/>
+              <a:defRPr sz="3200" b="0" cap="all">
+                <a:ln w="3175" cmpd="sng">
+                  <a:noFill/>
+                </a:ln>
+                <a:effectLst>
+                  <a:glow rad="38100">
+                    <a:schemeClr val="bg1">
+                      <a:lumMod val="65000"/>
+                      <a:lumOff val="35000"/>
+                      <a:alpha val="40000"/>
+                    </a:schemeClr>
+                  </a:glow>
+                  <a:outerShdw blurRad="28575" dist="38100" dir="14040000" algn="tl" rotWithShape="0">
+                    <a:srgbClr val="000000">
+                      <a:alpha val="25000"/>
+                    </a:srgbClr>
+                  </a:outerShdw>
+                </a:effectLst>
+              </a:defRPr>
+            </a:lvl1pPr>
+            <a:lvl2pPr>
+              <a:defRPr>
+                <a:solidFill>
+                  <a:schemeClr val="tx2"/>
+                </a:solidFill>
+              </a:defRPr>
+            </a:lvl2pPr>
+            <a:lvl3pPr>
+              <a:defRPr>
+                <a:solidFill>
+                  <a:schemeClr val="tx2"/>
+                </a:solidFill>
+              </a:defRPr>
+            </a:lvl3pPr>
+            <a:lvl4pPr>
+              <a:defRPr>
+                <a:solidFill>
+                  <a:schemeClr val="tx2"/>
+                </a:solidFill>
+              </a:defRPr>
+            </a:lvl4pPr>
+            <a:lvl5pPr>
+              <a:defRPr>
+                <a:solidFill>
+                  <a:schemeClr val="tx2"/>
+                </a:solidFill>
+              </a:defRPr>
+            </a:lvl5pPr>
+            <a:lvl6pPr>
+              <a:defRPr>
+                <a:solidFill>
+                  <a:schemeClr val="tx2"/>
+                </a:solidFill>
+              </a:defRPr>
+            </a:lvl6pPr>
+            <a:lvl7pPr>
+              <a:defRPr>
+                <a:solidFill>
+                  <a:schemeClr val="tx2"/>
+                </a:solidFill>
+              </a:defRPr>
+            </a:lvl7pPr>
+            <a:lvl8pPr>
+              <a:defRPr>
+                <a:solidFill>
+                  <a:schemeClr val="tx2"/>
+                </a:solidFill>
+              </a:defRPr>
+            </a:lvl8pPr>
+            <a:lvl9pPr>
+              <a:defRPr>
+                <a:solidFill>
+                  <a:schemeClr val="tx2"/>
+                </a:solidFill>
+              </a:defRPr>
+            </a:lvl9pPr>
+          </a:lstStyle>
+          <a:p>
+            <a:pPr lvl="0" algn="r"/>
+            <a:r>
+              <a:rPr lang="en-US" sz="8000" dirty="0">
+                <a:solidFill>
+                  <a:schemeClr val="accent1"/>
+                </a:solidFill>
+              </a:rPr>
+              <a:t>”</a:t>
+            </a:r>
+          </a:p>
+        </p:txBody>
+      </p:sp>
+      <p:sp>
+        <p:nvSpPr>
+          <p:cNvPr id="2" name="Title 1"/>
+          <p:cNvSpPr>
+            <a:spLocks noGrp="1"/>
+          </p:cNvSpPr>
+          <p:nvPr>
+            <p:ph type="title"/>
+          </p:nvPr>
+        </p:nvSpPr>
+        <p:spPr>
+          <a:xfrm>
+            <a:off x="1446213" y="609601"/>
+            <a:ext cx="9296398" cy="2743199"/>
+          </a:xfrm>
+        </p:spPr>
+        <p:txBody>
+          <a:bodyPr anchor="ctr">
+            <a:normAutofit/>
+          </a:bodyPr>
+          <a:lstStyle>
+            <a:lvl1pPr algn="l">
+              <a:defRPr sz="3200" b="0" cap="all">
+                <a:solidFill>
+                  <a:schemeClr val="tx1"/>
+                </a:solidFill>
+              </a:defRPr>
+            </a:lvl1pPr>
+          </a:lstStyle>
+          <a:p>
+            <a:r>
+              <a:rPr lang="de-DE"/>
+              <a:t>Mastertitelformat bearbeiten</a:t>
+            </a:r>
+            <a:endParaRPr lang="en-US" dirty="0"/>
+          </a:p>
+        </p:txBody>
+      </p:sp>
+      <p:sp>
+        <p:nvSpPr>
+          <p:cNvPr id="10" name="Text Placeholder 9"/>
+          <p:cNvSpPr>
+            <a:spLocks noGrp="1"/>
+          </p:cNvSpPr>
+          <p:nvPr>
+            <p:ph type="body" sz="quarter" idx="13"/>
+          </p:nvPr>
+        </p:nvSpPr>
+        <p:spPr>
+          <a:xfrm>
+            <a:off x="1674812" y="3352800"/>
+            <a:ext cx="8839202" cy="381000"/>
+          </a:xfrm>
+        </p:spPr>
+        <p:txBody>
+          <a:bodyPr anchor="ctr"/>
+          <a:lstStyle>
+            <a:lvl1pPr marL="0" indent="0">
+              <a:buFontTx/>
+              <a:buNone/>
+              <a:defRPr/>
+            </a:lvl1pPr>
+            <a:lvl2pPr marL="457200" indent="0">
+              <a:buFontTx/>
+              <a:buNone/>
+              <a:defRPr/>
+            </a:lvl2pPr>
+            <a:lvl3pPr marL="914400" indent="0">
+              <a:buFontTx/>
+              <a:buNone/>
+              <a:defRPr/>
+            </a:lvl3pPr>
+            <a:lvl4pPr marL="1371600" indent="0">
+              <a:buFontTx/>
+              <a:buNone/>
+              <a:defRPr/>
+            </a:lvl4pPr>
+            <a:lvl5pPr marL="1828800" indent="0">
+              <a:buFontTx/>
+              <a:buNone/>
+              <a:defRPr/>
+            </a:lvl5pPr>
+          </a:lstStyle>
+          <a:p>
+            <a:pPr lvl="0"/>
+            <a:r>
+              <a:rPr lang="de-DE"/>
+              <a:t>Mastertextformat bearbeiten</a:t>
+            </a:r>
+          </a:p>
+        </p:txBody>
+      </p:sp>
+      <p:sp>
+        <p:nvSpPr>
+          <p:cNvPr id="3" name="Text Placeholder 2"/>
+          <p:cNvSpPr>
+            <a:spLocks noGrp="1"/>
+          </p:cNvSpPr>
+          <p:nvPr>
+            <p:ph type="body" idx="1"/>
+          </p:nvPr>
+        </p:nvSpPr>
+        <p:spPr>
+          <a:xfrm>
+            <a:off x="1141411" y="4343400"/>
+            <a:ext cx="9906000" cy="1447800"/>
+          </a:xfrm>
+        </p:spPr>
+        <p:txBody>
+          <a:bodyPr vert="horz" lIns="91440" tIns="45720" rIns="91440" bIns="45720" rtlCol="0" anchor="ctr">
+            <a:normAutofit/>
+          </a:bodyPr>
+          <a:lstStyle>
+            <a:lvl1pPr>
+              <a:buNone/>
+              <a:defRPr lang="en-US" sz="2000">
+                <a:gradFill flip="none" rotWithShape="1">
+                  <a:gsLst>
+                    <a:gs pos="0">
+                      <a:schemeClr val="tx1"/>
+                    </a:gs>
+                    <a:gs pos="100000">
+                      <a:schemeClr val="tx1">
+                        <a:lumMod val="75000"/>
+                      </a:schemeClr>
+                    </a:gs>
+                  </a:gsLst>
+                  <a:lin ang="5400000" scaled="0"/>
+                  <a:tileRect/>
+                </a:gradFill>
+              </a:defRPr>
+            </a:lvl1pPr>
+          </a:lstStyle>
+          <a:p>
+            <a:pPr marL="0" lvl="0" indent="0">
+              <a:buNone/>
+            </a:pPr>
+            <a:r>
+              <a:rPr lang="de-DE"/>
+              <a:t>Mastertextformat bearbeiten</a:t>
+            </a:r>
+          </a:p>
+        </p:txBody>
+      </p:sp>
+      <p:sp>
+        <p:nvSpPr>
+          <p:cNvPr id="4" name="Date Placeholder 3"/>
+          <p:cNvSpPr>
+            <a:spLocks noGrp="1"/>
+          </p:cNvSpPr>
+          <p:nvPr>
+            <p:ph type="dt" sz="half" idx="10"/>
+          </p:nvPr>
+        </p:nvSpPr>
+        <p:spPr/>
+        <p:txBody>
+          <a:bodyPr/>
+          <a:lstStyle/>
+          <a:p>
+            <a:fld id="{43BCE32F-5E05-43DB-B938-369A12D4E909}" type="datetimeFigureOut">
+              <a:rPr lang="de-DE" smtClean="0"/>
+              <a:t>17.06.2021</a:t>
+            </a:fld>
+            <a:endParaRPr lang="de-DE"/>
+          </a:p>
+        </p:txBody>
+      </p:sp>
+      <p:sp>
+        <p:nvSpPr>
+          <p:cNvPr id="5" name="Footer Placeholder 4"/>
+          <p:cNvSpPr>
+            <a:spLocks noGrp="1"/>
+          </p:cNvSpPr>
+          <p:nvPr>
+            <p:ph type="ftr" sz="quarter" idx="11"/>
+          </p:nvPr>
+        </p:nvSpPr>
+        <p:spPr/>
+        <p:txBody>
+          <a:bodyPr/>
+          <a:lstStyle/>
+          <a:p>
+            <a:endParaRPr lang="de-DE"/>
+          </a:p>
+        </p:txBody>
+      </p:sp>
+      <p:sp>
+        <p:nvSpPr>
+          <p:cNvPr id="6" name="Slide Number Placeholder 5"/>
+          <p:cNvSpPr>
+            <a:spLocks noGrp="1"/>
+          </p:cNvSpPr>
+          <p:nvPr>
+            <p:ph type="sldNum" sz="quarter" idx="12"/>
+          </p:nvPr>
+        </p:nvSpPr>
+        <p:spPr/>
+        <p:txBody>
+          <a:bodyPr/>
+          <a:lstStyle/>
+          <a:p>
+            <a:fld id="{B9721975-55CA-428F-B1FA-1B78A615F678}" type="slidenum">
+              <a:rPr lang="de-DE" smtClean="0"/>
+              <a:t>‹Nr.›</a:t>
+            </a:fld>
+            <a:endParaRPr lang="de-DE"/>
+          </a:p>
+        </p:txBody>
+      </p:sp>
+    </p:spTree>
+    <p:extLst>
+      <p:ext uri="{BB962C8B-B14F-4D97-AF65-F5344CB8AC3E}">
+        <p14:creationId xmlns:p14="http://schemas.microsoft.com/office/powerpoint/2010/main" val="2023638069"/>
+      </p:ext>
+    </p:extLst>
+  </p:cSld>
+  <p:clrMapOvr>
+    <a:masterClrMapping/>
+  </p:clrMapOvr>
+</p:sldLayout>
+</file>
+
+<file path=ppt/slideLayouts/slideLayout13.xml><?xml version="1.0" encoding="utf-8"?>
+<p:sldLayout xmlns:a="http://schemas.openxmlformats.org/drawingml/2006/main" xmlns:r="http://schemas.openxmlformats.org/officeDocument/2006/relationships" xmlns:p="http://schemas.openxmlformats.org/presentationml/2006/main" preserve="1">
+  <p:cSld name="Namenskarte">
+    <p:spTree>
+      <p:nvGrpSpPr>
+        <p:cNvPr id="1" name=""/>
+        <p:cNvGrpSpPr/>
+        <p:nvPr/>
+      </p:nvGrpSpPr>
+      <p:grpSpPr>
+        <a:xfrm>
+          <a:off x="0" y="0"/>
+          <a:ext cx="0" cy="0"/>
+          <a:chOff x="0" y="0"/>
+          <a:chExt cx="0" cy="0"/>
+        </a:xfrm>
+      </p:grpSpPr>
+      <p:sp>
+        <p:nvSpPr>
+          <p:cNvPr id="2" name="Title 1"/>
+          <p:cNvSpPr>
+            <a:spLocks noGrp="1"/>
+          </p:cNvSpPr>
+          <p:nvPr>
+            <p:ph type="title"/>
+          </p:nvPr>
+        </p:nvSpPr>
+        <p:spPr>
+          <a:xfrm>
+            <a:off x="1141412" y="3308581"/>
+            <a:ext cx="9906000" cy="1468800"/>
+          </a:xfrm>
+        </p:spPr>
+        <p:txBody>
+          <a:bodyPr anchor="b">
+            <a:normAutofit/>
+          </a:bodyPr>
+          <a:lstStyle>
+            <a:lvl1pPr algn="l">
+              <a:defRPr sz="3200" b="0" cap="all"/>
+            </a:lvl1pPr>
+          </a:lstStyle>
+          <a:p>
+            <a:r>
+              <a:rPr lang="de-DE"/>
+              <a:t>Mastertitelformat bearbeiten</a:t>
+            </a:r>
+            <a:endParaRPr lang="en-US" dirty="0"/>
+          </a:p>
+        </p:txBody>
+      </p:sp>
+      <p:sp>
+        <p:nvSpPr>
+          <p:cNvPr id="3" name="Text Placeholder 2"/>
+          <p:cNvSpPr>
+            <a:spLocks noGrp="1"/>
+          </p:cNvSpPr>
+          <p:nvPr>
+            <p:ph type="body" idx="1"/>
+          </p:nvPr>
+        </p:nvSpPr>
+        <p:spPr>
+          <a:xfrm>
+            <a:off x="1141410" y="4777381"/>
+            <a:ext cx="9906001" cy="860400"/>
+          </a:xfrm>
+        </p:spPr>
+        <p:txBody>
+          <a:bodyPr vert="horz" lIns="91440" tIns="45720" rIns="91440" bIns="45720" rtlCol="0" anchor="t">
+            <a:normAutofit/>
+          </a:bodyPr>
+          <a:lstStyle>
+            <a:lvl1pPr>
+              <a:defRPr lang="en-US" sz="2000">
+                <a:gradFill flip="none" rotWithShape="1">
+                  <a:gsLst>
+                    <a:gs pos="0">
+                      <a:schemeClr val="tx1"/>
+                    </a:gs>
+                    <a:gs pos="100000">
+                      <a:schemeClr val="tx1">
+                        <a:lumMod val="75000"/>
+                      </a:schemeClr>
+                    </a:gs>
+                  </a:gsLst>
+                  <a:lin ang="5400000" scaled="0"/>
+                  <a:tileRect/>
+                </a:gradFill>
+              </a:defRPr>
+            </a:lvl1pPr>
+          </a:lstStyle>
+          <a:p>
+            <a:pPr marL="0" lvl="0" indent="0">
+              <a:buNone/>
+            </a:pPr>
+            <a:r>
+              <a:rPr lang="de-DE"/>
+              <a:t>Mastertextformat bearbeiten</a:t>
+            </a:r>
+          </a:p>
+        </p:txBody>
+      </p:sp>
+      <p:sp>
+        <p:nvSpPr>
+          <p:cNvPr id="4" name="Date Placeholder 3"/>
+          <p:cNvSpPr>
+            <a:spLocks noGrp="1"/>
+          </p:cNvSpPr>
+          <p:nvPr>
+            <p:ph type="dt" sz="half" idx="10"/>
+          </p:nvPr>
+        </p:nvSpPr>
+        <p:spPr/>
+        <p:txBody>
+          <a:bodyPr/>
+          <a:lstStyle/>
+          <a:p>
+            <a:fld id="{43BCE32F-5E05-43DB-B938-369A12D4E909}" type="datetimeFigureOut">
+              <a:rPr lang="de-DE" smtClean="0"/>
+              <a:t>17.06.2021</a:t>
+            </a:fld>
+            <a:endParaRPr lang="de-DE"/>
+          </a:p>
+        </p:txBody>
+      </p:sp>
+      <p:sp>
+        <p:nvSpPr>
+          <p:cNvPr id="5" name="Footer Placeholder 4"/>
+          <p:cNvSpPr>
+            <a:spLocks noGrp="1"/>
+          </p:cNvSpPr>
+          <p:nvPr>
+            <p:ph type="ftr" sz="quarter" idx="11"/>
+          </p:nvPr>
+        </p:nvSpPr>
+        <p:spPr/>
+        <p:txBody>
+          <a:bodyPr/>
+          <a:lstStyle/>
+          <a:p>
+            <a:endParaRPr lang="de-DE"/>
+          </a:p>
+        </p:txBody>
+      </p:sp>
+      <p:sp>
+        <p:nvSpPr>
+          <p:cNvPr id="6" name="Slide Number Placeholder 5"/>
+          <p:cNvSpPr>
+            <a:spLocks noGrp="1"/>
+          </p:cNvSpPr>
+          <p:nvPr>
+            <p:ph type="sldNum" sz="quarter" idx="12"/>
+          </p:nvPr>
+        </p:nvSpPr>
+        <p:spPr/>
+        <p:txBody>
+          <a:bodyPr/>
+          <a:lstStyle/>
+          <a:p>
+            <a:fld id="{B9721975-55CA-428F-B1FA-1B78A615F678}" type="slidenum">
+              <a:rPr lang="de-DE" smtClean="0"/>
+              <a:t>‹Nr.›</a:t>
+            </a:fld>
+            <a:endParaRPr lang="de-DE"/>
+          </a:p>
+        </p:txBody>
+      </p:sp>
+    </p:spTree>
+    <p:extLst>
+      <p:ext uri="{BB962C8B-B14F-4D97-AF65-F5344CB8AC3E}">
+        <p14:creationId xmlns:p14="http://schemas.microsoft.com/office/powerpoint/2010/main" val="28351204"/>
+      </p:ext>
+    </p:extLst>
+  </p:cSld>
+  <p:clrMapOvr>
+    <a:masterClrMapping/>
+  </p:clrMapOvr>
+</p:sldLayout>
+</file>
+
+<file path=ppt/slideLayouts/slideLayout14.xml><?xml version="1.0" encoding="utf-8"?>
+<p:sldLayout xmlns:a="http://schemas.openxmlformats.org/drawingml/2006/main" xmlns:r="http://schemas.openxmlformats.org/officeDocument/2006/relationships" xmlns:p="http://schemas.openxmlformats.org/presentationml/2006/main" preserve="1">
+  <p:cSld name="Namenskarte für Zitat">
+    <p:spTree>
+      <p:nvGrpSpPr>
+        <p:cNvPr id="1" name=""/>
+        <p:cNvGrpSpPr/>
+        <p:nvPr/>
+      </p:nvGrpSpPr>
+      <p:grpSpPr>
+        <a:xfrm>
+          <a:off x="0" y="0"/>
+          <a:ext cx="0" cy="0"/>
+          <a:chOff x="0" y="0"/>
+          <a:chExt cx="0" cy="0"/>
+        </a:xfrm>
+      </p:grpSpPr>
+      <p:sp>
+        <p:nvSpPr>
+          <p:cNvPr id="14" name="TextBox 13"/>
+          <p:cNvSpPr txBox="1"/>
+          <p:nvPr/>
+        </p:nvSpPr>
+        <p:spPr>
+          <a:xfrm>
+            <a:off x="836612" y="786824"/>
+            <a:ext cx="609600" cy="584776"/>
+          </a:xfrm>
+          <a:prstGeom prst="rect">
+            <a:avLst/>
+          </a:prstGeom>
+        </p:spPr>
+        <p:txBody>
+          <a:bodyPr vert="horz" lIns="91440" tIns="45720" rIns="91440" bIns="45720" rtlCol="0" anchor="ctr">
+            <a:noAutofit/>
+          </a:bodyPr>
+          <a:lstStyle>
+            <a:lvl1pPr>
+              <a:spcBef>
+                <a:spcPct val="0"/>
+              </a:spcBef>
+              <a:buNone/>
+              <a:defRPr sz="3200" b="0" cap="all">
+                <a:ln w="3175" cmpd="sng">
+                  <a:noFill/>
+                </a:ln>
+                <a:effectLst>
+                  <a:glow rad="38100">
+                    <a:schemeClr val="bg1">
+                      <a:lumMod val="65000"/>
+                      <a:lumOff val="35000"/>
+                      <a:alpha val="40000"/>
+                    </a:schemeClr>
+                  </a:glow>
+                  <a:outerShdw blurRad="28575" dist="38100" dir="14040000" algn="tl" rotWithShape="0">
+                    <a:srgbClr val="000000">
+                      <a:alpha val="25000"/>
+                    </a:srgbClr>
+                  </a:outerShdw>
+                </a:effectLst>
+              </a:defRPr>
+            </a:lvl1pPr>
+            <a:lvl2pPr>
+              <a:defRPr>
+                <a:solidFill>
+                  <a:schemeClr val="tx2"/>
+                </a:solidFill>
+              </a:defRPr>
+            </a:lvl2pPr>
+            <a:lvl3pPr>
+              <a:defRPr>
+                <a:solidFill>
+                  <a:schemeClr val="tx2"/>
+                </a:solidFill>
+              </a:defRPr>
+            </a:lvl3pPr>
+            <a:lvl4pPr>
+              <a:defRPr>
+                <a:solidFill>
+                  <a:schemeClr val="tx2"/>
+                </a:solidFill>
+              </a:defRPr>
+            </a:lvl4pPr>
+            <a:lvl5pPr>
+              <a:defRPr>
+                <a:solidFill>
+                  <a:schemeClr val="tx2"/>
+                </a:solidFill>
+              </a:defRPr>
+            </a:lvl5pPr>
+            <a:lvl6pPr>
+              <a:defRPr>
+                <a:solidFill>
+                  <a:schemeClr val="tx2"/>
+                </a:solidFill>
+              </a:defRPr>
+            </a:lvl6pPr>
+            <a:lvl7pPr>
+              <a:defRPr>
+                <a:solidFill>
+                  <a:schemeClr val="tx2"/>
+                </a:solidFill>
+              </a:defRPr>
+            </a:lvl7pPr>
+            <a:lvl8pPr>
+              <a:defRPr>
+                <a:solidFill>
+                  <a:schemeClr val="tx2"/>
+                </a:solidFill>
+              </a:defRPr>
+            </a:lvl8pPr>
+            <a:lvl9pPr>
+              <a:defRPr>
+                <a:solidFill>
+                  <a:schemeClr val="tx2"/>
+                </a:solidFill>
+              </a:defRPr>
+            </a:lvl9pPr>
+          </a:lstStyle>
+          <a:p>
+            <a:pPr lvl="0"/>
+            <a:r>
+              <a:rPr lang="en-US" sz="8000" dirty="0">
+                <a:solidFill>
+                  <a:schemeClr val="accent1"/>
+                </a:solidFill>
+              </a:rPr>
+              <a:t>“</a:t>
+            </a:r>
+          </a:p>
+        </p:txBody>
+      </p:sp>
+      <p:sp>
+        <p:nvSpPr>
+          <p:cNvPr id="15" name="TextBox 14"/>
+          <p:cNvSpPr txBox="1"/>
+          <p:nvPr/>
+        </p:nvSpPr>
+        <p:spPr>
+          <a:xfrm>
+            <a:off x="10437812" y="2743200"/>
+            <a:ext cx="609600" cy="584776"/>
+          </a:xfrm>
+          <a:prstGeom prst="rect">
+            <a:avLst/>
+          </a:prstGeom>
+        </p:spPr>
+        <p:txBody>
+          <a:bodyPr vert="horz" lIns="91440" tIns="45720" rIns="91440" bIns="45720" rtlCol="0" anchor="ctr">
+            <a:noAutofit/>
+          </a:bodyPr>
+          <a:lstStyle>
+            <a:lvl1pPr>
+              <a:spcBef>
+                <a:spcPct val="0"/>
+              </a:spcBef>
+              <a:buNone/>
+              <a:defRPr sz="3200" b="0" cap="all">
+                <a:ln w="3175" cmpd="sng">
+                  <a:noFill/>
+                </a:ln>
+                <a:effectLst>
+                  <a:glow rad="38100">
+                    <a:schemeClr val="bg1">
+                      <a:lumMod val="65000"/>
+                      <a:lumOff val="35000"/>
+                      <a:alpha val="40000"/>
+                    </a:schemeClr>
+                  </a:glow>
+                  <a:outerShdw blurRad="28575" dist="38100" dir="14040000" algn="tl" rotWithShape="0">
+                    <a:srgbClr val="000000">
+                      <a:alpha val="25000"/>
+                    </a:srgbClr>
+                  </a:outerShdw>
+                </a:effectLst>
+              </a:defRPr>
+            </a:lvl1pPr>
+            <a:lvl2pPr>
+              <a:defRPr>
+                <a:solidFill>
+                  <a:schemeClr val="tx2"/>
+                </a:solidFill>
+              </a:defRPr>
+            </a:lvl2pPr>
+            <a:lvl3pPr>
+              <a:defRPr>
+                <a:solidFill>
+                  <a:schemeClr val="tx2"/>
+                </a:solidFill>
+              </a:defRPr>
+            </a:lvl3pPr>
+            <a:lvl4pPr>
+              <a:defRPr>
+                <a:solidFill>
+                  <a:schemeClr val="tx2"/>
+                </a:solidFill>
+              </a:defRPr>
+            </a:lvl4pPr>
+            <a:lvl5pPr>
+              <a:defRPr>
+                <a:solidFill>
+                  <a:schemeClr val="tx2"/>
+                </a:solidFill>
+              </a:defRPr>
+            </a:lvl5pPr>
+            <a:lvl6pPr>
+              <a:defRPr>
+                <a:solidFill>
+                  <a:schemeClr val="tx2"/>
+                </a:solidFill>
+              </a:defRPr>
+            </a:lvl6pPr>
+            <a:lvl7pPr>
+              <a:defRPr>
+                <a:solidFill>
+                  <a:schemeClr val="tx2"/>
+                </a:solidFill>
+              </a:defRPr>
+            </a:lvl7pPr>
+            <a:lvl8pPr>
+              <a:defRPr>
+                <a:solidFill>
+                  <a:schemeClr val="tx2"/>
+                </a:solidFill>
+              </a:defRPr>
+            </a:lvl8pPr>
+            <a:lvl9pPr>
+              <a:defRPr>
+                <a:solidFill>
+                  <a:schemeClr val="tx2"/>
+                </a:solidFill>
+              </a:defRPr>
+            </a:lvl9pPr>
+          </a:lstStyle>
+          <a:p>
+            <a:pPr lvl="0" algn="r"/>
+            <a:r>
+              <a:rPr lang="en-US" sz="8000" dirty="0">
+                <a:solidFill>
+                  <a:schemeClr val="accent1"/>
+                </a:solidFill>
+              </a:rPr>
+              <a:t>”</a:t>
+            </a:r>
+          </a:p>
+        </p:txBody>
+      </p:sp>
+      <p:sp>
+        <p:nvSpPr>
+          <p:cNvPr id="2" name="Title 1"/>
+          <p:cNvSpPr>
+            <a:spLocks noGrp="1"/>
+          </p:cNvSpPr>
+          <p:nvPr>
+            <p:ph type="title"/>
+          </p:nvPr>
+        </p:nvSpPr>
+        <p:spPr>
+          <a:xfrm>
+            <a:off x="1446213" y="609601"/>
+            <a:ext cx="9296398" cy="2743199"/>
+          </a:xfrm>
+        </p:spPr>
+        <p:txBody>
+          <a:bodyPr anchor="ctr">
+            <a:normAutofit/>
+          </a:bodyPr>
+          <a:lstStyle>
+            <a:lvl1pPr algn="l">
+              <a:defRPr sz="3200" b="0" cap="all">
+                <a:gradFill flip="none" rotWithShape="1">
+                  <a:gsLst>
+                    <a:gs pos="0">
+                      <a:schemeClr val="tx1"/>
+                    </a:gs>
+                    <a:gs pos="100000">
+                      <a:schemeClr val="tx1">
+                        <a:lumMod val="75000"/>
+                      </a:schemeClr>
+                    </a:gs>
+                  </a:gsLst>
+                  <a:lin ang="5400000" scaled="0"/>
+                  <a:tileRect/>
+                </a:gradFill>
+              </a:defRPr>
+            </a:lvl1pPr>
+          </a:lstStyle>
+          <a:p>
+            <a:r>
+              <a:rPr lang="de-DE"/>
+              <a:t>Mastertitelformat bearbeiten</a:t>
+            </a:r>
+            <a:endParaRPr lang="en-US" dirty="0"/>
+          </a:p>
+        </p:txBody>
+      </p:sp>
+      <p:sp>
+        <p:nvSpPr>
+          <p:cNvPr id="10" name="Text Placeholder 9"/>
+          <p:cNvSpPr>
+            <a:spLocks noGrp="1"/>
+          </p:cNvSpPr>
+          <p:nvPr>
+            <p:ph type="body" sz="quarter" idx="13"/>
+          </p:nvPr>
+        </p:nvSpPr>
+        <p:spPr>
+          <a:xfrm>
+            <a:off x="1141412" y="3886200"/>
+            <a:ext cx="9906000" cy="889000"/>
+          </a:xfrm>
+        </p:spPr>
+        <p:txBody>
+          <a:bodyPr vert="horz" lIns="91440" tIns="45720" rIns="91440" bIns="45720" rtlCol="0" anchor="b">
+            <a:normAutofit/>
+          </a:bodyPr>
+          <a:lstStyle>
+            <a:lvl1pPr>
+              <a:buNone/>
+              <a:defRPr lang="en-US" sz="2400" b="0" cap="all" dirty="0">
+                <a:ln w="3175" cmpd="sng">
+                  <a:noFill/>
+                </a:ln>
+                <a:gradFill flip="none" rotWithShape="1">
+                  <a:gsLst>
+                    <a:gs pos="0">
+                      <a:schemeClr val="tx1"/>
+                    </a:gs>
+                    <a:gs pos="100000">
+                      <a:schemeClr val="tx1">
+                        <a:lumMod val="75000"/>
+                      </a:schemeClr>
+                    </a:gs>
+                  </a:gsLst>
+                  <a:lin ang="5400000" scaled="0"/>
+                  <a:tileRect/>
+                </a:gradFill>
+                <a:effectLst>
+                  <a:glow rad="38100">
+                    <a:schemeClr val="bg1">
+                      <a:lumMod val="65000"/>
+                      <a:lumOff val="35000"/>
+                      <a:alpha val="40000"/>
+                    </a:schemeClr>
+                  </a:glow>
+                  <a:outerShdw blurRad="28575" dist="38100" dir="14040000" algn="tl" rotWithShape="0">
+                    <a:srgbClr val="000000">
+                      <a:alpha val="25000"/>
+                    </a:srgbClr>
+                  </a:outerShdw>
+                </a:effectLst>
+              </a:defRPr>
+            </a:lvl1pPr>
+          </a:lstStyle>
+          <a:p>
+            <a:pPr marL="0" lvl="0">
+              <a:spcBef>
+                <a:spcPct val="0"/>
+              </a:spcBef>
+              <a:buNone/>
+            </a:pPr>
+            <a:r>
+              <a:rPr lang="de-DE"/>
+              <a:t>Mastertextformat bearbeiten</a:t>
+            </a:r>
+          </a:p>
+        </p:txBody>
+      </p:sp>
+      <p:sp>
+        <p:nvSpPr>
+          <p:cNvPr id="3" name="Text Placeholder 2"/>
+          <p:cNvSpPr>
+            <a:spLocks noGrp="1"/>
+          </p:cNvSpPr>
+          <p:nvPr>
+            <p:ph type="body" idx="1"/>
+          </p:nvPr>
+        </p:nvSpPr>
+        <p:spPr>
+          <a:xfrm>
+            <a:off x="1141411" y="4775200"/>
+            <a:ext cx="9906000" cy="1016000"/>
+          </a:xfrm>
+        </p:spPr>
+        <p:txBody>
+          <a:bodyPr anchor="t">
+            <a:normAutofit/>
+          </a:bodyPr>
+          <a:lstStyle>
+            <a:lvl1pPr marL="0" indent="0" algn="l">
+              <a:buNone/>
+              <a:defRPr sz="1800">
+                <a:gradFill flip="none" rotWithShape="1">
+                  <a:gsLst>
+                    <a:gs pos="0">
+                      <a:schemeClr val="tx1"/>
+                    </a:gs>
+                    <a:gs pos="100000">
+                      <a:schemeClr val="tx1">
+                        <a:lumMod val="75000"/>
+                      </a:schemeClr>
+                    </a:gs>
+                  </a:gsLst>
+                  <a:lin ang="5400000" scaled="0"/>
+                  <a:tileRect/>
+                </a:gradFill>
+              </a:defRPr>
+            </a:lvl1pPr>
+            <a:lvl2pPr marL="457200" indent="0">
+              <a:buNone/>
+              <a:defRPr sz="1800">
+                <a:solidFill>
+                  <a:schemeClr val="tx1">
+                    <a:tint val="75000"/>
+                  </a:schemeClr>
+                </a:solidFill>
+              </a:defRPr>
+            </a:lvl2pPr>
+            <a:lvl3pPr marL="914400" indent="0">
+              <a:buNone/>
+              <a:defRPr sz="1600">
+                <a:solidFill>
+                  <a:schemeClr val="tx1">
+                    <a:tint val="75000"/>
+                  </a:schemeClr>
+                </a:solidFill>
+              </a:defRPr>
+            </a:lvl3pPr>
+            <a:lvl4pPr marL="1371600" indent="0">
+              <a:buNone/>
+              <a:defRPr sz="1400">
+                <a:solidFill>
+                  <a:schemeClr val="tx1">
+                    <a:tint val="75000"/>
+                  </a:schemeClr>
+                </a:solidFill>
+              </a:defRPr>
+            </a:lvl4pPr>
+            <a:lvl5pPr marL="1828800" indent="0">
+              <a:buNone/>
+              <a:defRPr sz="1400">
+                <a:solidFill>
+                  <a:schemeClr val="tx1">
+                    <a:tint val="75000"/>
+                  </a:schemeClr>
+                </a:solidFill>
+              </a:defRPr>
+            </a:lvl5pPr>
+            <a:lvl6pPr marL="2286000" indent="0">
+              <a:buNone/>
+              <a:defRPr sz="1400">
+                <a:solidFill>
+                  <a:schemeClr val="tx1">
+                    <a:tint val="75000"/>
+                  </a:schemeClr>
+                </a:solidFill>
+              </a:defRPr>
+            </a:lvl6pPr>
+            <a:lvl7pPr marL="2743200" indent="0">
+              <a:buNone/>
+              <a:defRPr sz="1400">
+                <a:solidFill>
+                  <a:schemeClr val="tx1">
+                    <a:tint val="75000"/>
+                  </a:schemeClr>
+                </a:solidFill>
+              </a:defRPr>
+            </a:lvl7pPr>
+            <a:lvl8pPr marL="3200400" indent="0">
+              <a:buNone/>
+              <a:defRPr sz="1400">
+                <a:solidFill>
+                  <a:schemeClr val="tx1">
+                    <a:tint val="75000"/>
+                  </a:schemeClr>
+                </a:solidFill>
+              </a:defRPr>
+            </a:lvl8pPr>
+            <a:lvl9pPr marL="3657600" indent="0">
+              <a:buNone/>
+              <a:defRPr sz="1400">
+                <a:solidFill>
+                  <a:schemeClr val="tx1">
+                    <a:tint val="75000"/>
+                  </a:schemeClr>
+                </a:solidFill>
+              </a:defRPr>
+            </a:lvl9pPr>
+          </a:lstStyle>
+          <a:p>
+            <a:pPr lvl="0"/>
+            <a:r>
+              <a:rPr lang="de-DE"/>
+              <a:t>Mastertextformat bearbeiten</a:t>
+            </a:r>
+          </a:p>
+        </p:txBody>
+      </p:sp>
+      <p:sp>
+        <p:nvSpPr>
+          <p:cNvPr id="4" name="Date Placeholder 3"/>
+          <p:cNvSpPr>
+            <a:spLocks noGrp="1"/>
+          </p:cNvSpPr>
+          <p:nvPr>
+            <p:ph type="dt" sz="half" idx="10"/>
+          </p:nvPr>
+        </p:nvSpPr>
+        <p:spPr/>
+        <p:txBody>
+          <a:bodyPr/>
+          <a:lstStyle/>
+          <a:p>
+            <a:fld id="{43BCE32F-5E05-43DB-B938-369A12D4E909}" type="datetimeFigureOut">
+              <a:rPr lang="de-DE" smtClean="0"/>
+              <a:t>17.06.2021</a:t>
+            </a:fld>
+            <a:endParaRPr lang="de-DE"/>
+          </a:p>
+        </p:txBody>
+      </p:sp>
+      <p:sp>
+        <p:nvSpPr>
+          <p:cNvPr id="5" name="Footer Placeholder 4"/>
+          <p:cNvSpPr>
+            <a:spLocks noGrp="1"/>
+          </p:cNvSpPr>
+          <p:nvPr>
+            <p:ph type="ftr" sz="quarter" idx="11"/>
+          </p:nvPr>
+        </p:nvSpPr>
+        <p:spPr/>
+        <p:txBody>
+          <a:bodyPr/>
+          <a:lstStyle/>
+          <a:p>
+            <a:endParaRPr lang="de-DE"/>
+          </a:p>
+        </p:txBody>
+      </p:sp>
+      <p:sp>
+        <p:nvSpPr>
+          <p:cNvPr id="6" name="Slide Number Placeholder 5"/>
+          <p:cNvSpPr>
+            <a:spLocks noGrp="1"/>
+          </p:cNvSpPr>
+          <p:nvPr>
+            <p:ph type="sldNum" sz="quarter" idx="12"/>
+          </p:nvPr>
+        </p:nvSpPr>
+        <p:spPr/>
+        <p:txBody>
+          <a:bodyPr/>
+          <a:lstStyle/>
+          <a:p>
+            <a:fld id="{B9721975-55CA-428F-B1FA-1B78A615F678}" type="slidenum">
+              <a:rPr lang="de-DE" smtClean="0"/>
+              <a:t>‹Nr.›</a:t>
+            </a:fld>
+            <a:endParaRPr lang="de-DE"/>
+          </a:p>
+        </p:txBody>
+      </p:sp>
+    </p:spTree>
+    <p:extLst>
+      <p:ext uri="{BB962C8B-B14F-4D97-AF65-F5344CB8AC3E}">
+        <p14:creationId xmlns:p14="http://schemas.microsoft.com/office/powerpoint/2010/main" val="1137056509"/>
+      </p:ext>
+    </p:extLst>
+  </p:cSld>
+  <p:clrMapOvr>
+    <a:masterClrMapping/>
+  </p:clrMapOvr>
+</p:sldLayout>
+</file>
+
+<file path=ppt/slideLayouts/slideLayout15.xml><?xml version="1.0" encoding="utf-8"?>
+<p:sldLayout xmlns:a="http://schemas.openxmlformats.org/drawingml/2006/main" xmlns:r="http://schemas.openxmlformats.org/officeDocument/2006/relationships" xmlns:p="http://schemas.openxmlformats.org/presentationml/2006/main" preserve="1">
+  <p:cSld name="Wahr oder Falsch">
+    <p:spTree>
+      <p:nvGrpSpPr>
+        <p:cNvPr id="1" name=""/>
+        <p:cNvGrpSpPr/>
+        <p:nvPr/>
+      </p:nvGrpSpPr>
+      <p:grpSpPr>
+        <a:xfrm>
+          <a:off x="0" y="0"/>
+          <a:ext cx="0" cy="0"/>
+          <a:chOff x="0" y="0"/>
+          <a:chExt cx="0" cy="0"/>
+        </a:xfrm>
+      </p:grpSpPr>
+      <p:sp>
+        <p:nvSpPr>
+          <p:cNvPr id="2" name="Title 1"/>
+          <p:cNvSpPr>
+            <a:spLocks noGrp="1"/>
+          </p:cNvSpPr>
+          <p:nvPr>
+            <p:ph type="title"/>
+          </p:nvPr>
+        </p:nvSpPr>
+        <p:spPr>
+          <a:xfrm>
+            <a:off x="1141412" y="609601"/>
+            <a:ext cx="9905999" cy="2743199"/>
+          </a:xfrm>
+        </p:spPr>
+        <p:txBody>
+          <a:bodyPr vert="horz" lIns="91440" tIns="45720" rIns="91440" bIns="45720" rtlCol="0" anchor="ctr">
+            <a:normAutofit/>
+          </a:bodyPr>
+          <a:lstStyle>
+            <a:lvl1pPr>
+              <a:defRPr lang="en-US" b="0" dirty="0"/>
+            </a:lvl1pPr>
+          </a:lstStyle>
+          <a:p>
+            <a:pPr marL="0" lvl="0"/>
+            <a:r>
+              <a:rPr lang="de-DE"/>
+              <a:t>Mastertitelformat bearbeiten</a:t>
+            </a:r>
+            <a:endParaRPr lang="en-US" dirty="0"/>
+          </a:p>
+        </p:txBody>
+      </p:sp>
+      <p:sp>
+        <p:nvSpPr>
+          <p:cNvPr id="10" name="Text Placeholder 9"/>
+          <p:cNvSpPr>
+            <a:spLocks noGrp="1"/>
+          </p:cNvSpPr>
+          <p:nvPr>
+            <p:ph type="body" sz="quarter" idx="13"/>
+          </p:nvPr>
+        </p:nvSpPr>
+        <p:spPr>
+          <a:xfrm>
+            <a:off x="1141412" y="3505200"/>
+            <a:ext cx="9906000" cy="838200"/>
+          </a:xfrm>
+        </p:spPr>
+        <p:txBody>
+          <a:bodyPr vert="horz" lIns="91440" tIns="45720" rIns="91440" bIns="45720" rtlCol="0" anchor="b">
+            <a:normAutofit/>
+          </a:bodyPr>
+          <a:lstStyle>
+            <a:lvl1pPr>
+              <a:buNone/>
+              <a:defRPr lang="en-US" sz="2800" b="0" cap="all" dirty="0">
+                <a:ln w="3175" cmpd="sng">
+                  <a:noFill/>
+                </a:ln>
+                <a:gradFill flip="none" rotWithShape="1">
+                  <a:gsLst>
+                    <a:gs pos="0">
+                      <a:schemeClr val="tx1"/>
+                    </a:gs>
+                    <a:gs pos="100000">
+                      <a:schemeClr val="tx1">
+                        <a:lumMod val="75000"/>
+                      </a:schemeClr>
+                    </a:gs>
+                  </a:gsLst>
+                  <a:lin ang="5400000" scaled="0"/>
+                  <a:tileRect/>
+                </a:gradFill>
+                <a:effectLst>
+                  <a:glow rad="38100">
+                    <a:schemeClr val="bg1">
+                      <a:lumMod val="65000"/>
+                      <a:lumOff val="35000"/>
+                      <a:alpha val="40000"/>
+                    </a:schemeClr>
+                  </a:glow>
+                  <a:outerShdw blurRad="28575" dist="38100" dir="14040000" algn="tl" rotWithShape="0">
+                    <a:srgbClr val="000000">
+                      <a:alpha val="25000"/>
+                    </a:srgbClr>
+                  </a:outerShdw>
+                </a:effectLst>
+              </a:defRPr>
+            </a:lvl1pPr>
+          </a:lstStyle>
+          <a:p>
+            <a:pPr marL="0" lvl="0">
+              <a:spcBef>
+                <a:spcPct val="0"/>
+              </a:spcBef>
+              <a:buNone/>
+            </a:pPr>
+            <a:r>
+              <a:rPr lang="de-DE"/>
+              <a:t>Mastertextformat bearbeiten</a:t>
+            </a:r>
+          </a:p>
+        </p:txBody>
+      </p:sp>
+      <p:sp>
+        <p:nvSpPr>
+          <p:cNvPr id="3" name="Text Placeholder 2"/>
+          <p:cNvSpPr>
+            <a:spLocks noGrp="1"/>
+          </p:cNvSpPr>
+          <p:nvPr>
+            <p:ph type="body" idx="1"/>
+          </p:nvPr>
+        </p:nvSpPr>
+        <p:spPr>
+          <a:xfrm>
+            <a:off x="1141411" y="4343400"/>
+            <a:ext cx="9906000" cy="1447800"/>
+          </a:xfrm>
+        </p:spPr>
+        <p:txBody>
+          <a:bodyPr anchor="t">
+            <a:normAutofit/>
+          </a:bodyPr>
+          <a:lstStyle>
+            <a:lvl1pPr marL="0" indent="0" algn="l">
+              <a:buNone/>
+              <a:defRPr sz="1800">
+                <a:gradFill flip="none" rotWithShape="1">
+                  <a:gsLst>
+                    <a:gs pos="0">
+                      <a:schemeClr val="tx1"/>
+                    </a:gs>
+                    <a:gs pos="100000">
+                      <a:schemeClr val="tx1">
+                        <a:lumMod val="75000"/>
+                      </a:schemeClr>
+                    </a:gs>
+                  </a:gsLst>
+                  <a:lin ang="5400000" scaled="0"/>
+                  <a:tileRect/>
+                </a:gradFill>
+              </a:defRPr>
+            </a:lvl1pPr>
+            <a:lvl2pPr marL="457200" indent="0">
+              <a:buNone/>
+              <a:defRPr sz="1800">
+                <a:solidFill>
+                  <a:schemeClr val="tx1">
+                    <a:tint val="75000"/>
+                  </a:schemeClr>
+                </a:solidFill>
+              </a:defRPr>
+            </a:lvl2pPr>
+            <a:lvl3pPr marL="914400" indent="0">
+              <a:buNone/>
+              <a:defRPr sz="1600">
+                <a:solidFill>
+                  <a:schemeClr val="tx1">
+                    <a:tint val="75000"/>
+                  </a:schemeClr>
+                </a:solidFill>
+              </a:defRPr>
+            </a:lvl3pPr>
+            <a:lvl4pPr marL="1371600" indent="0">
+              <a:buNone/>
+              <a:defRPr sz="1400">
+                <a:solidFill>
+                  <a:schemeClr val="tx1">
+                    <a:tint val="75000"/>
+                  </a:schemeClr>
+                </a:solidFill>
+              </a:defRPr>
+            </a:lvl4pPr>
+            <a:lvl5pPr marL="1828800" indent="0">
+              <a:buNone/>
+              <a:defRPr sz="1400">
+                <a:solidFill>
+                  <a:schemeClr val="tx1">
+                    <a:tint val="75000"/>
+                  </a:schemeClr>
+                </a:solidFill>
+              </a:defRPr>
+            </a:lvl5pPr>
+            <a:lvl6pPr marL="2286000" indent="0">
+              <a:buNone/>
+              <a:defRPr sz="1400">
+                <a:solidFill>
+                  <a:schemeClr val="tx1">
+                    <a:tint val="75000"/>
+                  </a:schemeClr>
+                </a:solidFill>
+              </a:defRPr>
+            </a:lvl6pPr>
+            <a:lvl7pPr marL="2743200" indent="0">
+              <a:buNone/>
+              <a:defRPr sz="1400">
+                <a:solidFill>
+                  <a:schemeClr val="tx1">
+                    <a:tint val="75000"/>
+                  </a:schemeClr>
+                </a:solidFill>
+              </a:defRPr>
+            </a:lvl7pPr>
+            <a:lvl8pPr marL="3200400" indent="0">
+              <a:buNone/>
+              <a:defRPr sz="1400">
+                <a:solidFill>
+                  <a:schemeClr val="tx1">
+                    <a:tint val="75000"/>
+                  </a:schemeClr>
+                </a:solidFill>
+              </a:defRPr>
+            </a:lvl8pPr>
+            <a:lvl9pPr marL="3657600" indent="0">
+              <a:buNone/>
+              <a:defRPr sz="1400">
+                <a:solidFill>
+                  <a:schemeClr val="tx1">
+                    <a:tint val="75000"/>
+                  </a:schemeClr>
+                </a:solidFill>
+              </a:defRPr>
+            </a:lvl9pPr>
+          </a:lstStyle>
+          <a:p>
+            <a:pPr lvl="0"/>
+            <a:r>
+              <a:rPr lang="de-DE"/>
+              <a:t>Mastertextformat bearbeiten</a:t>
+            </a:r>
+          </a:p>
+        </p:txBody>
+      </p:sp>
+      <p:sp>
+        <p:nvSpPr>
+          <p:cNvPr id="4" name="Date Placeholder 3"/>
+          <p:cNvSpPr>
+            <a:spLocks noGrp="1"/>
+          </p:cNvSpPr>
+          <p:nvPr>
+            <p:ph type="dt" sz="half" idx="10"/>
+          </p:nvPr>
+        </p:nvSpPr>
+        <p:spPr/>
+        <p:txBody>
+          <a:bodyPr/>
+          <a:lstStyle/>
+          <a:p>
+            <a:fld id="{43BCE32F-5E05-43DB-B938-369A12D4E909}" type="datetimeFigureOut">
+              <a:rPr lang="de-DE" smtClean="0"/>
+              <a:t>17.06.2021</a:t>
+            </a:fld>
+            <a:endParaRPr lang="de-DE"/>
+          </a:p>
+        </p:txBody>
+      </p:sp>
+      <p:sp>
+        <p:nvSpPr>
+          <p:cNvPr id="5" name="Footer Placeholder 4"/>
+          <p:cNvSpPr>
+            <a:spLocks noGrp="1"/>
+          </p:cNvSpPr>
+          <p:nvPr>
+            <p:ph type="ftr" sz="quarter" idx="11"/>
+          </p:nvPr>
+        </p:nvSpPr>
+        <p:spPr/>
+        <p:txBody>
+          <a:bodyPr/>
+          <a:lstStyle/>
+          <a:p>
+            <a:endParaRPr lang="de-DE"/>
+          </a:p>
+        </p:txBody>
+      </p:sp>
+      <p:sp>
+        <p:nvSpPr>
+          <p:cNvPr id="6" name="Slide Number Placeholder 5"/>
+          <p:cNvSpPr>
+            <a:spLocks noGrp="1"/>
+          </p:cNvSpPr>
+          <p:nvPr>
+            <p:ph type="sldNum" sz="quarter" idx="12"/>
+          </p:nvPr>
+        </p:nvSpPr>
+        <p:spPr/>
+        <p:txBody>
+          <a:bodyPr/>
+          <a:lstStyle/>
+          <a:p>
+            <a:fld id="{B9721975-55CA-428F-B1FA-1B78A615F678}" type="slidenum">
+              <a:rPr lang="de-DE" smtClean="0"/>
+              <a:t>‹Nr.›</a:t>
+            </a:fld>
+            <a:endParaRPr lang="de-DE"/>
+          </a:p>
+        </p:txBody>
+      </p:sp>
+    </p:spTree>
+    <p:extLst>
+      <p:ext uri="{BB962C8B-B14F-4D97-AF65-F5344CB8AC3E}">
+        <p14:creationId xmlns:p14="http://schemas.microsoft.com/office/powerpoint/2010/main" val="4072420436"/>
+      </p:ext>
+    </p:extLst>
+  </p:cSld>
+  <p:clrMapOvr>
+    <a:masterClrMapping/>
+  </p:clrMapOvr>
+</p:sldLayout>
+</file>
+
+<file path=ppt/slideLayouts/slideLayout16.xml><?xml version="1.0" encoding="utf-8"?>
 <p:sldLayout xmlns:a="http://schemas.openxmlformats.org/drawingml/2006/main" xmlns:r="http://schemas.openxmlformats.org/officeDocument/2006/relationships" xmlns:p="http://schemas.openxmlformats.org/presentationml/2006/main" type="vertTx" preserve="1">
   <p:cSld name="Titel und vertikaler Text">
     <p:spTree>
@@ -346,13 +2516,7 @@
       </p:grpSpPr>
       <p:sp>
         <p:nvSpPr>
-          <p:cNvPr id="2" name="Titel 1">
-            <a:extLst>
-              <a:ext uri="{FF2B5EF4-FFF2-40B4-BE49-F238E27FC236}">
-                <a16:creationId xmlns:a16="http://schemas.microsoft.com/office/drawing/2014/main" id="{83448F0E-4AB2-4130-8A4F-84697AFF3EFF}"/>
-              </a:ext>
-            </a:extLst>
-          </p:cNvPr>
+          <p:cNvPr id="7" name="Title 1"/>
           <p:cNvSpPr>
             <a:spLocks noGrp="1"/>
           </p:cNvSpPr>
@@ -360,37 +2524,37 @@
             <p:ph type="title"/>
           </p:nvPr>
         </p:nvSpPr>
+        <p:spPr>
+          <a:xfrm>
+            <a:off x="1141413" y="609600"/>
+            <a:ext cx="9905998" cy="1905000"/>
+          </a:xfrm>
+        </p:spPr>
+        <p:txBody>
+          <a:bodyPr/>
+          <a:lstStyle/>
+          <a:p>
+            <a:r>
+              <a:rPr lang="de-DE"/>
+              <a:t>Mastertitelformat bearbeiten</a:t>
+            </a:r>
+            <a:endParaRPr lang="en-US" dirty="0"/>
+          </a:p>
+        </p:txBody>
+      </p:sp>
+      <p:sp>
+        <p:nvSpPr>
+          <p:cNvPr id="3" name="Vertical Text Placeholder 2"/>
+          <p:cNvSpPr>
+            <a:spLocks noGrp="1"/>
+          </p:cNvSpPr>
+          <p:nvPr>
+            <p:ph type="body" orient="vert" idx="1"/>
+          </p:nvPr>
+        </p:nvSpPr>
         <p:spPr/>
         <p:txBody>
-          <a:bodyPr/>
-          <a:lstStyle/>
-          <a:p>
-            <a:r>
-              <a:rPr lang="de-DE"/>
-              <a:t>Mastertitelformat bearbeiten</a:t>
-            </a:r>
-          </a:p>
-        </p:txBody>
-      </p:sp>
-      <p:sp>
-        <p:nvSpPr>
-          <p:cNvPr id="3" name="Vertikaler Textplatzhalter 2">
-            <a:extLst>
-              <a:ext uri="{FF2B5EF4-FFF2-40B4-BE49-F238E27FC236}">
-                <a16:creationId xmlns:a16="http://schemas.microsoft.com/office/drawing/2014/main" id="{DC7796E1-62B0-4B77-AE73-1601C0D15D7D}"/>
-              </a:ext>
-            </a:extLst>
-          </p:cNvPr>
-          <p:cNvSpPr>
-            <a:spLocks noGrp="1"/>
-          </p:cNvSpPr>
-          <p:nvPr>
-            <p:ph type="body" orient="vert" idx="1"/>
-          </p:nvPr>
-        </p:nvSpPr>
-        <p:spPr/>
-        <p:txBody>
-          <a:bodyPr vert="eaVert"/>
+          <a:bodyPr vert="eaVert" anchor="t"/>
           <a:lstStyle/>
           <a:p>
             <a:pPr lvl="0"/>
@@ -426,18 +2590,13 @@
               <a:rPr lang="de-DE"/>
               <a:t>Fünfte Ebene</a:t>
             </a:r>
-          </a:p>
-        </p:txBody>
-      </p:sp>
-      <p:sp>
-        <p:nvSpPr>
-          <p:cNvPr id="4" name="Datumsplatzhalter 3">
-            <a:extLst>
-              <a:ext uri="{FF2B5EF4-FFF2-40B4-BE49-F238E27FC236}">
-                <a16:creationId xmlns:a16="http://schemas.microsoft.com/office/drawing/2014/main" id="{1EF3CB74-CE32-48ED-9C58-896339A6F3C8}"/>
-              </a:ext>
-            </a:extLst>
-          </p:cNvPr>
+            <a:endParaRPr lang="en-US" dirty="0"/>
+          </a:p>
+        </p:txBody>
+      </p:sp>
+      <p:sp>
+        <p:nvSpPr>
+          <p:cNvPr id="4" name="Date Placeholder 3"/>
           <p:cNvSpPr>
             <a:spLocks noGrp="1"/>
           </p:cNvSpPr>
@@ -460,13 +2619,7 @@
       </p:sp>
       <p:sp>
         <p:nvSpPr>
-          <p:cNvPr id="5" name="Fußzeilenplatzhalter 4">
-            <a:extLst>
-              <a:ext uri="{FF2B5EF4-FFF2-40B4-BE49-F238E27FC236}">
-                <a16:creationId xmlns:a16="http://schemas.microsoft.com/office/drawing/2014/main" id="{97384CB6-AFFB-44BB-B259-B028B6D29855}"/>
-              </a:ext>
-            </a:extLst>
-          </p:cNvPr>
+          <p:cNvPr id="5" name="Footer Placeholder 4"/>
           <p:cNvSpPr>
             <a:spLocks noGrp="1"/>
           </p:cNvSpPr>
@@ -485,13 +2638,7 @@
       </p:sp>
       <p:sp>
         <p:nvSpPr>
-          <p:cNvPr id="6" name="Foliennummernplatzhalter 5">
-            <a:extLst>
-              <a:ext uri="{FF2B5EF4-FFF2-40B4-BE49-F238E27FC236}">
-                <a16:creationId xmlns:a16="http://schemas.microsoft.com/office/drawing/2014/main" id="{18D180F8-FFC2-4954-B19A-630BD2BC5E29}"/>
-              </a:ext>
-            </a:extLst>
-          </p:cNvPr>
+          <p:cNvPr id="6" name="Slide Number Placeholder 5"/>
           <p:cNvSpPr>
             <a:spLocks noGrp="1"/>
           </p:cNvSpPr>
@@ -515,7 +2662,7 @@
     </p:spTree>
     <p:extLst>
       <p:ext uri="{BB962C8B-B14F-4D97-AF65-F5344CB8AC3E}">
-        <p14:creationId xmlns:p14="http://schemas.microsoft.com/office/powerpoint/2010/main" val="3195431297"/>
+        <p14:creationId xmlns:p14="http://schemas.microsoft.com/office/powerpoint/2010/main" val="747900358"/>
       </p:ext>
     </p:extLst>
   </p:cSld>
@@ -525,7 +2672,7 @@
 </p:sldLayout>
 </file>
 
-<file path=ppt/slideLayouts/slideLayout11.xml><?xml version="1.0" encoding="utf-8"?>
+<file path=ppt/slideLayouts/slideLayout17.xml><?xml version="1.0" encoding="utf-8"?>
 <p:sldLayout xmlns:a="http://schemas.openxmlformats.org/drawingml/2006/main" xmlns:r="http://schemas.openxmlformats.org/officeDocument/2006/relationships" xmlns:p="http://schemas.openxmlformats.org/presentationml/2006/main" type="vertTitleAndTx" preserve="1">
   <p:cSld name="Vertikaler Titel und Text">
     <p:spTree>
@@ -544,13 +2691,7 @@
       </p:grpSpPr>
       <p:sp>
         <p:nvSpPr>
-          <p:cNvPr id="2" name="Vertikaler Titel 1">
-            <a:extLst>
-              <a:ext uri="{FF2B5EF4-FFF2-40B4-BE49-F238E27FC236}">
-                <a16:creationId xmlns:a16="http://schemas.microsoft.com/office/drawing/2014/main" id="{60E64BF0-99A4-41CC-AAAC-E37F1B81BEB2}"/>
-              </a:ext>
-            </a:extLst>
-          </p:cNvPr>
+          <p:cNvPr id="2" name="Vertical Title 1"/>
           <p:cNvSpPr>
             <a:spLocks noGrp="1"/>
           </p:cNvSpPr>
@@ -560,8 +2701,8 @@
         </p:nvSpPr>
         <p:spPr>
           <a:xfrm>
-            <a:off x="8724900" y="365125"/>
-            <a:ext cx="2628900" cy="5811838"/>
+            <a:off x="8836898" y="609599"/>
+            <a:ext cx="2210514" cy="5181601"/>
           </a:xfrm>
         </p:spPr>
         <p:txBody>
@@ -572,18 +2713,13 @@
               <a:rPr lang="de-DE"/>
               <a:t>Mastertitelformat bearbeiten</a:t>
             </a:r>
-          </a:p>
-        </p:txBody>
-      </p:sp>
-      <p:sp>
-        <p:nvSpPr>
-          <p:cNvPr id="3" name="Vertikaler Textplatzhalter 2">
-            <a:extLst>
-              <a:ext uri="{FF2B5EF4-FFF2-40B4-BE49-F238E27FC236}">
-                <a16:creationId xmlns:a16="http://schemas.microsoft.com/office/drawing/2014/main" id="{E99E9BD5-DFD6-4C98-A559-8378571874C9}"/>
-              </a:ext>
-            </a:extLst>
-          </p:cNvPr>
+            <a:endParaRPr lang="en-US" dirty="0"/>
+          </a:p>
+        </p:txBody>
+      </p:sp>
+      <p:sp>
+        <p:nvSpPr>
+          <p:cNvPr id="3" name="Vertical Text Placeholder 2"/>
           <p:cNvSpPr>
             <a:spLocks noGrp="1"/>
           </p:cNvSpPr>
@@ -593,12 +2729,12 @@
         </p:nvSpPr>
         <p:spPr>
           <a:xfrm>
-            <a:off x="838200" y="365125"/>
-            <a:ext cx="7734300" cy="5811838"/>
+            <a:off x="1141412" y="609600"/>
+            <a:ext cx="7543800" cy="5181600"/>
           </a:xfrm>
         </p:spPr>
         <p:txBody>
-          <a:bodyPr vert="eaVert"/>
+          <a:bodyPr vert="eaVert" anchor="t"/>
           <a:lstStyle/>
           <a:p>
             <a:pPr lvl="0"/>
@@ -634,18 +2770,13 @@
               <a:rPr lang="de-DE"/>
               <a:t>Fünfte Ebene</a:t>
             </a:r>
-          </a:p>
-        </p:txBody>
-      </p:sp>
-      <p:sp>
-        <p:nvSpPr>
-          <p:cNvPr id="4" name="Datumsplatzhalter 3">
-            <a:extLst>
-              <a:ext uri="{FF2B5EF4-FFF2-40B4-BE49-F238E27FC236}">
-                <a16:creationId xmlns:a16="http://schemas.microsoft.com/office/drawing/2014/main" id="{DC4CF797-5D3C-4F5D-9648-2CA52CE87CFC}"/>
-              </a:ext>
-            </a:extLst>
-          </p:cNvPr>
+            <a:endParaRPr lang="en-US" dirty="0"/>
+          </a:p>
+        </p:txBody>
+      </p:sp>
+      <p:sp>
+        <p:nvSpPr>
+          <p:cNvPr id="4" name="Date Placeholder 3"/>
           <p:cNvSpPr>
             <a:spLocks noGrp="1"/>
           </p:cNvSpPr>
@@ -668,13 +2799,7 @@
       </p:sp>
       <p:sp>
         <p:nvSpPr>
-          <p:cNvPr id="5" name="Fußzeilenplatzhalter 4">
-            <a:extLst>
-              <a:ext uri="{FF2B5EF4-FFF2-40B4-BE49-F238E27FC236}">
-                <a16:creationId xmlns:a16="http://schemas.microsoft.com/office/drawing/2014/main" id="{3F87AF6A-C90C-4384-8589-C67C0F33C4C3}"/>
-              </a:ext>
-            </a:extLst>
-          </p:cNvPr>
+          <p:cNvPr id="5" name="Footer Placeholder 4"/>
           <p:cNvSpPr>
             <a:spLocks noGrp="1"/>
           </p:cNvSpPr>
@@ -693,13 +2818,7 @@
       </p:sp>
       <p:sp>
         <p:nvSpPr>
-          <p:cNvPr id="6" name="Foliennummernplatzhalter 5">
-            <a:extLst>
-              <a:ext uri="{FF2B5EF4-FFF2-40B4-BE49-F238E27FC236}">
-                <a16:creationId xmlns:a16="http://schemas.microsoft.com/office/drawing/2014/main" id="{8D8CB85D-9CA6-4127-9B10-FA5A322B5B0C}"/>
-              </a:ext>
-            </a:extLst>
-          </p:cNvPr>
+          <p:cNvPr id="6" name="Slide Number Placeholder 5"/>
           <p:cNvSpPr>
             <a:spLocks noGrp="1"/>
           </p:cNvSpPr>
@@ -723,7 +2842,7 @@
     </p:spTree>
     <p:extLst>
       <p:ext uri="{BB962C8B-B14F-4D97-AF65-F5344CB8AC3E}">
-        <p14:creationId xmlns:p14="http://schemas.microsoft.com/office/powerpoint/2010/main" val="2786187327"/>
+        <p14:creationId xmlns:p14="http://schemas.microsoft.com/office/powerpoint/2010/main" val="2740509207"/>
       </p:ext>
     </p:extLst>
   </p:cSld>
@@ -752,13 +2871,7 @@
       </p:grpSpPr>
       <p:sp>
         <p:nvSpPr>
-          <p:cNvPr id="2" name="Titel 1">
-            <a:extLst>
-              <a:ext uri="{FF2B5EF4-FFF2-40B4-BE49-F238E27FC236}">
-                <a16:creationId xmlns:a16="http://schemas.microsoft.com/office/drawing/2014/main" id="{04AE426F-44D6-4D57-9B24-808B6A5CE4CD}"/>
-              </a:ext>
-            </a:extLst>
-          </p:cNvPr>
+          <p:cNvPr id="2" name="Title 1"/>
           <p:cNvSpPr>
             <a:spLocks noGrp="1"/>
           </p:cNvSpPr>
@@ -775,18 +2888,13 @@
               <a:rPr lang="de-DE"/>
               <a:t>Mastertitelformat bearbeiten</a:t>
             </a:r>
-          </a:p>
-        </p:txBody>
-      </p:sp>
-      <p:sp>
-        <p:nvSpPr>
-          <p:cNvPr id="3" name="Inhaltsplatzhalter 2">
-            <a:extLst>
-              <a:ext uri="{FF2B5EF4-FFF2-40B4-BE49-F238E27FC236}">
-                <a16:creationId xmlns:a16="http://schemas.microsoft.com/office/drawing/2014/main" id="{496414F9-5F45-43AC-86B9-E2E30379BB78}"/>
-              </a:ext>
-            </a:extLst>
-          </p:cNvPr>
+            <a:endParaRPr lang="en-US" dirty="0"/>
+          </a:p>
+        </p:txBody>
+      </p:sp>
+      <p:sp>
+        <p:nvSpPr>
+          <p:cNvPr id="3" name="Content Placeholder 2"/>
           <p:cNvSpPr>
             <a:spLocks noGrp="1"/>
           </p:cNvSpPr>
@@ -796,7 +2904,7 @@
         </p:nvSpPr>
         <p:spPr/>
         <p:txBody>
-          <a:bodyPr/>
+          <a:bodyPr anchor="ctr"/>
           <a:lstStyle/>
           <a:p>
             <a:pPr lvl="0"/>
@@ -832,18 +2940,13 @@
               <a:rPr lang="de-DE"/>
               <a:t>Fünfte Ebene</a:t>
             </a:r>
-          </a:p>
-        </p:txBody>
-      </p:sp>
-      <p:sp>
-        <p:nvSpPr>
-          <p:cNvPr id="4" name="Datumsplatzhalter 3">
-            <a:extLst>
-              <a:ext uri="{FF2B5EF4-FFF2-40B4-BE49-F238E27FC236}">
-                <a16:creationId xmlns:a16="http://schemas.microsoft.com/office/drawing/2014/main" id="{F5D01358-291A-42F1-8D00-E1AA86ED7838}"/>
-              </a:ext>
-            </a:extLst>
-          </p:cNvPr>
+            <a:endParaRPr lang="en-US" dirty="0"/>
+          </a:p>
+        </p:txBody>
+      </p:sp>
+      <p:sp>
+        <p:nvSpPr>
+          <p:cNvPr id="4" name="Date Placeholder 3"/>
           <p:cNvSpPr>
             <a:spLocks noGrp="1"/>
           </p:cNvSpPr>
@@ -866,13 +2969,7 @@
       </p:sp>
       <p:sp>
         <p:nvSpPr>
-          <p:cNvPr id="5" name="Fußzeilenplatzhalter 4">
-            <a:extLst>
-              <a:ext uri="{FF2B5EF4-FFF2-40B4-BE49-F238E27FC236}">
-                <a16:creationId xmlns:a16="http://schemas.microsoft.com/office/drawing/2014/main" id="{252EBBC8-FFA0-4512-9B95-7188AC8C12F8}"/>
-              </a:ext>
-            </a:extLst>
-          </p:cNvPr>
+          <p:cNvPr id="5" name="Footer Placeholder 4"/>
           <p:cNvSpPr>
             <a:spLocks noGrp="1"/>
           </p:cNvSpPr>
@@ -891,13 +2988,7 @@
       </p:sp>
       <p:sp>
         <p:nvSpPr>
-          <p:cNvPr id="6" name="Foliennummernplatzhalter 5">
-            <a:extLst>
-              <a:ext uri="{FF2B5EF4-FFF2-40B4-BE49-F238E27FC236}">
-                <a16:creationId xmlns:a16="http://schemas.microsoft.com/office/drawing/2014/main" id="{F4303E3B-1ADE-40EC-B3D7-F3C58B01C7FE}"/>
-              </a:ext>
-            </a:extLst>
-          </p:cNvPr>
+          <p:cNvPr id="6" name="Slide Number Placeholder 5"/>
           <p:cNvSpPr>
             <a:spLocks noGrp="1"/>
           </p:cNvSpPr>
@@ -921,7 +3012,7 @@
     </p:spTree>
     <p:extLst>
       <p:ext uri="{BB962C8B-B14F-4D97-AF65-F5344CB8AC3E}">
-        <p14:creationId xmlns:p14="http://schemas.microsoft.com/office/powerpoint/2010/main" val="1209123982"/>
+        <p14:creationId xmlns:p14="http://schemas.microsoft.com/office/powerpoint/2010/main" val="1765724767"/>
       </p:ext>
     </p:extLst>
   </p:cSld>
@@ -950,13 +3041,7 @@
       </p:grpSpPr>
       <p:sp>
         <p:nvSpPr>
-          <p:cNvPr id="2" name="Titel 1">
-            <a:extLst>
-              <a:ext uri="{FF2B5EF4-FFF2-40B4-BE49-F238E27FC236}">
-                <a16:creationId xmlns:a16="http://schemas.microsoft.com/office/drawing/2014/main" id="{6FAB896A-E67C-4384-897D-2A89D2030CAC}"/>
-              </a:ext>
-            </a:extLst>
-          </p:cNvPr>
+          <p:cNvPr id="2" name="Title 1"/>
           <p:cNvSpPr>
             <a:spLocks noGrp="1"/>
           </p:cNvSpPr>
@@ -966,15 +3051,15 @@
         </p:nvSpPr>
         <p:spPr>
           <a:xfrm>
-            <a:off x="831850" y="1709738"/>
-            <a:ext cx="10515600" cy="2852737"/>
+            <a:off x="1751013" y="3308581"/>
+            <a:ext cx="8686800" cy="1468800"/>
           </a:xfrm>
         </p:spPr>
         <p:txBody>
           <a:bodyPr anchor="b"/>
           <a:lstStyle>
-            <a:lvl1pPr>
-              <a:defRPr sz="6000"/>
+            <a:lvl1pPr algn="r">
+              <a:defRPr sz="4000" b="0" cap="all"/>
             </a:lvl1pPr>
           </a:lstStyle>
           <a:p>
@@ -982,18 +3067,13 @@
               <a:rPr lang="de-DE"/>
               <a:t>Mastertitelformat bearbeiten</a:t>
             </a:r>
-          </a:p>
-        </p:txBody>
-      </p:sp>
-      <p:sp>
-        <p:nvSpPr>
-          <p:cNvPr id="3" name="Textplatzhalter 2">
-            <a:extLst>
-              <a:ext uri="{FF2B5EF4-FFF2-40B4-BE49-F238E27FC236}">
-                <a16:creationId xmlns:a16="http://schemas.microsoft.com/office/drawing/2014/main" id="{E14BA0A4-05DC-432D-A88B-B58C13B16203}"/>
-              </a:ext>
-            </a:extLst>
-          </p:cNvPr>
+            <a:endParaRPr lang="en-US" dirty="0"/>
+          </a:p>
+        </p:txBody>
+      </p:sp>
+      <p:sp>
+        <p:nvSpPr>
+          <p:cNvPr id="3" name="Text Placeholder 2"/>
           <p:cNvSpPr>
             <a:spLocks noGrp="1"/>
           </p:cNvSpPr>
@@ -1003,102 +3083,113 @@
         </p:nvSpPr>
         <p:spPr>
           <a:xfrm>
-            <a:off x="831850" y="4589463"/>
-            <a:ext cx="10515600" cy="1500187"/>
+            <a:off x="1751011" y="4777381"/>
+            <a:ext cx="8686801" cy="860400"/>
           </a:xfrm>
         </p:spPr>
         <p:txBody>
-          <a:bodyPr/>
+          <a:bodyPr anchor="t">
+            <a:normAutofit/>
+          </a:bodyPr>
           <a:lstStyle>
-            <a:lvl1pPr marL="0" indent="0">
-              <a:buNone/>
-              <a:defRPr sz="2400">
+            <a:lvl1pPr marL="0" indent="0" algn="r">
+              <a:buNone/>
+              <a:defRPr sz="2000">
+                <a:gradFill flip="none" rotWithShape="1">
+                  <a:gsLst>
+                    <a:gs pos="0">
+                      <a:schemeClr val="tx1"/>
+                    </a:gs>
+                    <a:gs pos="100000">
+                      <a:schemeClr val="tx1">
+                        <a:lumMod val="75000"/>
+                      </a:schemeClr>
+                    </a:gs>
+                  </a:gsLst>
+                  <a:lin ang="5400000" scaled="0"/>
+                  <a:tileRect/>
+                </a:gradFill>
+              </a:defRPr>
+            </a:lvl1pPr>
+            <a:lvl2pPr marL="457200" indent="0">
+              <a:buNone/>
+              <a:defRPr sz="1800">
                 <a:solidFill>
                   <a:schemeClr val="tx1">
                     <a:tint val="75000"/>
                   </a:schemeClr>
                 </a:solidFill>
               </a:defRPr>
-            </a:lvl1pPr>
-            <a:lvl2pPr marL="457200" indent="0">
-              <a:buNone/>
-              <a:defRPr sz="2000">
+            </a:lvl2pPr>
+            <a:lvl3pPr marL="914400" indent="0">
+              <a:buNone/>
+              <a:defRPr sz="1600">
                 <a:solidFill>
                   <a:schemeClr val="tx1">
                     <a:tint val="75000"/>
                   </a:schemeClr>
                 </a:solidFill>
               </a:defRPr>
-            </a:lvl2pPr>
-            <a:lvl3pPr marL="914400" indent="0">
-              <a:buNone/>
-              <a:defRPr sz="1800">
+            </a:lvl3pPr>
+            <a:lvl4pPr marL="1371600" indent="0">
+              <a:buNone/>
+              <a:defRPr sz="1400">
                 <a:solidFill>
                   <a:schemeClr val="tx1">
                     <a:tint val="75000"/>
                   </a:schemeClr>
                 </a:solidFill>
               </a:defRPr>
-            </a:lvl3pPr>
-            <a:lvl4pPr marL="1371600" indent="0">
-              <a:buNone/>
-              <a:defRPr sz="1600">
+            </a:lvl4pPr>
+            <a:lvl5pPr marL="1828800" indent="0">
+              <a:buNone/>
+              <a:defRPr sz="1400">
                 <a:solidFill>
                   <a:schemeClr val="tx1">
                     <a:tint val="75000"/>
                   </a:schemeClr>
                 </a:solidFill>
               </a:defRPr>
-            </a:lvl4pPr>
-            <a:lvl5pPr marL="1828800" indent="0">
-              <a:buNone/>
-              <a:defRPr sz="1600">
+            </a:lvl5pPr>
+            <a:lvl6pPr marL="2286000" indent="0">
+              <a:buNone/>
+              <a:defRPr sz="1400">
                 <a:solidFill>
                   <a:schemeClr val="tx1">
                     <a:tint val="75000"/>
                   </a:schemeClr>
                 </a:solidFill>
               </a:defRPr>
-            </a:lvl5pPr>
-            <a:lvl6pPr marL="2286000" indent="0">
-              <a:buNone/>
-              <a:defRPr sz="1600">
+            </a:lvl6pPr>
+            <a:lvl7pPr marL="2743200" indent="0">
+              <a:buNone/>
+              <a:defRPr sz="1400">
                 <a:solidFill>
                   <a:schemeClr val="tx1">
                     <a:tint val="75000"/>
                   </a:schemeClr>
                 </a:solidFill>
               </a:defRPr>
-            </a:lvl6pPr>
-            <a:lvl7pPr marL="2743200" indent="0">
-              <a:buNone/>
-              <a:defRPr sz="1600">
+            </a:lvl7pPr>
+            <a:lvl8pPr marL="3200400" indent="0">
+              <a:buNone/>
+              <a:defRPr sz="1400">
                 <a:solidFill>
                   <a:schemeClr val="tx1">
                     <a:tint val="75000"/>
                   </a:schemeClr>
                 </a:solidFill>
               </a:defRPr>
-            </a:lvl7pPr>
-            <a:lvl8pPr marL="3200400" indent="0">
-              <a:buNone/>
-              <a:defRPr sz="1600">
+            </a:lvl8pPr>
+            <a:lvl9pPr marL="3657600" indent="0">
+              <a:buNone/>
+              <a:defRPr sz="1400">
                 <a:solidFill>
                   <a:schemeClr val="tx1">
                     <a:tint val="75000"/>
                   </a:schemeClr>
                 </a:solidFill>
               </a:defRPr>
-            </a:lvl8pPr>
-            <a:lvl9pPr marL="3657600" indent="0">
-              <a:buNone/>
-              <a:defRPr sz="1600">
-                <a:solidFill>
-                  <a:schemeClr val="tx1">
-                    <a:tint val="75000"/>
-                  </a:schemeClr>
-                </a:solidFill>
-              </a:defRPr>
             </a:lvl9pPr>
           </a:lstStyle>
           <a:p>
@@ -1112,13 +3203,7 @@
       </p:sp>
       <p:sp>
         <p:nvSpPr>
-          <p:cNvPr id="4" name="Datumsplatzhalter 3">
-            <a:extLst>
-              <a:ext uri="{FF2B5EF4-FFF2-40B4-BE49-F238E27FC236}">
-                <a16:creationId xmlns:a16="http://schemas.microsoft.com/office/drawing/2014/main" id="{335B78CE-5C36-47DB-A19B-8F04259EE75E}"/>
-              </a:ext>
-            </a:extLst>
-          </p:cNvPr>
+          <p:cNvPr id="4" name="Date Placeholder 3"/>
           <p:cNvSpPr>
             <a:spLocks noGrp="1"/>
           </p:cNvSpPr>
@@ -1141,13 +3226,7 @@
       </p:sp>
       <p:sp>
         <p:nvSpPr>
-          <p:cNvPr id="5" name="Fußzeilenplatzhalter 4">
-            <a:extLst>
-              <a:ext uri="{FF2B5EF4-FFF2-40B4-BE49-F238E27FC236}">
-                <a16:creationId xmlns:a16="http://schemas.microsoft.com/office/drawing/2014/main" id="{8BECAA07-2A00-4E9D-B7A8-9EB8B367FA07}"/>
-              </a:ext>
-            </a:extLst>
-          </p:cNvPr>
+          <p:cNvPr id="5" name="Footer Placeholder 4"/>
           <p:cNvSpPr>
             <a:spLocks noGrp="1"/>
           </p:cNvSpPr>
@@ -1166,13 +3245,7 @@
       </p:sp>
       <p:sp>
         <p:nvSpPr>
-          <p:cNvPr id="6" name="Foliennummernplatzhalter 5">
-            <a:extLst>
-              <a:ext uri="{FF2B5EF4-FFF2-40B4-BE49-F238E27FC236}">
-                <a16:creationId xmlns:a16="http://schemas.microsoft.com/office/drawing/2014/main" id="{E90B9E57-5CFA-4ACA-B2F6-4E9C07671873}"/>
-              </a:ext>
-            </a:extLst>
-          </p:cNvPr>
+          <p:cNvPr id="6" name="Slide Number Placeholder 5"/>
           <p:cNvSpPr>
             <a:spLocks noGrp="1"/>
           </p:cNvSpPr>
@@ -1196,7 +3269,7 @@
     </p:spTree>
     <p:extLst>
       <p:ext uri="{BB962C8B-B14F-4D97-AF65-F5344CB8AC3E}">
-        <p14:creationId xmlns:p14="http://schemas.microsoft.com/office/powerpoint/2010/main" val="2541649851"/>
+        <p14:creationId xmlns:p14="http://schemas.microsoft.com/office/powerpoint/2010/main" val="139519319"/>
       </p:ext>
     </p:extLst>
   </p:cSld>
@@ -1225,13 +3298,7 @@
       </p:grpSpPr>
       <p:sp>
         <p:nvSpPr>
-          <p:cNvPr id="2" name="Titel 1">
-            <a:extLst>
-              <a:ext uri="{FF2B5EF4-FFF2-40B4-BE49-F238E27FC236}">
-                <a16:creationId xmlns:a16="http://schemas.microsoft.com/office/drawing/2014/main" id="{2C9F8869-DF7C-413E-9D05-0F905F0FE813}"/>
-              </a:ext>
-            </a:extLst>
-          </p:cNvPr>
+          <p:cNvPr id="2" name="Title 1"/>
           <p:cNvSpPr>
             <a:spLocks noGrp="1"/>
           </p:cNvSpPr>
@@ -1248,18 +3315,13 @@
               <a:rPr lang="de-DE"/>
               <a:t>Mastertitelformat bearbeiten</a:t>
             </a:r>
-          </a:p>
-        </p:txBody>
-      </p:sp>
-      <p:sp>
-        <p:nvSpPr>
-          <p:cNvPr id="3" name="Inhaltsplatzhalter 2">
-            <a:extLst>
-              <a:ext uri="{FF2B5EF4-FFF2-40B4-BE49-F238E27FC236}">
-                <a16:creationId xmlns:a16="http://schemas.microsoft.com/office/drawing/2014/main" id="{8EBA2B31-3D7C-408A-8675-AA1CBD79E52D}"/>
-              </a:ext>
-            </a:extLst>
-          </p:cNvPr>
+            <a:endParaRPr lang="en-US" dirty="0"/>
+          </a:p>
+        </p:txBody>
+      </p:sp>
+      <p:sp>
+        <p:nvSpPr>
+          <p:cNvPr id="3" name="Content Placeholder 2"/>
           <p:cNvSpPr>
             <a:spLocks noGrp="1"/>
           </p:cNvSpPr>
@@ -1269,13 +3331,43 @@
         </p:nvSpPr>
         <p:spPr>
           <a:xfrm>
-            <a:off x="838200" y="1825625"/>
-            <a:ext cx="5181600" cy="4351338"/>
+            <a:off x="1141412" y="2666999"/>
+            <a:ext cx="4876800" cy="3124201"/>
           </a:xfrm>
         </p:spPr>
         <p:txBody>
-          <a:bodyPr/>
-          <a:lstStyle/>
+          <a:bodyPr>
+            <a:normAutofit/>
+          </a:bodyPr>
+          <a:lstStyle>
+            <a:lvl1pPr>
+              <a:defRPr sz="1800"/>
+            </a:lvl1pPr>
+            <a:lvl2pPr>
+              <a:defRPr sz="1600"/>
+            </a:lvl2pPr>
+            <a:lvl3pPr>
+              <a:defRPr sz="1400"/>
+            </a:lvl3pPr>
+            <a:lvl4pPr>
+              <a:defRPr sz="1200"/>
+            </a:lvl4pPr>
+            <a:lvl5pPr>
+              <a:defRPr sz="1200"/>
+            </a:lvl5pPr>
+            <a:lvl6pPr>
+              <a:defRPr sz="1200"/>
+            </a:lvl6pPr>
+            <a:lvl7pPr>
+              <a:defRPr sz="1200"/>
+            </a:lvl7pPr>
+            <a:lvl8pPr>
+              <a:defRPr sz="1200"/>
+            </a:lvl8pPr>
+            <a:lvl9pPr>
+              <a:defRPr sz="1200"/>
+            </a:lvl9pPr>
+          </a:lstStyle>
           <a:p>
             <a:pPr lvl="0"/>
             <a:r>
@@ -1310,18 +3402,13 @@
               <a:rPr lang="de-DE"/>
               <a:t>Fünfte Ebene</a:t>
             </a:r>
-          </a:p>
-        </p:txBody>
-      </p:sp>
-      <p:sp>
-        <p:nvSpPr>
-          <p:cNvPr id="4" name="Inhaltsplatzhalter 3">
-            <a:extLst>
-              <a:ext uri="{FF2B5EF4-FFF2-40B4-BE49-F238E27FC236}">
-                <a16:creationId xmlns:a16="http://schemas.microsoft.com/office/drawing/2014/main" id="{7EC19B4D-4D25-4700-97E7-B10ACA4E988F}"/>
-              </a:ext>
-            </a:extLst>
-          </p:cNvPr>
+            <a:endParaRPr lang="en-US" dirty="0"/>
+          </a:p>
+        </p:txBody>
+      </p:sp>
+      <p:sp>
+        <p:nvSpPr>
+          <p:cNvPr id="4" name="Content Placeholder 3"/>
           <p:cNvSpPr>
             <a:spLocks noGrp="1"/>
           </p:cNvSpPr>
@@ -1331,13 +3418,43 @@
         </p:nvSpPr>
         <p:spPr>
           <a:xfrm>
-            <a:off x="6172200" y="1825625"/>
-            <a:ext cx="5181600" cy="4351338"/>
+            <a:off x="6170612" y="2667000"/>
+            <a:ext cx="4876800" cy="3124200"/>
           </a:xfrm>
         </p:spPr>
         <p:txBody>
-          <a:bodyPr/>
-          <a:lstStyle/>
+          <a:bodyPr>
+            <a:normAutofit/>
+          </a:bodyPr>
+          <a:lstStyle>
+            <a:lvl1pPr>
+              <a:defRPr sz="1800"/>
+            </a:lvl1pPr>
+            <a:lvl2pPr>
+              <a:defRPr sz="1600"/>
+            </a:lvl2pPr>
+            <a:lvl3pPr>
+              <a:defRPr sz="1400"/>
+            </a:lvl3pPr>
+            <a:lvl4pPr>
+              <a:defRPr sz="1200"/>
+            </a:lvl4pPr>
+            <a:lvl5pPr>
+              <a:defRPr sz="1200"/>
+            </a:lvl5pPr>
+            <a:lvl6pPr>
+              <a:defRPr sz="1200"/>
+            </a:lvl6pPr>
+            <a:lvl7pPr>
+              <a:defRPr sz="1200"/>
+            </a:lvl7pPr>
+            <a:lvl8pPr>
+              <a:defRPr sz="1200"/>
+            </a:lvl8pPr>
+            <a:lvl9pPr>
+              <a:defRPr sz="1200"/>
+            </a:lvl9pPr>
+          </a:lstStyle>
           <a:p>
             <a:pPr lvl="0"/>
             <a:r>
@@ -1372,18 +3489,13 @@
               <a:rPr lang="de-DE"/>
               <a:t>Fünfte Ebene</a:t>
             </a:r>
-          </a:p>
-        </p:txBody>
-      </p:sp>
-      <p:sp>
-        <p:nvSpPr>
-          <p:cNvPr id="5" name="Datumsplatzhalter 4">
-            <a:extLst>
-              <a:ext uri="{FF2B5EF4-FFF2-40B4-BE49-F238E27FC236}">
-                <a16:creationId xmlns:a16="http://schemas.microsoft.com/office/drawing/2014/main" id="{E7D26AF1-4A02-4CF8-8521-45E3BCAA8B66}"/>
-              </a:ext>
-            </a:extLst>
-          </p:cNvPr>
+            <a:endParaRPr lang="en-US" dirty="0"/>
+          </a:p>
+        </p:txBody>
+      </p:sp>
+      <p:sp>
+        <p:nvSpPr>
+          <p:cNvPr id="5" name="Date Placeholder 4"/>
           <p:cNvSpPr>
             <a:spLocks noGrp="1"/>
           </p:cNvSpPr>
@@ -1406,13 +3518,7 @@
       </p:sp>
       <p:sp>
         <p:nvSpPr>
-          <p:cNvPr id="6" name="Fußzeilenplatzhalter 5">
-            <a:extLst>
-              <a:ext uri="{FF2B5EF4-FFF2-40B4-BE49-F238E27FC236}">
-                <a16:creationId xmlns:a16="http://schemas.microsoft.com/office/drawing/2014/main" id="{5EC1AEFF-1DBF-4A18-8CDB-724B50118F6D}"/>
-              </a:ext>
-            </a:extLst>
-          </p:cNvPr>
+          <p:cNvPr id="6" name="Footer Placeholder 5"/>
           <p:cNvSpPr>
             <a:spLocks noGrp="1"/>
           </p:cNvSpPr>
@@ -1431,13 +3537,7 @@
       </p:sp>
       <p:sp>
         <p:nvSpPr>
-          <p:cNvPr id="7" name="Foliennummernplatzhalter 6">
-            <a:extLst>
-              <a:ext uri="{FF2B5EF4-FFF2-40B4-BE49-F238E27FC236}">
-                <a16:creationId xmlns:a16="http://schemas.microsoft.com/office/drawing/2014/main" id="{15EBC6FB-8149-4D71-AE7A-D000A1A029E6}"/>
-              </a:ext>
-            </a:extLst>
-          </p:cNvPr>
+          <p:cNvPr id="7" name="Slide Number Placeholder 6"/>
           <p:cNvSpPr>
             <a:spLocks noGrp="1"/>
           </p:cNvSpPr>
@@ -1461,7 +3561,7 @@
     </p:spTree>
     <p:extLst>
       <p:ext uri="{BB962C8B-B14F-4D97-AF65-F5344CB8AC3E}">
-        <p14:creationId xmlns:p14="http://schemas.microsoft.com/office/powerpoint/2010/main" val="2604795350"/>
+        <p14:creationId xmlns:p14="http://schemas.microsoft.com/office/powerpoint/2010/main" val="2216821758"/>
       </p:ext>
     </p:extLst>
   </p:cSld>
@@ -1490,65 +3590,55 @@
       </p:grpSpPr>
       <p:sp>
         <p:nvSpPr>
-          <p:cNvPr id="2" name="Titel 1">
-            <a:extLst>
-              <a:ext uri="{FF2B5EF4-FFF2-40B4-BE49-F238E27FC236}">
-                <a16:creationId xmlns:a16="http://schemas.microsoft.com/office/drawing/2014/main" id="{A07FB0C3-6262-4D78-B271-51B5B1D18E69}"/>
-              </a:ext>
-            </a:extLst>
-          </p:cNvPr>
+          <p:cNvPr id="2" name="Title 1"/>
           <p:cNvSpPr>
             <a:spLocks noGrp="1"/>
           </p:cNvSpPr>
           <p:nvPr>
             <p:ph type="title"/>
+          </p:nvPr>
+        </p:nvSpPr>
+        <p:spPr/>
+        <p:txBody>
+          <a:bodyPr/>
+          <a:lstStyle>
+            <a:lvl1pPr>
+              <a:defRPr/>
+            </a:lvl1pPr>
+          </a:lstStyle>
+          <a:p>
+            <a:r>
+              <a:rPr lang="de-DE"/>
+              <a:t>Mastertitelformat bearbeiten</a:t>
+            </a:r>
+            <a:endParaRPr lang="en-US" dirty="0"/>
+          </a:p>
+        </p:txBody>
+      </p:sp>
+      <p:sp>
+        <p:nvSpPr>
+          <p:cNvPr id="3" name="Text Placeholder 2"/>
+          <p:cNvSpPr>
+            <a:spLocks noGrp="1"/>
+          </p:cNvSpPr>
+          <p:nvPr>
+            <p:ph type="body" idx="1"/>
           </p:nvPr>
         </p:nvSpPr>
         <p:spPr>
           <a:xfrm>
-            <a:off x="839788" y="365125"/>
-            <a:ext cx="10515600" cy="1325563"/>
+            <a:off x="1429280" y="2658533"/>
+            <a:ext cx="4588931" cy="576262"/>
           </a:xfrm>
         </p:spPr>
         <p:txBody>
-          <a:bodyPr/>
-          <a:lstStyle/>
-          <a:p>
-            <a:r>
-              <a:rPr lang="de-DE"/>
-              <a:t>Mastertitelformat bearbeiten</a:t>
-            </a:r>
-          </a:p>
-        </p:txBody>
-      </p:sp>
-      <p:sp>
-        <p:nvSpPr>
-          <p:cNvPr id="3" name="Textplatzhalter 2">
-            <a:extLst>
-              <a:ext uri="{FF2B5EF4-FFF2-40B4-BE49-F238E27FC236}">
-                <a16:creationId xmlns:a16="http://schemas.microsoft.com/office/drawing/2014/main" id="{ACAF5D18-B9DC-4CC9-B3D9-5A66F1DE4C36}"/>
-              </a:ext>
-            </a:extLst>
-          </p:cNvPr>
-          <p:cNvSpPr>
-            <a:spLocks noGrp="1"/>
-          </p:cNvSpPr>
-          <p:nvPr>
-            <p:ph type="body" idx="1"/>
-          </p:nvPr>
-        </p:nvSpPr>
-        <p:spPr>
-          <a:xfrm>
-            <a:off x="839788" y="1681163"/>
-            <a:ext cx="5157787" cy="823912"/>
-          </a:xfrm>
-        </p:spPr>
-        <p:txBody>
-          <a:bodyPr anchor="b"/>
+          <a:bodyPr anchor="b">
+            <a:noAutofit/>
+          </a:bodyPr>
           <a:lstStyle>
             <a:lvl1pPr marL="0" indent="0">
               <a:buNone/>
-              <a:defRPr sz="2400" b="1"/>
+              <a:defRPr sz="2800" b="0"/>
             </a:lvl1pPr>
             <a:lvl2pPr marL="457200" indent="0">
               <a:buNone/>
@@ -1594,13 +3684,7 @@
       </p:sp>
       <p:sp>
         <p:nvSpPr>
-          <p:cNvPr id="4" name="Inhaltsplatzhalter 3">
-            <a:extLst>
-              <a:ext uri="{FF2B5EF4-FFF2-40B4-BE49-F238E27FC236}">
-                <a16:creationId xmlns:a16="http://schemas.microsoft.com/office/drawing/2014/main" id="{EEAEB5AF-C116-4F11-88B4-AA2A5FB76FDC}"/>
-              </a:ext>
-            </a:extLst>
-          </p:cNvPr>
+          <p:cNvPr id="4" name="Content Placeholder 3"/>
           <p:cNvSpPr>
             <a:spLocks noGrp="1"/>
           </p:cNvSpPr>
@@ -1610,13 +3694,43 @@
         </p:nvSpPr>
         <p:spPr>
           <a:xfrm>
-            <a:off x="839788" y="2505075"/>
-            <a:ext cx="5157787" cy="3684588"/>
+            <a:off x="1141412" y="3243262"/>
+            <a:ext cx="4876800" cy="2547937"/>
           </a:xfrm>
         </p:spPr>
         <p:txBody>
-          <a:bodyPr/>
-          <a:lstStyle/>
+          <a:bodyPr anchor="t">
+            <a:normAutofit/>
+          </a:bodyPr>
+          <a:lstStyle>
+            <a:lvl1pPr>
+              <a:defRPr sz="1800"/>
+            </a:lvl1pPr>
+            <a:lvl2pPr>
+              <a:defRPr sz="1600"/>
+            </a:lvl2pPr>
+            <a:lvl3pPr>
+              <a:defRPr sz="1400"/>
+            </a:lvl3pPr>
+            <a:lvl4pPr>
+              <a:defRPr sz="1200"/>
+            </a:lvl4pPr>
+            <a:lvl5pPr>
+              <a:defRPr sz="1200"/>
+            </a:lvl5pPr>
+            <a:lvl6pPr>
+              <a:defRPr sz="1200"/>
+            </a:lvl6pPr>
+            <a:lvl7pPr>
+              <a:defRPr sz="1200"/>
+            </a:lvl7pPr>
+            <a:lvl8pPr>
+              <a:defRPr sz="1200"/>
+            </a:lvl8pPr>
+            <a:lvl9pPr>
+              <a:defRPr sz="1200"/>
+            </a:lvl9pPr>
+          </a:lstStyle>
           <a:p>
             <a:pPr lvl="0"/>
             <a:r>
@@ -1651,18 +3765,13 @@
               <a:rPr lang="de-DE"/>
               <a:t>Fünfte Ebene</a:t>
             </a:r>
-          </a:p>
-        </p:txBody>
-      </p:sp>
-      <p:sp>
-        <p:nvSpPr>
-          <p:cNvPr id="5" name="Textplatzhalter 4">
-            <a:extLst>
-              <a:ext uri="{FF2B5EF4-FFF2-40B4-BE49-F238E27FC236}">
-                <a16:creationId xmlns:a16="http://schemas.microsoft.com/office/drawing/2014/main" id="{5EE157FB-6B7E-494E-9BB5-F4025254A092}"/>
-              </a:ext>
-            </a:extLst>
-          </p:cNvPr>
+            <a:endParaRPr lang="en-US" dirty="0"/>
+          </a:p>
+        </p:txBody>
+      </p:sp>
+      <p:sp>
+        <p:nvSpPr>
+          <p:cNvPr id="5" name="Text Placeholder 4"/>
           <p:cNvSpPr>
             <a:spLocks noGrp="1"/>
           </p:cNvSpPr>
@@ -1672,16 +3781,18 @@
         </p:nvSpPr>
         <p:spPr>
           <a:xfrm>
-            <a:off x="6172200" y="1681163"/>
-            <a:ext cx="5183188" cy="823912"/>
+            <a:off x="6443133" y="2667000"/>
+            <a:ext cx="4604280" cy="576262"/>
           </a:xfrm>
         </p:spPr>
         <p:txBody>
-          <a:bodyPr anchor="b"/>
+          <a:bodyPr anchor="b">
+            <a:noAutofit/>
+          </a:bodyPr>
           <a:lstStyle>
             <a:lvl1pPr marL="0" indent="0">
               <a:buNone/>
-              <a:defRPr sz="2400" b="1"/>
+              <a:defRPr sz="2800" b="0"/>
             </a:lvl1pPr>
             <a:lvl2pPr marL="457200" indent="0">
               <a:buNone/>
@@ -1727,13 +3838,7 @@
       </p:sp>
       <p:sp>
         <p:nvSpPr>
-          <p:cNvPr id="6" name="Inhaltsplatzhalter 5">
-            <a:extLst>
-              <a:ext uri="{FF2B5EF4-FFF2-40B4-BE49-F238E27FC236}">
-                <a16:creationId xmlns:a16="http://schemas.microsoft.com/office/drawing/2014/main" id="{7040A2A7-D710-4165-B977-B82CD1F5F5D2}"/>
-              </a:ext>
-            </a:extLst>
-          </p:cNvPr>
+          <p:cNvPr id="6" name="Content Placeholder 5"/>
           <p:cNvSpPr>
             <a:spLocks noGrp="1"/>
           </p:cNvSpPr>
@@ -1743,13 +3848,43 @@
         </p:nvSpPr>
         <p:spPr>
           <a:xfrm>
-            <a:off x="6172200" y="2505075"/>
-            <a:ext cx="5183188" cy="3684588"/>
+            <a:off x="6170612" y="3243262"/>
+            <a:ext cx="4876801" cy="2547937"/>
           </a:xfrm>
         </p:spPr>
         <p:txBody>
-          <a:bodyPr/>
-          <a:lstStyle/>
+          <a:bodyPr anchor="t">
+            <a:normAutofit/>
+          </a:bodyPr>
+          <a:lstStyle>
+            <a:lvl1pPr>
+              <a:defRPr sz="1800"/>
+            </a:lvl1pPr>
+            <a:lvl2pPr>
+              <a:defRPr sz="1600"/>
+            </a:lvl2pPr>
+            <a:lvl3pPr>
+              <a:defRPr sz="1400"/>
+            </a:lvl3pPr>
+            <a:lvl4pPr>
+              <a:defRPr sz="1200"/>
+            </a:lvl4pPr>
+            <a:lvl5pPr>
+              <a:defRPr sz="1200"/>
+            </a:lvl5pPr>
+            <a:lvl6pPr>
+              <a:defRPr sz="1200"/>
+            </a:lvl6pPr>
+            <a:lvl7pPr>
+              <a:defRPr sz="1200"/>
+            </a:lvl7pPr>
+            <a:lvl8pPr>
+              <a:defRPr sz="1200"/>
+            </a:lvl8pPr>
+            <a:lvl9pPr>
+              <a:defRPr sz="1200"/>
+            </a:lvl9pPr>
+          </a:lstStyle>
           <a:p>
             <a:pPr lvl="0"/>
             <a:r>
@@ -1784,18 +3919,13 @@
               <a:rPr lang="de-DE"/>
               <a:t>Fünfte Ebene</a:t>
             </a:r>
-          </a:p>
-        </p:txBody>
-      </p:sp>
-      <p:sp>
-        <p:nvSpPr>
-          <p:cNvPr id="7" name="Datumsplatzhalter 6">
-            <a:extLst>
-              <a:ext uri="{FF2B5EF4-FFF2-40B4-BE49-F238E27FC236}">
-                <a16:creationId xmlns:a16="http://schemas.microsoft.com/office/drawing/2014/main" id="{E2D86098-F2C3-46F7-9C6C-486F4347189A}"/>
-              </a:ext>
-            </a:extLst>
-          </p:cNvPr>
+            <a:endParaRPr lang="en-US" dirty="0"/>
+          </a:p>
+        </p:txBody>
+      </p:sp>
+      <p:sp>
+        <p:nvSpPr>
+          <p:cNvPr id="7" name="Date Placeholder 6"/>
           <p:cNvSpPr>
             <a:spLocks noGrp="1"/>
           </p:cNvSpPr>
@@ -1818,13 +3948,7 @@
       </p:sp>
       <p:sp>
         <p:nvSpPr>
-          <p:cNvPr id="8" name="Fußzeilenplatzhalter 7">
-            <a:extLst>
-              <a:ext uri="{FF2B5EF4-FFF2-40B4-BE49-F238E27FC236}">
-                <a16:creationId xmlns:a16="http://schemas.microsoft.com/office/drawing/2014/main" id="{BA73F9BD-6471-441A-BC5E-74EAF90D7E61}"/>
-              </a:ext>
-            </a:extLst>
-          </p:cNvPr>
+          <p:cNvPr id="8" name="Footer Placeholder 7"/>
           <p:cNvSpPr>
             <a:spLocks noGrp="1"/>
           </p:cNvSpPr>
@@ -1843,13 +3967,7 @@
       </p:sp>
       <p:sp>
         <p:nvSpPr>
-          <p:cNvPr id="9" name="Foliennummernplatzhalter 8">
-            <a:extLst>
-              <a:ext uri="{FF2B5EF4-FFF2-40B4-BE49-F238E27FC236}">
-                <a16:creationId xmlns:a16="http://schemas.microsoft.com/office/drawing/2014/main" id="{FC36DCDE-6793-49DC-952D-3FE4E9F5180B}"/>
-              </a:ext>
-            </a:extLst>
-          </p:cNvPr>
+          <p:cNvPr id="9" name="Slide Number Placeholder 8"/>
           <p:cNvSpPr>
             <a:spLocks noGrp="1"/>
           </p:cNvSpPr>
@@ -1873,7 +3991,7 @@
     </p:spTree>
     <p:extLst>
       <p:ext uri="{BB962C8B-B14F-4D97-AF65-F5344CB8AC3E}">
-        <p14:creationId xmlns:p14="http://schemas.microsoft.com/office/powerpoint/2010/main" val="3648006078"/>
+        <p14:creationId xmlns:p14="http://schemas.microsoft.com/office/powerpoint/2010/main" val="1140571571"/>
       </p:ext>
     </p:extLst>
   </p:cSld>
@@ -1902,13 +4020,7 @@
       </p:grpSpPr>
       <p:sp>
         <p:nvSpPr>
-          <p:cNvPr id="2" name="Titel 1">
-            <a:extLst>
-              <a:ext uri="{FF2B5EF4-FFF2-40B4-BE49-F238E27FC236}">
-                <a16:creationId xmlns:a16="http://schemas.microsoft.com/office/drawing/2014/main" id="{18900B5F-F8B9-425C-97FC-61A302E7FFB5}"/>
-              </a:ext>
-            </a:extLst>
-          </p:cNvPr>
+          <p:cNvPr id="2" name="Title 1"/>
           <p:cNvSpPr>
             <a:spLocks noGrp="1"/>
           </p:cNvSpPr>
@@ -1925,18 +4037,13 @@
               <a:rPr lang="de-DE"/>
               <a:t>Mastertitelformat bearbeiten</a:t>
             </a:r>
-          </a:p>
-        </p:txBody>
-      </p:sp>
-      <p:sp>
-        <p:nvSpPr>
-          <p:cNvPr id="3" name="Datumsplatzhalter 2">
-            <a:extLst>
-              <a:ext uri="{FF2B5EF4-FFF2-40B4-BE49-F238E27FC236}">
-                <a16:creationId xmlns:a16="http://schemas.microsoft.com/office/drawing/2014/main" id="{84104547-BDCC-46F8-AFF1-378CB7220168}"/>
-              </a:ext>
-            </a:extLst>
-          </p:cNvPr>
+            <a:endParaRPr lang="en-US" dirty="0"/>
+          </a:p>
+        </p:txBody>
+      </p:sp>
+      <p:sp>
+        <p:nvSpPr>
+          <p:cNvPr id="3" name="Date Placeholder 2"/>
           <p:cNvSpPr>
             <a:spLocks noGrp="1"/>
           </p:cNvSpPr>
@@ -1959,13 +4066,7 @@
       </p:sp>
       <p:sp>
         <p:nvSpPr>
-          <p:cNvPr id="4" name="Fußzeilenplatzhalter 3">
-            <a:extLst>
-              <a:ext uri="{FF2B5EF4-FFF2-40B4-BE49-F238E27FC236}">
-                <a16:creationId xmlns:a16="http://schemas.microsoft.com/office/drawing/2014/main" id="{284A3F23-C9F3-425B-B9DF-746672713D1D}"/>
-              </a:ext>
-            </a:extLst>
-          </p:cNvPr>
+          <p:cNvPr id="4" name="Footer Placeholder 3"/>
           <p:cNvSpPr>
             <a:spLocks noGrp="1"/>
           </p:cNvSpPr>
@@ -1984,13 +4085,7 @@
       </p:sp>
       <p:sp>
         <p:nvSpPr>
-          <p:cNvPr id="5" name="Foliennummernplatzhalter 4">
-            <a:extLst>
-              <a:ext uri="{FF2B5EF4-FFF2-40B4-BE49-F238E27FC236}">
-                <a16:creationId xmlns:a16="http://schemas.microsoft.com/office/drawing/2014/main" id="{A172F4EF-9B64-4927-812B-0A5B656990BF}"/>
-              </a:ext>
-            </a:extLst>
-          </p:cNvPr>
+          <p:cNvPr id="5" name="Slide Number Placeholder 4"/>
           <p:cNvSpPr>
             <a:spLocks noGrp="1"/>
           </p:cNvSpPr>
@@ -2014,7 +4109,7 @@
     </p:spTree>
     <p:extLst>
       <p:ext uri="{BB962C8B-B14F-4D97-AF65-F5344CB8AC3E}">
-        <p14:creationId xmlns:p14="http://schemas.microsoft.com/office/powerpoint/2010/main" val="40108857"/>
+        <p14:creationId xmlns:p14="http://schemas.microsoft.com/office/powerpoint/2010/main" val="4281867635"/>
       </p:ext>
     </p:extLst>
   </p:cSld>
@@ -2043,13 +4138,7 @@
       </p:grpSpPr>
       <p:sp>
         <p:nvSpPr>
-          <p:cNvPr id="2" name="Datumsplatzhalter 1">
-            <a:extLst>
-              <a:ext uri="{FF2B5EF4-FFF2-40B4-BE49-F238E27FC236}">
-                <a16:creationId xmlns:a16="http://schemas.microsoft.com/office/drawing/2014/main" id="{2D5F660B-FA14-4837-B51A-B4E0370FABE8}"/>
-              </a:ext>
-            </a:extLst>
-          </p:cNvPr>
+          <p:cNvPr id="2" name="Date Placeholder 1"/>
           <p:cNvSpPr>
             <a:spLocks noGrp="1"/>
           </p:cNvSpPr>
@@ -2072,13 +4161,7 @@
       </p:sp>
       <p:sp>
         <p:nvSpPr>
-          <p:cNvPr id="3" name="Fußzeilenplatzhalter 2">
-            <a:extLst>
-              <a:ext uri="{FF2B5EF4-FFF2-40B4-BE49-F238E27FC236}">
-                <a16:creationId xmlns:a16="http://schemas.microsoft.com/office/drawing/2014/main" id="{AF83F2F0-E840-45EC-86EA-DC584B6B097F}"/>
-              </a:ext>
-            </a:extLst>
-          </p:cNvPr>
+          <p:cNvPr id="3" name="Footer Placeholder 2"/>
           <p:cNvSpPr>
             <a:spLocks noGrp="1"/>
           </p:cNvSpPr>
@@ -2097,13 +4180,7 @@
       </p:sp>
       <p:sp>
         <p:nvSpPr>
-          <p:cNvPr id="4" name="Foliennummernplatzhalter 3">
-            <a:extLst>
-              <a:ext uri="{FF2B5EF4-FFF2-40B4-BE49-F238E27FC236}">
-                <a16:creationId xmlns:a16="http://schemas.microsoft.com/office/drawing/2014/main" id="{1CB52092-BD5E-4095-A5AE-B266956461CE}"/>
-              </a:ext>
-            </a:extLst>
-          </p:cNvPr>
+          <p:cNvPr id="4" name="Slide Number Placeholder 3"/>
           <p:cNvSpPr>
             <a:spLocks noGrp="1"/>
           </p:cNvSpPr>
@@ -2127,7 +4204,7 @@
     </p:spTree>
     <p:extLst>
       <p:ext uri="{BB962C8B-B14F-4D97-AF65-F5344CB8AC3E}">
-        <p14:creationId xmlns:p14="http://schemas.microsoft.com/office/powerpoint/2010/main" val="3986026682"/>
+        <p14:creationId xmlns:p14="http://schemas.microsoft.com/office/powerpoint/2010/main" val="3911648106"/>
       </p:ext>
     </p:extLst>
   </p:cSld>
@@ -2156,13 +4233,7 @@
       </p:grpSpPr>
       <p:sp>
         <p:nvSpPr>
-          <p:cNvPr id="2" name="Titel 1">
-            <a:extLst>
-              <a:ext uri="{FF2B5EF4-FFF2-40B4-BE49-F238E27FC236}">
-                <a16:creationId xmlns:a16="http://schemas.microsoft.com/office/drawing/2014/main" id="{23B6C8C8-6C81-4FEA-995C-DC02F4684B87}"/>
-              </a:ext>
-            </a:extLst>
-          </p:cNvPr>
+          <p:cNvPr id="2" name="Title 1"/>
           <p:cNvSpPr>
             <a:spLocks noGrp="1"/>
           </p:cNvSpPr>
@@ -2172,139 +4243,135 @@
         </p:nvSpPr>
         <p:spPr>
           <a:xfrm>
-            <a:off x="839788" y="457200"/>
-            <a:ext cx="3932237" cy="1600200"/>
+            <a:off x="1141411" y="1600200"/>
+            <a:ext cx="3549121" cy="1371600"/>
           </a:xfrm>
         </p:spPr>
         <p:txBody>
-          <a:bodyPr anchor="b"/>
+          <a:bodyPr anchor="b">
+            <a:normAutofit/>
+          </a:bodyPr>
+          <a:lstStyle>
+            <a:lvl1pPr algn="l">
+              <a:defRPr sz="2400" b="0"/>
+            </a:lvl1pPr>
+          </a:lstStyle>
+          <a:p>
+            <a:r>
+              <a:rPr lang="de-DE"/>
+              <a:t>Mastertitelformat bearbeiten</a:t>
+            </a:r>
+            <a:endParaRPr lang="en-US" dirty="0"/>
+          </a:p>
+        </p:txBody>
+      </p:sp>
+      <p:sp>
+        <p:nvSpPr>
+          <p:cNvPr id="3" name="Content Placeholder 2"/>
+          <p:cNvSpPr>
+            <a:spLocks noGrp="1"/>
+          </p:cNvSpPr>
+          <p:nvPr>
+            <p:ph idx="1"/>
+          </p:nvPr>
+        </p:nvSpPr>
+        <p:spPr>
+          <a:xfrm>
+            <a:off x="5103812" y="609601"/>
+            <a:ext cx="5943601" cy="5181600"/>
+          </a:xfrm>
+        </p:spPr>
+        <p:txBody>
+          <a:bodyPr anchor="ctr">
+            <a:normAutofit/>
+          </a:bodyPr>
           <a:lstStyle>
             <a:lvl1pPr>
-              <a:defRPr sz="3200"/>
+              <a:defRPr sz="2000"/>
             </a:lvl1pPr>
+            <a:lvl2pPr>
+              <a:defRPr sz="1800"/>
+            </a:lvl2pPr>
+            <a:lvl3pPr>
+              <a:defRPr sz="1600"/>
+            </a:lvl3pPr>
+            <a:lvl4pPr>
+              <a:defRPr sz="1400"/>
+            </a:lvl4pPr>
+            <a:lvl5pPr>
+              <a:defRPr sz="1400"/>
+            </a:lvl5pPr>
+            <a:lvl6pPr>
+              <a:defRPr sz="1400"/>
+            </a:lvl6pPr>
+            <a:lvl7pPr>
+              <a:defRPr sz="1400"/>
+            </a:lvl7pPr>
+            <a:lvl8pPr>
+              <a:defRPr sz="1400"/>
+            </a:lvl8pPr>
+            <a:lvl9pPr>
+              <a:defRPr sz="1400"/>
+            </a:lvl9pPr>
           </a:lstStyle>
           <a:p>
-            <a:r>
-              <a:rPr lang="de-DE"/>
-              <a:t>Mastertitelformat bearbeiten</a:t>
-            </a:r>
-          </a:p>
-        </p:txBody>
-      </p:sp>
-      <p:sp>
-        <p:nvSpPr>
-          <p:cNvPr id="3" name="Inhaltsplatzhalter 2">
-            <a:extLst>
-              <a:ext uri="{FF2B5EF4-FFF2-40B4-BE49-F238E27FC236}">
-                <a16:creationId xmlns:a16="http://schemas.microsoft.com/office/drawing/2014/main" id="{66C32648-DE7A-4729-A151-3F7F735723D6}"/>
-              </a:ext>
-            </a:extLst>
-          </p:cNvPr>
-          <p:cNvSpPr>
-            <a:spLocks noGrp="1"/>
-          </p:cNvSpPr>
-          <p:nvPr>
-            <p:ph idx="1"/>
+            <a:pPr lvl="0"/>
+            <a:r>
+              <a:rPr lang="de-DE"/>
+              <a:t>Mastertextformat bearbeiten</a:t>
+            </a:r>
+          </a:p>
+          <a:p>
+            <a:pPr lvl="1"/>
+            <a:r>
+              <a:rPr lang="de-DE"/>
+              <a:t>Zweite Ebene</a:t>
+            </a:r>
+          </a:p>
+          <a:p>
+            <a:pPr lvl="2"/>
+            <a:r>
+              <a:rPr lang="de-DE"/>
+              <a:t>Dritte Ebene</a:t>
+            </a:r>
+          </a:p>
+          <a:p>
+            <a:pPr lvl="3"/>
+            <a:r>
+              <a:rPr lang="de-DE"/>
+              <a:t>Vierte Ebene</a:t>
+            </a:r>
+          </a:p>
+          <a:p>
+            <a:pPr lvl="4"/>
+            <a:r>
+              <a:rPr lang="de-DE"/>
+              <a:t>Fünfte Ebene</a:t>
+            </a:r>
+            <a:endParaRPr lang="en-US" dirty="0"/>
+          </a:p>
+        </p:txBody>
+      </p:sp>
+      <p:sp>
+        <p:nvSpPr>
+          <p:cNvPr id="4" name="Text Placeholder 3"/>
+          <p:cNvSpPr>
+            <a:spLocks noGrp="1"/>
+          </p:cNvSpPr>
+          <p:nvPr>
+            <p:ph type="body" sz="half" idx="2"/>
           </p:nvPr>
         </p:nvSpPr>
         <p:spPr>
           <a:xfrm>
-            <a:off x="5183188" y="987425"/>
-            <a:ext cx="6172200" cy="4873625"/>
+            <a:off x="1141411" y="2971800"/>
+            <a:ext cx="3549121" cy="1828800"/>
           </a:xfrm>
         </p:spPr>
         <p:txBody>
-          <a:bodyPr/>
-          <a:lstStyle>
-            <a:lvl1pPr>
-              <a:defRPr sz="3200"/>
-            </a:lvl1pPr>
-            <a:lvl2pPr>
-              <a:defRPr sz="2800"/>
-            </a:lvl2pPr>
-            <a:lvl3pPr>
-              <a:defRPr sz="2400"/>
-            </a:lvl3pPr>
-            <a:lvl4pPr>
-              <a:defRPr sz="2000"/>
-            </a:lvl4pPr>
-            <a:lvl5pPr>
-              <a:defRPr sz="2000"/>
-            </a:lvl5pPr>
-            <a:lvl6pPr>
-              <a:defRPr sz="2000"/>
-            </a:lvl6pPr>
-            <a:lvl7pPr>
-              <a:defRPr sz="2000"/>
-            </a:lvl7pPr>
-            <a:lvl8pPr>
-              <a:defRPr sz="2000"/>
-            </a:lvl8pPr>
-            <a:lvl9pPr>
-              <a:defRPr sz="2000"/>
-            </a:lvl9pPr>
-          </a:lstStyle>
-          <a:p>
-            <a:pPr lvl="0"/>
-            <a:r>
-              <a:rPr lang="de-DE"/>
-              <a:t>Mastertextformat bearbeiten</a:t>
-            </a:r>
-          </a:p>
-          <a:p>
-            <a:pPr lvl="1"/>
-            <a:r>
-              <a:rPr lang="de-DE"/>
-              <a:t>Zweite Ebene</a:t>
-            </a:r>
-          </a:p>
-          <a:p>
-            <a:pPr lvl="2"/>
-            <a:r>
-              <a:rPr lang="de-DE"/>
-              <a:t>Dritte Ebene</a:t>
-            </a:r>
-          </a:p>
-          <a:p>
-            <a:pPr lvl="3"/>
-            <a:r>
-              <a:rPr lang="de-DE"/>
-              <a:t>Vierte Ebene</a:t>
-            </a:r>
-          </a:p>
-          <a:p>
-            <a:pPr lvl="4"/>
-            <a:r>
-              <a:rPr lang="de-DE"/>
-              <a:t>Fünfte Ebene</a:t>
-            </a:r>
-          </a:p>
-        </p:txBody>
-      </p:sp>
-      <p:sp>
-        <p:nvSpPr>
-          <p:cNvPr id="4" name="Textplatzhalter 3">
-            <a:extLst>
-              <a:ext uri="{FF2B5EF4-FFF2-40B4-BE49-F238E27FC236}">
-                <a16:creationId xmlns:a16="http://schemas.microsoft.com/office/drawing/2014/main" id="{0219803B-F20E-481B-80D8-AC873CBE712B}"/>
-              </a:ext>
-            </a:extLst>
-          </p:cNvPr>
-          <p:cNvSpPr>
-            <a:spLocks noGrp="1"/>
-          </p:cNvSpPr>
-          <p:nvPr>
-            <p:ph type="body" sz="half" idx="2"/>
-          </p:nvPr>
-        </p:nvSpPr>
-        <p:spPr>
-          <a:xfrm>
-            <a:off x="839788" y="2057400"/>
-            <a:ext cx="3932237" cy="3811588"/>
-          </a:xfrm>
-        </p:spPr>
-        <p:txBody>
-          <a:bodyPr/>
+          <a:bodyPr>
+            <a:normAutofit/>
+          </a:bodyPr>
           <a:lstStyle>
             <a:lvl1pPr marL="0" indent="0">
               <a:buNone/>
@@ -2312,35 +4379,35 @@
             </a:lvl1pPr>
             <a:lvl2pPr marL="457200" indent="0">
               <a:buNone/>
-              <a:defRPr sz="1400"/>
+              <a:defRPr sz="1200"/>
             </a:lvl2pPr>
             <a:lvl3pPr marL="914400" indent="0">
               <a:buNone/>
-              <a:defRPr sz="1200"/>
+              <a:defRPr sz="1000"/>
             </a:lvl3pPr>
             <a:lvl4pPr marL="1371600" indent="0">
               <a:buNone/>
-              <a:defRPr sz="1000"/>
+              <a:defRPr sz="900"/>
             </a:lvl4pPr>
             <a:lvl5pPr marL="1828800" indent="0">
               <a:buNone/>
-              <a:defRPr sz="1000"/>
+              <a:defRPr sz="900"/>
             </a:lvl5pPr>
             <a:lvl6pPr marL="2286000" indent="0">
               <a:buNone/>
-              <a:defRPr sz="1000"/>
+              <a:defRPr sz="900"/>
             </a:lvl6pPr>
             <a:lvl7pPr marL="2743200" indent="0">
               <a:buNone/>
-              <a:defRPr sz="1000"/>
+              <a:defRPr sz="900"/>
             </a:lvl7pPr>
             <a:lvl8pPr marL="3200400" indent="0">
               <a:buNone/>
-              <a:defRPr sz="1000"/>
+              <a:defRPr sz="900"/>
             </a:lvl8pPr>
             <a:lvl9pPr marL="3657600" indent="0">
               <a:buNone/>
-              <a:defRPr sz="1000"/>
+              <a:defRPr sz="900"/>
             </a:lvl9pPr>
           </a:lstStyle>
           <a:p>
@@ -2354,13 +4421,7 @@
       </p:sp>
       <p:sp>
         <p:nvSpPr>
-          <p:cNvPr id="5" name="Datumsplatzhalter 4">
-            <a:extLst>
-              <a:ext uri="{FF2B5EF4-FFF2-40B4-BE49-F238E27FC236}">
-                <a16:creationId xmlns:a16="http://schemas.microsoft.com/office/drawing/2014/main" id="{9495C58D-611C-42C1-81FE-49A17A6AEF67}"/>
-              </a:ext>
-            </a:extLst>
-          </p:cNvPr>
+          <p:cNvPr id="5" name="Date Placeholder 4"/>
           <p:cNvSpPr>
             <a:spLocks noGrp="1"/>
           </p:cNvSpPr>
@@ -2383,13 +4444,7 @@
       </p:sp>
       <p:sp>
         <p:nvSpPr>
-          <p:cNvPr id="6" name="Fußzeilenplatzhalter 5">
-            <a:extLst>
-              <a:ext uri="{FF2B5EF4-FFF2-40B4-BE49-F238E27FC236}">
-                <a16:creationId xmlns:a16="http://schemas.microsoft.com/office/drawing/2014/main" id="{C400FF59-6EC6-4D7E-817A-EE4E97F19FA2}"/>
-              </a:ext>
-            </a:extLst>
-          </p:cNvPr>
+          <p:cNvPr id="6" name="Footer Placeholder 5"/>
           <p:cNvSpPr>
             <a:spLocks noGrp="1"/>
           </p:cNvSpPr>
@@ -2408,13 +4463,7 @@
       </p:sp>
       <p:sp>
         <p:nvSpPr>
-          <p:cNvPr id="7" name="Foliennummernplatzhalter 6">
-            <a:extLst>
-              <a:ext uri="{FF2B5EF4-FFF2-40B4-BE49-F238E27FC236}">
-                <a16:creationId xmlns:a16="http://schemas.microsoft.com/office/drawing/2014/main" id="{C124CE15-8330-473D-96EB-0E8622922F6C}"/>
-              </a:ext>
-            </a:extLst>
-          </p:cNvPr>
+          <p:cNvPr id="7" name="Slide Number Placeholder 6"/>
           <p:cNvSpPr>
             <a:spLocks noGrp="1"/>
           </p:cNvSpPr>
@@ -2438,7 +4487,7 @@
     </p:spTree>
     <p:extLst>
       <p:ext uri="{BB962C8B-B14F-4D97-AF65-F5344CB8AC3E}">
-        <p14:creationId xmlns:p14="http://schemas.microsoft.com/office/powerpoint/2010/main" val="2898275029"/>
+        <p14:creationId xmlns:p14="http://schemas.microsoft.com/office/powerpoint/2010/main" val="2933585443"/>
       </p:ext>
     </p:extLst>
   </p:cSld>
@@ -2467,13 +4516,7 @@
       </p:grpSpPr>
       <p:sp>
         <p:nvSpPr>
-          <p:cNvPr id="2" name="Titel 1">
-            <a:extLst>
-              <a:ext uri="{FF2B5EF4-FFF2-40B4-BE49-F238E27FC236}">
-                <a16:creationId xmlns:a16="http://schemas.microsoft.com/office/drawing/2014/main" id="{99F628B9-0548-4AF3-9F98-ED87C7B57C90}"/>
-              </a:ext>
-            </a:extLst>
-          </p:cNvPr>
+          <p:cNvPr id="2" name="Title 1"/>
           <p:cNvSpPr>
             <a:spLocks noGrp="1"/>
           </p:cNvSpPr>
@@ -2483,15 +4526,17 @@
         </p:nvSpPr>
         <p:spPr>
           <a:xfrm>
-            <a:off x="839788" y="457200"/>
-            <a:ext cx="3932237" cy="1600200"/>
+            <a:off x="1141411" y="1600200"/>
+            <a:ext cx="5334001" cy="1371600"/>
           </a:xfrm>
         </p:spPr>
         <p:txBody>
-          <a:bodyPr anchor="b"/>
+          <a:bodyPr anchor="b">
+            <a:normAutofit/>
+          </a:bodyPr>
           <a:lstStyle>
-            <a:lvl1pPr>
-              <a:defRPr sz="3200"/>
+            <a:lvl1pPr algn="l">
+              <a:defRPr sz="2800" b="0"/>
             </a:lvl1pPr>
           </a:lstStyle>
           <a:p>
@@ -2499,20 +4544,15 @@
               <a:rPr lang="de-DE"/>
               <a:t>Mastertitelformat bearbeiten</a:t>
             </a:r>
-          </a:p>
-        </p:txBody>
-      </p:sp>
-      <p:sp>
-        <p:nvSpPr>
-          <p:cNvPr id="3" name="Bildplatzhalter 2">
-            <a:extLst>
-              <a:ext uri="{FF2B5EF4-FFF2-40B4-BE49-F238E27FC236}">
-                <a16:creationId xmlns:a16="http://schemas.microsoft.com/office/drawing/2014/main" id="{A48D6C28-69D0-467B-89A0-BB5A4C86F046}"/>
-              </a:ext>
-            </a:extLst>
-          </p:cNvPr>
-          <p:cNvSpPr>
-            <a:spLocks noGrp="1"/>
+            <a:endParaRPr lang="en-US" dirty="0"/>
+          </a:p>
+        </p:txBody>
+      </p:sp>
+      <p:sp>
+        <p:nvSpPr>
+          <p:cNvPr id="14" name="Picture Placeholder 2"/>
+          <p:cNvSpPr>
+            <a:spLocks noGrp="1" noChangeAspect="1"/>
           </p:cNvSpPr>
           <p:nvPr>
             <p:ph type="pic" idx="1"/>
@@ -2520,118 +4560,143 @@
         </p:nvSpPr>
         <p:spPr>
           <a:xfrm>
-            <a:off x="5183188" y="987425"/>
-            <a:ext cx="6172200" cy="4873625"/>
+            <a:off x="7433733" y="-18288"/>
+            <a:ext cx="3276599" cy="6903720"/>
           </a:xfrm>
+          <a:ln w="38100">
+            <a:gradFill flip="none" rotWithShape="1">
+              <a:gsLst>
+                <a:gs pos="0">
+                  <a:schemeClr val="bg2"/>
+                </a:gs>
+                <a:gs pos="100000">
+                  <a:schemeClr val="bg2">
+                    <a:lumMod val="75000"/>
+                  </a:schemeClr>
+                </a:gs>
+              </a:gsLst>
+              <a:lin ang="5400000" scaled="0"/>
+              <a:tileRect/>
+            </a:gradFill>
+          </a:ln>
+          <a:effectLst>
+            <a:innerShdw blurRad="57150" dist="38100" dir="10800000">
+              <a:srgbClr val="000000">
+                <a:alpha val="70000"/>
+              </a:srgbClr>
+            </a:innerShdw>
+          </a:effectLst>
         </p:spPr>
         <p:txBody>
-          <a:bodyPr/>
+          <a:bodyPr anchor="t">
+            <a:normAutofit/>
+          </a:bodyPr>
           <a:lstStyle>
-            <a:lvl1pPr marL="0" indent="0">
-              <a:buNone/>
-              <a:defRPr sz="3200"/>
-            </a:lvl1pPr>
-            <a:lvl2pPr marL="457200" indent="0">
-              <a:buNone/>
-              <a:defRPr sz="2800"/>
-            </a:lvl2pPr>
-            <a:lvl3pPr marL="914400" indent="0">
-              <a:buNone/>
-              <a:defRPr sz="2400"/>
-            </a:lvl3pPr>
-            <a:lvl4pPr marL="1371600" indent="0">
-              <a:buNone/>
-              <a:defRPr sz="2000"/>
-            </a:lvl4pPr>
-            <a:lvl5pPr marL="1828800" indent="0">
-              <a:buNone/>
-              <a:defRPr sz="2000"/>
-            </a:lvl5pPr>
-            <a:lvl6pPr marL="2286000" indent="0">
-              <a:buNone/>
-              <a:defRPr sz="2000"/>
-            </a:lvl6pPr>
-            <a:lvl7pPr marL="2743200" indent="0">
-              <a:buNone/>
-              <a:defRPr sz="2000"/>
-            </a:lvl7pPr>
-            <a:lvl8pPr marL="3200400" indent="0">
-              <a:buNone/>
-              <a:defRPr sz="2000"/>
-            </a:lvl8pPr>
-            <a:lvl9pPr marL="3657600" indent="0">
-              <a:buNone/>
-              <a:defRPr sz="2000"/>
-            </a:lvl9pPr>
-          </a:lstStyle>
-          <a:p>
-            <a:endParaRPr lang="de-DE"/>
-          </a:p>
-        </p:txBody>
-      </p:sp>
-      <p:sp>
-        <p:nvSpPr>
-          <p:cNvPr id="4" name="Textplatzhalter 3">
-            <a:extLst>
-              <a:ext uri="{FF2B5EF4-FFF2-40B4-BE49-F238E27FC236}">
-                <a16:creationId xmlns:a16="http://schemas.microsoft.com/office/drawing/2014/main" id="{5776E096-34CE-4141-A16B-7F0B84F4AFA5}"/>
-              </a:ext>
-            </a:extLst>
-          </p:cNvPr>
-          <p:cNvSpPr>
-            <a:spLocks noGrp="1"/>
-          </p:cNvSpPr>
-          <p:nvPr>
-            <p:ph type="body" sz="half" idx="2"/>
-          </p:nvPr>
-        </p:nvSpPr>
-        <p:spPr>
-          <a:xfrm>
-            <a:off x="839788" y="2057400"/>
-            <a:ext cx="3932237" cy="3811588"/>
-          </a:xfrm>
-        </p:spPr>
-        <p:txBody>
-          <a:bodyPr/>
-          <a:lstStyle>
-            <a:lvl1pPr marL="0" indent="0">
+            <a:lvl1pPr marL="0" indent="0" algn="ctr">
               <a:buNone/>
               <a:defRPr sz="1600"/>
             </a:lvl1pPr>
             <a:lvl2pPr marL="457200" indent="0">
               <a:buNone/>
-              <a:defRPr sz="1400"/>
+              <a:defRPr sz="1600"/>
             </a:lvl2pPr>
             <a:lvl3pPr marL="914400" indent="0">
               <a:buNone/>
-              <a:defRPr sz="1200"/>
+              <a:defRPr sz="1600"/>
             </a:lvl3pPr>
             <a:lvl4pPr marL="1371600" indent="0">
               <a:buNone/>
-              <a:defRPr sz="1000"/>
+              <a:defRPr sz="1600"/>
             </a:lvl4pPr>
             <a:lvl5pPr marL="1828800" indent="0">
               <a:buNone/>
-              <a:defRPr sz="1000"/>
+              <a:defRPr sz="1600"/>
             </a:lvl5pPr>
             <a:lvl6pPr marL="2286000" indent="0">
               <a:buNone/>
-              <a:defRPr sz="1000"/>
+              <a:defRPr sz="1600"/>
             </a:lvl6pPr>
             <a:lvl7pPr marL="2743200" indent="0">
               <a:buNone/>
-              <a:defRPr sz="1000"/>
+              <a:defRPr sz="1600"/>
             </a:lvl7pPr>
             <a:lvl8pPr marL="3200400" indent="0">
               <a:buNone/>
-              <a:defRPr sz="1000"/>
+              <a:defRPr sz="1600"/>
             </a:lvl8pPr>
             <a:lvl9pPr marL="3657600" indent="0">
               <a:buNone/>
-              <a:defRPr sz="1000"/>
+              <a:defRPr sz="1600"/>
             </a:lvl9pPr>
           </a:lstStyle>
           <a:p>
+            <a:r>
+              <a:rPr lang="de-DE"/>
+              <a:t>Bild durch Klicken auf Symbol hinzufügen</a:t>
+            </a:r>
+            <a:endParaRPr lang="en-US" dirty="0"/>
+          </a:p>
+        </p:txBody>
+      </p:sp>
+      <p:sp>
+        <p:nvSpPr>
+          <p:cNvPr id="4" name="Text Placeholder 3"/>
+          <p:cNvSpPr>
+            <a:spLocks noGrp="1"/>
+          </p:cNvSpPr>
+          <p:nvPr>
+            <p:ph type="body" sz="half" idx="2"/>
+          </p:nvPr>
+        </p:nvSpPr>
+        <p:spPr>
+          <a:xfrm>
+            <a:off x="1141411" y="2971800"/>
+            <a:ext cx="5334001" cy="1828800"/>
+          </a:xfrm>
+        </p:spPr>
+        <p:txBody>
+          <a:bodyPr>
+            <a:normAutofit/>
+          </a:bodyPr>
+          <a:lstStyle>
+            <a:lvl1pPr marL="0" indent="0">
+              <a:buNone/>
+              <a:defRPr sz="1800"/>
+            </a:lvl1pPr>
+            <a:lvl2pPr marL="457200" indent="0">
+              <a:buNone/>
+              <a:defRPr sz="1200"/>
+            </a:lvl2pPr>
+            <a:lvl3pPr marL="914400" indent="0">
+              <a:buNone/>
+              <a:defRPr sz="1000"/>
+            </a:lvl3pPr>
+            <a:lvl4pPr marL="1371600" indent="0">
+              <a:buNone/>
+              <a:defRPr sz="900"/>
+            </a:lvl4pPr>
+            <a:lvl5pPr marL="1828800" indent="0">
+              <a:buNone/>
+              <a:defRPr sz="900"/>
+            </a:lvl5pPr>
+            <a:lvl6pPr marL="2286000" indent="0">
+              <a:buNone/>
+              <a:defRPr sz="900"/>
+            </a:lvl6pPr>
+            <a:lvl7pPr marL="2743200" indent="0">
+              <a:buNone/>
+              <a:defRPr sz="900"/>
+            </a:lvl7pPr>
+            <a:lvl8pPr marL="3200400" indent="0">
+              <a:buNone/>
+              <a:defRPr sz="900"/>
+            </a:lvl8pPr>
+            <a:lvl9pPr marL="3657600" indent="0">
+              <a:buNone/>
+              <a:defRPr sz="900"/>
+            </a:lvl9pPr>
+          </a:lstStyle>
+          <a:p>
             <a:pPr lvl="0"/>
             <a:r>
               <a:rPr lang="de-DE"/>
@@ -2642,13 +4707,7 @@
       </p:sp>
       <p:sp>
         <p:nvSpPr>
-          <p:cNvPr id="5" name="Datumsplatzhalter 4">
-            <a:extLst>
-              <a:ext uri="{FF2B5EF4-FFF2-40B4-BE49-F238E27FC236}">
-                <a16:creationId xmlns:a16="http://schemas.microsoft.com/office/drawing/2014/main" id="{4825C43D-7309-4661-88E9-2D6FAE3C8B73}"/>
-              </a:ext>
-            </a:extLst>
-          </p:cNvPr>
+          <p:cNvPr id="5" name="Date Placeholder 4"/>
           <p:cNvSpPr>
             <a:spLocks noGrp="1"/>
           </p:cNvSpPr>
@@ -2656,7 +4715,12 @@
             <p:ph type="dt" sz="half" idx="10"/>
           </p:nvPr>
         </p:nvSpPr>
-        <p:spPr/>
+        <p:spPr>
+          <a:xfrm>
+            <a:off x="6399212" y="5883275"/>
+            <a:ext cx="914400" cy="365125"/>
+          </a:xfrm>
+        </p:spPr>
         <p:txBody>
           <a:bodyPr/>
           <a:lstStyle/>
@@ -2671,13 +4735,7 @@
       </p:sp>
       <p:sp>
         <p:nvSpPr>
-          <p:cNvPr id="6" name="Fußzeilenplatzhalter 5">
-            <a:extLst>
-              <a:ext uri="{FF2B5EF4-FFF2-40B4-BE49-F238E27FC236}">
-                <a16:creationId xmlns:a16="http://schemas.microsoft.com/office/drawing/2014/main" id="{B641DC0F-F88D-46D2-957C-684AB8FEF958}"/>
-              </a:ext>
-            </a:extLst>
-          </p:cNvPr>
+          <p:cNvPr id="6" name="Footer Placeholder 5"/>
           <p:cNvSpPr>
             <a:spLocks noGrp="1"/>
           </p:cNvSpPr>
@@ -2685,7 +4743,12 @@
             <p:ph type="ftr" sz="quarter" idx="11"/>
           </p:nvPr>
         </p:nvSpPr>
-        <p:spPr/>
+        <p:spPr>
+          <a:xfrm>
+            <a:off x="1141412" y="5883275"/>
+            <a:ext cx="5105400" cy="365125"/>
+          </a:xfrm>
+        </p:spPr>
         <p:txBody>
           <a:bodyPr/>
           <a:lstStyle/>
@@ -2696,13 +4759,7 @@
       </p:sp>
       <p:sp>
         <p:nvSpPr>
-          <p:cNvPr id="7" name="Foliennummernplatzhalter 6">
-            <a:extLst>
-              <a:ext uri="{FF2B5EF4-FFF2-40B4-BE49-F238E27FC236}">
-                <a16:creationId xmlns:a16="http://schemas.microsoft.com/office/drawing/2014/main" id="{85D469D4-880E-4081-AD7C-B37BFBCC233F}"/>
-              </a:ext>
-            </a:extLst>
-          </p:cNvPr>
+          <p:cNvPr id="7" name="Slide Number Placeholder 6"/>
           <p:cNvSpPr>
             <a:spLocks noGrp="1"/>
           </p:cNvSpPr>
@@ -2710,7 +4767,12 @@
             <p:ph type="sldNum" sz="quarter" idx="12"/>
           </p:nvPr>
         </p:nvSpPr>
-        <p:spPr/>
+        <p:spPr>
+          <a:xfrm>
+            <a:off x="10742612" y="5883275"/>
+            <a:ext cx="322567" cy="365125"/>
+          </a:xfrm>
+        </p:spPr>
         <p:txBody>
           <a:bodyPr/>
           <a:lstStyle/>
@@ -2726,7 +4788,7 @@
     </p:spTree>
     <p:extLst>
       <p:ext uri="{BB962C8B-B14F-4D97-AF65-F5344CB8AC3E}">
-        <p14:creationId xmlns:p14="http://schemas.microsoft.com/office/powerpoint/2010/main" val="4250772325"/>
+        <p14:creationId xmlns:p14="http://schemas.microsoft.com/office/powerpoint/2010/main" val="2679566574"/>
       </p:ext>
     </p:extLst>
   </p:cSld>
@@ -2740,8 +4802,8 @@
 <p:sldMaster xmlns:a="http://schemas.openxmlformats.org/drawingml/2006/main" xmlns:r="http://schemas.openxmlformats.org/officeDocument/2006/relationships" xmlns:p="http://schemas.openxmlformats.org/presentationml/2006/main">
   <p:cSld>
     <p:bg>
-      <p:bgRef idx="1001">
-        <a:schemeClr val="bg1"/>
+      <p:bgRef idx="1003">
+        <a:schemeClr val="bg2"/>
       </p:bgRef>
     </p:bg>
     <p:spTree>
@@ -2760,13 +4822,7 @@
       </p:grpSpPr>
       <p:sp>
         <p:nvSpPr>
-          <p:cNvPr id="2" name="Titelplatzhalter 1">
-            <a:extLst>
-              <a:ext uri="{FF2B5EF4-FFF2-40B4-BE49-F238E27FC236}">
-                <a16:creationId xmlns:a16="http://schemas.microsoft.com/office/drawing/2014/main" id="{932C0B5C-0C13-4A8D-A775-E0699B032B7D}"/>
-              </a:ext>
-            </a:extLst>
-          </p:cNvPr>
+          <p:cNvPr id="2" name="Title Placeholder 1"/>
           <p:cNvSpPr>
             <a:spLocks noGrp="1"/>
           </p:cNvSpPr>
@@ -2776,8 +4832,8 @@
         </p:nvSpPr>
         <p:spPr>
           <a:xfrm>
-            <a:off x="838200" y="365125"/>
-            <a:ext cx="10515600" cy="1325563"/>
+            <a:off x="1141413" y="609600"/>
+            <a:ext cx="9905998" cy="1905000"/>
           </a:xfrm>
           <a:prstGeom prst="rect">
             <a:avLst/>
@@ -2793,18 +4849,13 @@
               <a:rPr lang="de-DE"/>
               <a:t>Mastertitelformat bearbeiten</a:t>
             </a:r>
-          </a:p>
-        </p:txBody>
-      </p:sp>
-      <p:sp>
-        <p:nvSpPr>
-          <p:cNvPr id="3" name="Textplatzhalter 2">
-            <a:extLst>
-              <a:ext uri="{FF2B5EF4-FFF2-40B4-BE49-F238E27FC236}">
-                <a16:creationId xmlns:a16="http://schemas.microsoft.com/office/drawing/2014/main" id="{34FD9DA6-6784-4E9B-8EF8-1FF650769D26}"/>
-              </a:ext>
-            </a:extLst>
-          </p:cNvPr>
+            <a:endParaRPr lang="en-US" dirty="0"/>
+          </a:p>
+        </p:txBody>
+      </p:sp>
+      <p:sp>
+        <p:nvSpPr>
+          <p:cNvPr id="3" name="Text Placeholder 2"/>
           <p:cNvSpPr>
             <a:spLocks noGrp="1"/>
           </p:cNvSpPr>
@@ -2814,15 +4865,15 @@
         </p:nvSpPr>
         <p:spPr>
           <a:xfrm>
-            <a:off x="838200" y="1825625"/>
-            <a:ext cx="10515600" cy="4351338"/>
+            <a:off x="1141413" y="2666999"/>
+            <a:ext cx="9905998" cy="3124201"/>
           </a:xfrm>
           <a:prstGeom prst="rect">
             <a:avLst/>
           </a:prstGeom>
         </p:spPr>
         <p:txBody>
-          <a:bodyPr vert="horz" lIns="91440" tIns="45720" rIns="91440" bIns="45720" rtlCol="0">
+          <a:bodyPr vert="horz" lIns="91440" tIns="45720" rIns="91440" bIns="45720" rtlCol="0" anchor="ctr">
             <a:normAutofit/>
           </a:bodyPr>
           <a:lstStyle/>
@@ -2860,18 +4911,13 @@
               <a:rPr lang="de-DE"/>
               <a:t>Fünfte Ebene</a:t>
             </a:r>
-          </a:p>
-        </p:txBody>
-      </p:sp>
-      <p:sp>
-        <p:nvSpPr>
-          <p:cNvPr id="4" name="Datumsplatzhalter 3">
-            <a:extLst>
-              <a:ext uri="{FF2B5EF4-FFF2-40B4-BE49-F238E27FC236}">
-                <a16:creationId xmlns:a16="http://schemas.microsoft.com/office/drawing/2014/main" id="{08744ECD-896F-4E28-997D-AA361F7AB2A9}"/>
-              </a:ext>
-            </a:extLst>
-          </p:cNvPr>
+            <a:endParaRPr lang="en-US" dirty="0"/>
+          </a:p>
+        </p:txBody>
+      </p:sp>
+      <p:sp>
+        <p:nvSpPr>
+          <p:cNvPr id="4" name="Date Placeholder 3"/>
           <p:cNvSpPr>
             <a:spLocks noGrp="1"/>
           </p:cNvSpPr>
@@ -2881,8 +4927,8 @@
         </p:nvSpPr>
         <p:spPr>
           <a:xfrm>
-            <a:off x="838200" y="6356350"/>
-            <a:ext cx="2743200" cy="365125"/>
+            <a:off x="8837612" y="5883275"/>
+            <a:ext cx="1600200" cy="365125"/>
           </a:xfrm>
           <a:prstGeom prst="rect">
             <a:avLst/>
@@ -2891,13 +4937,21 @@
         <p:txBody>
           <a:bodyPr vert="horz" lIns="91440" tIns="45720" rIns="91440" bIns="45720" rtlCol="0" anchor="ctr"/>
           <a:lstStyle>
-            <a:lvl1pPr algn="l">
-              <a:defRPr sz="1200">
+            <a:lvl1pPr algn="r">
+              <a:defRPr sz="900" b="1" i="0">
                 <a:solidFill>
                   <a:schemeClr val="tx1">
-                    <a:tint val="75000"/>
+                    <a:lumMod val="75000"/>
                   </a:schemeClr>
                 </a:solidFill>
+                <a:effectLst>
+                  <a:outerShdw blurRad="50800" dist="38100" dir="2700000" algn="tl" rotWithShape="0">
+                    <a:srgbClr val="000000">
+                      <a:alpha val="43000"/>
+                    </a:srgbClr>
+                  </a:outerShdw>
+                </a:effectLst>
+                <a:latin typeface="+mn-lt"/>
               </a:defRPr>
             </a:lvl1pPr>
           </a:lstStyle>
@@ -2912,13 +4966,7 @@
       </p:sp>
       <p:sp>
         <p:nvSpPr>
-          <p:cNvPr id="5" name="Fußzeilenplatzhalter 4">
-            <a:extLst>
-              <a:ext uri="{FF2B5EF4-FFF2-40B4-BE49-F238E27FC236}">
-                <a16:creationId xmlns:a16="http://schemas.microsoft.com/office/drawing/2014/main" id="{55FF1681-7395-49CA-B716-AD738C639F4C}"/>
-              </a:ext>
-            </a:extLst>
-          </p:cNvPr>
+          <p:cNvPr id="5" name="Footer Placeholder 4"/>
           <p:cNvSpPr>
             <a:spLocks noGrp="1"/>
           </p:cNvSpPr>
@@ -2928,8 +4976,8 @@
         </p:nvSpPr>
         <p:spPr>
           <a:xfrm>
-            <a:off x="4038600" y="6356350"/>
-            <a:ext cx="4114800" cy="365125"/>
+            <a:off x="1141412" y="5883275"/>
+            <a:ext cx="7543800" cy="365125"/>
           </a:xfrm>
           <a:prstGeom prst="rect">
             <a:avLst/>
@@ -2938,13 +4986,21 @@
         <p:txBody>
           <a:bodyPr vert="horz" lIns="91440" tIns="45720" rIns="91440" bIns="45720" rtlCol="0" anchor="ctr"/>
           <a:lstStyle>
-            <a:lvl1pPr algn="ctr">
-              <a:defRPr sz="1200">
+            <a:lvl1pPr algn="l">
+              <a:defRPr sz="900" b="1" i="0">
                 <a:solidFill>
                   <a:schemeClr val="tx1">
-                    <a:tint val="75000"/>
+                    <a:lumMod val="75000"/>
                   </a:schemeClr>
                 </a:solidFill>
+                <a:effectLst>
+                  <a:outerShdw blurRad="50800" dist="38100" dir="2700000" algn="tl" rotWithShape="0">
+                    <a:srgbClr val="000000">
+                      <a:alpha val="43000"/>
+                    </a:srgbClr>
+                  </a:outerShdw>
+                </a:effectLst>
+                <a:latin typeface="+mn-lt"/>
               </a:defRPr>
             </a:lvl1pPr>
           </a:lstStyle>
@@ -2955,13 +5011,7 @@
       </p:sp>
       <p:sp>
         <p:nvSpPr>
-          <p:cNvPr id="6" name="Foliennummernplatzhalter 5">
-            <a:extLst>
-              <a:ext uri="{FF2B5EF4-FFF2-40B4-BE49-F238E27FC236}">
-                <a16:creationId xmlns:a16="http://schemas.microsoft.com/office/drawing/2014/main" id="{867FAB2F-BBF4-4076-8CD0-EF803CD91511}"/>
-              </a:ext>
-            </a:extLst>
-          </p:cNvPr>
+          <p:cNvPr id="6" name="Slide Number Placeholder 5"/>
           <p:cNvSpPr>
             <a:spLocks noGrp="1"/>
           </p:cNvSpPr>
@@ -2971,8 +5021,8 @@
         </p:nvSpPr>
         <p:spPr>
           <a:xfrm>
-            <a:off x="8610600" y="6356350"/>
-            <a:ext cx="2743200" cy="365125"/>
+            <a:off x="10514012" y="5883275"/>
+            <a:ext cx="551167" cy="365125"/>
           </a:xfrm>
           <a:prstGeom prst="rect">
             <a:avLst/>
@@ -2982,12 +5032,20 @@
           <a:bodyPr vert="horz" lIns="91440" tIns="45720" rIns="91440" bIns="45720" rtlCol="0" anchor="ctr"/>
           <a:lstStyle>
             <a:lvl1pPr algn="r">
-              <a:defRPr sz="1200">
+              <a:defRPr sz="900" b="1" i="0">
                 <a:solidFill>
                   <a:schemeClr val="tx1">
-                    <a:tint val="75000"/>
+                    <a:lumMod val="75000"/>
                   </a:schemeClr>
                 </a:solidFill>
+                <a:effectLst>
+                  <a:outerShdw blurRad="50800" dist="38100" dir="2700000" algn="tl" rotWithShape="0">
+                    <a:srgbClr val="000000">
+                      <a:alpha val="43000"/>
+                    </a:srgbClr>
+                  </a:outerShdw>
+                </a:effectLst>
+                <a:latin typeface="+mn-lt"/>
               </a:defRPr>
             </a:lvl1pPr>
           </a:lstStyle>
@@ -3003,55 +5061,562 @@
     </p:spTree>
     <p:extLst>
       <p:ext uri="{BB962C8B-B14F-4D97-AF65-F5344CB8AC3E}">
-        <p14:creationId xmlns:p14="http://schemas.microsoft.com/office/powerpoint/2010/main" val="3678393186"/>
+        <p14:creationId xmlns:p14="http://schemas.microsoft.com/office/powerpoint/2010/main" val="4229499585"/>
       </p:ext>
     </p:extLst>
   </p:cSld>
-  <p:clrMap bg1="lt1" tx1="dk1" bg2="lt2" tx2="dk2" accent1="accent1" accent2="accent2" accent3="accent3" accent4="accent4" accent5="accent5" accent6="accent6" hlink="hlink" folHlink="folHlink"/>
+  <p:clrMap bg1="dk1" tx1="lt1" bg2="dk2" tx2="lt2" accent1="accent1" accent2="accent2" accent3="accent3" accent4="accent4" accent5="accent5" accent6="accent6" hlink="hlink" folHlink="folHlink"/>
   <p:sldLayoutIdLst>
-    <p:sldLayoutId id="2147483649" r:id="rId1"/>
-    <p:sldLayoutId id="2147483650" r:id="rId2"/>
-    <p:sldLayoutId id="2147483651" r:id="rId3"/>
-    <p:sldLayoutId id="2147483652" r:id="rId4"/>
-    <p:sldLayoutId id="2147483653" r:id="rId5"/>
-    <p:sldLayoutId id="2147483654" r:id="rId6"/>
-    <p:sldLayoutId id="2147483655" r:id="rId7"/>
-    <p:sldLayoutId id="2147483656" r:id="rId8"/>
-    <p:sldLayoutId id="2147483657" r:id="rId9"/>
-    <p:sldLayoutId id="2147483658" r:id="rId10"/>
-    <p:sldLayoutId id="2147483659" r:id="rId11"/>
+    <p:sldLayoutId id="2147483661" r:id="rId1"/>
+    <p:sldLayoutId id="2147483662" r:id="rId2"/>
+    <p:sldLayoutId id="2147483663" r:id="rId3"/>
+    <p:sldLayoutId id="2147483664" r:id="rId4"/>
+    <p:sldLayoutId id="2147483665" r:id="rId5"/>
+    <p:sldLayoutId id="2147483666" r:id="rId6"/>
+    <p:sldLayoutId id="2147483667" r:id="rId7"/>
+    <p:sldLayoutId id="2147483668" r:id="rId8"/>
+    <p:sldLayoutId id="2147483669" r:id="rId9"/>
+    <p:sldLayoutId id="2147483670" r:id="rId10"/>
+    <p:sldLayoutId id="2147483671" r:id="rId11"/>
+    <p:sldLayoutId id="2147483672" r:id="rId12"/>
+    <p:sldLayoutId id="2147483673" r:id="rId13"/>
+    <p:sldLayoutId id="2147483674" r:id="rId14"/>
+    <p:sldLayoutId id="2147483675" r:id="rId15"/>
+    <p:sldLayoutId id="2147483676" r:id="rId16"/>
+    <p:sldLayoutId id="2147483677" r:id="rId17"/>
   </p:sldLayoutIdLst>
   <p:txStyles>
     <p:titleStyle>
-      <a:lvl1pPr algn="l" defTabSz="914400" rtl="0" eaLnBrk="1" latinLnBrk="0" hangingPunct="1">
-        <a:lnSpc>
-          <a:spcPct val="90000"/>
-        </a:lnSpc>
+      <a:lvl1pPr algn="l" defTabSz="457200" rtl="0" eaLnBrk="1" latinLnBrk="0" hangingPunct="1">
         <a:spcBef>
           <a:spcPct val="0"/>
         </a:spcBef>
         <a:buNone/>
-        <a:defRPr sz="4400" kern="1200">
-          <a:solidFill>
-            <a:schemeClr val="tx1"/>
-          </a:solidFill>
+        <a:defRPr sz="3200" kern="1200" cap="all">
+          <a:ln w="3175" cmpd="sng">
+            <a:noFill/>
+          </a:ln>
+          <a:gradFill flip="none" rotWithShape="1">
+            <a:gsLst>
+              <a:gs pos="0">
+                <a:schemeClr val="tx1"/>
+              </a:gs>
+              <a:gs pos="100000">
+                <a:schemeClr val="tx1">
+                  <a:lumMod val="65000"/>
+                </a:schemeClr>
+              </a:gs>
+            </a:gsLst>
+            <a:lin ang="5580000" scaled="0"/>
+            <a:tileRect/>
+          </a:gradFill>
+          <a:effectLst>
+            <a:glow rad="38100">
+              <a:schemeClr val="bg1">
+                <a:lumMod val="65000"/>
+                <a:lumOff val="35000"/>
+                <a:alpha val="40000"/>
+              </a:schemeClr>
+            </a:glow>
+            <a:outerShdw blurRad="28575" dist="38100" dir="14040000" algn="tl" rotWithShape="0">
+              <a:srgbClr val="000000">
+                <a:alpha val="25000"/>
+              </a:srgbClr>
+            </a:outerShdw>
+          </a:effectLst>
           <a:latin typeface="+mj-lt"/>
           <a:ea typeface="+mj-ea"/>
           <a:cs typeface="+mj-cs"/>
         </a:defRPr>
       </a:lvl1pPr>
+      <a:lvl2pPr eaLnBrk="1" hangingPunct="1">
+        <a:defRPr>
+          <a:solidFill>
+            <a:schemeClr val="tx2"/>
+          </a:solidFill>
+        </a:defRPr>
+      </a:lvl2pPr>
+      <a:lvl3pPr eaLnBrk="1" hangingPunct="1">
+        <a:defRPr>
+          <a:solidFill>
+            <a:schemeClr val="tx2"/>
+          </a:solidFill>
+        </a:defRPr>
+      </a:lvl3pPr>
+      <a:lvl4pPr eaLnBrk="1" hangingPunct="1">
+        <a:defRPr>
+          <a:solidFill>
+            <a:schemeClr val="tx2"/>
+          </a:solidFill>
+        </a:defRPr>
+      </a:lvl4pPr>
+      <a:lvl5pPr eaLnBrk="1" hangingPunct="1">
+        <a:defRPr>
+          <a:solidFill>
+            <a:schemeClr val="tx2"/>
+          </a:solidFill>
+        </a:defRPr>
+      </a:lvl5pPr>
+      <a:lvl6pPr eaLnBrk="1" hangingPunct="1">
+        <a:defRPr>
+          <a:solidFill>
+            <a:schemeClr val="tx2"/>
+          </a:solidFill>
+        </a:defRPr>
+      </a:lvl6pPr>
+      <a:lvl7pPr eaLnBrk="1" hangingPunct="1">
+        <a:defRPr>
+          <a:solidFill>
+            <a:schemeClr val="tx2"/>
+          </a:solidFill>
+        </a:defRPr>
+      </a:lvl7pPr>
+      <a:lvl8pPr eaLnBrk="1" hangingPunct="1">
+        <a:defRPr>
+          <a:solidFill>
+            <a:schemeClr val="tx2"/>
+          </a:solidFill>
+        </a:defRPr>
+      </a:lvl8pPr>
+      <a:lvl9pPr eaLnBrk="1" hangingPunct="1">
+        <a:defRPr>
+          <a:solidFill>
+            <a:schemeClr val="tx2"/>
+          </a:solidFill>
+        </a:defRPr>
+      </a:lvl9pPr>
     </p:titleStyle>
     <p:bodyStyle>
-      <a:lvl1pPr marL="228600" indent="-228600" algn="l" defTabSz="914400" rtl="0" eaLnBrk="1" latinLnBrk="0" hangingPunct="1">
-        <a:lnSpc>
-          <a:spcPct val="90000"/>
-        </a:lnSpc>
+      <a:lvl1pPr marL="285750" indent="-285750" algn="l" defTabSz="457200" rtl="0" eaLnBrk="1" latinLnBrk="0" hangingPunct="1">
         <a:spcBef>
-          <a:spcPts val="1000"/>
+          <a:spcPct val="20000"/>
         </a:spcBef>
-        <a:buFont typeface="Arial" panose="020B0604020202020204" pitchFamily="34" charset="0"/>
+        <a:spcAft>
+          <a:spcPts val="600"/>
+        </a:spcAft>
+        <a:buClr>
+          <a:schemeClr val="tx1"/>
+        </a:buClr>
+        <a:buSzPct val="100000"/>
+        <a:buFont typeface="Arial"/>
         <a:buChar char="•"/>
-        <a:defRPr sz="2800" kern="1200">
+        <a:defRPr sz="2000" kern="1200" cap="small">
+          <a:gradFill flip="none" rotWithShape="1">
+            <a:gsLst>
+              <a:gs pos="0">
+                <a:schemeClr val="tx1"/>
+              </a:gs>
+              <a:gs pos="100000">
+                <a:schemeClr val="tx1">
+                  <a:lumMod val="75000"/>
+                </a:schemeClr>
+              </a:gs>
+            </a:gsLst>
+            <a:lin ang="5580000" scaled="0"/>
+            <a:tileRect/>
+          </a:gradFill>
+          <a:effectLst>
+            <a:glow rad="38100">
+              <a:schemeClr val="bg1">
+                <a:lumMod val="50000"/>
+                <a:lumOff val="50000"/>
+                <a:alpha val="20000"/>
+              </a:schemeClr>
+            </a:glow>
+            <a:outerShdw blurRad="44450" dist="12700" dir="13860000" algn="tl" rotWithShape="0">
+              <a:srgbClr val="000000">
+                <a:alpha val="20000"/>
+              </a:srgbClr>
+            </a:outerShdw>
+          </a:effectLst>
+          <a:latin typeface="+mn-lt"/>
+          <a:ea typeface="+mn-ea"/>
+          <a:cs typeface="+mn-cs"/>
+        </a:defRPr>
+      </a:lvl1pPr>
+      <a:lvl2pPr marL="742950" indent="-285750" algn="l" defTabSz="457200" rtl="0" eaLnBrk="1" latinLnBrk="0" hangingPunct="1">
+        <a:spcBef>
+          <a:spcPct val="20000"/>
+        </a:spcBef>
+        <a:spcAft>
+          <a:spcPts val="600"/>
+        </a:spcAft>
+        <a:buClr>
+          <a:schemeClr val="tx1"/>
+        </a:buClr>
+        <a:buSzPct val="100000"/>
+        <a:buFont typeface="Arial"/>
+        <a:buChar char="•"/>
+        <a:defRPr sz="1800" kern="1200" cap="small">
+          <a:gradFill flip="none" rotWithShape="1">
+            <a:gsLst>
+              <a:gs pos="0">
+                <a:schemeClr val="tx1"/>
+              </a:gs>
+              <a:gs pos="100000">
+                <a:schemeClr val="tx1">
+                  <a:lumMod val="75000"/>
+                </a:schemeClr>
+              </a:gs>
+            </a:gsLst>
+            <a:lin ang="5580000" scaled="0"/>
+            <a:tileRect/>
+          </a:gradFill>
+          <a:effectLst>
+            <a:glow rad="38100">
+              <a:schemeClr val="bg1">
+                <a:lumMod val="50000"/>
+                <a:lumOff val="50000"/>
+                <a:alpha val="20000"/>
+              </a:schemeClr>
+            </a:glow>
+            <a:outerShdw blurRad="44450" dist="12700" dir="13860000" algn="tl" rotWithShape="0">
+              <a:srgbClr val="000000">
+                <a:alpha val="20000"/>
+              </a:srgbClr>
+            </a:outerShdw>
+          </a:effectLst>
+          <a:latin typeface="+mn-lt"/>
+          <a:ea typeface="+mn-ea"/>
+          <a:cs typeface="+mn-cs"/>
+        </a:defRPr>
+      </a:lvl2pPr>
+      <a:lvl3pPr marL="1200150" indent="-285750" algn="l" defTabSz="457200" rtl="0" eaLnBrk="1" latinLnBrk="0" hangingPunct="1">
+        <a:spcBef>
+          <a:spcPct val="20000"/>
+        </a:spcBef>
+        <a:spcAft>
+          <a:spcPts val="600"/>
+        </a:spcAft>
+        <a:buClr>
+          <a:schemeClr val="tx1"/>
+        </a:buClr>
+        <a:buSzPct val="100000"/>
+        <a:buFont typeface="Arial"/>
+        <a:buChar char="•"/>
+        <a:defRPr sz="1600" kern="1200" cap="small">
+          <a:gradFill flip="none" rotWithShape="1">
+            <a:gsLst>
+              <a:gs pos="0">
+                <a:schemeClr val="tx1"/>
+              </a:gs>
+              <a:gs pos="100000">
+                <a:schemeClr val="tx1">
+                  <a:lumMod val="75000"/>
+                </a:schemeClr>
+              </a:gs>
+            </a:gsLst>
+            <a:lin ang="5580000" scaled="0"/>
+            <a:tileRect/>
+          </a:gradFill>
+          <a:effectLst>
+            <a:glow rad="38100">
+              <a:schemeClr val="bg1">
+                <a:lumMod val="50000"/>
+                <a:lumOff val="50000"/>
+                <a:alpha val="20000"/>
+              </a:schemeClr>
+            </a:glow>
+            <a:outerShdw blurRad="44450" dist="12700" dir="13860000" algn="tl" rotWithShape="0">
+              <a:srgbClr val="000000">
+                <a:alpha val="20000"/>
+              </a:srgbClr>
+            </a:outerShdw>
+          </a:effectLst>
+          <a:latin typeface="+mn-lt"/>
+          <a:ea typeface="+mn-ea"/>
+          <a:cs typeface="+mn-cs"/>
+        </a:defRPr>
+      </a:lvl3pPr>
+      <a:lvl4pPr marL="1543050" indent="-171450" algn="l" defTabSz="457200" rtl="0" eaLnBrk="1" latinLnBrk="0" hangingPunct="1">
+        <a:spcBef>
+          <a:spcPct val="20000"/>
+        </a:spcBef>
+        <a:spcAft>
+          <a:spcPts val="600"/>
+        </a:spcAft>
+        <a:buClr>
+          <a:schemeClr val="tx1"/>
+        </a:buClr>
+        <a:buSzPct val="100000"/>
+        <a:buFont typeface="Arial"/>
+        <a:buChar char="•"/>
+        <a:defRPr sz="1400" kern="1200" cap="small">
+          <a:gradFill flip="none" rotWithShape="1">
+            <a:gsLst>
+              <a:gs pos="0">
+                <a:schemeClr val="tx1"/>
+              </a:gs>
+              <a:gs pos="100000">
+                <a:schemeClr val="tx1">
+                  <a:lumMod val="75000"/>
+                </a:schemeClr>
+              </a:gs>
+            </a:gsLst>
+            <a:lin ang="5580000" scaled="0"/>
+            <a:tileRect/>
+          </a:gradFill>
+          <a:effectLst>
+            <a:glow rad="38100">
+              <a:schemeClr val="bg1">
+                <a:lumMod val="50000"/>
+                <a:lumOff val="50000"/>
+                <a:alpha val="20000"/>
+              </a:schemeClr>
+            </a:glow>
+            <a:outerShdw blurRad="44450" dist="12700" dir="13860000" algn="tl" rotWithShape="0">
+              <a:srgbClr val="000000">
+                <a:alpha val="20000"/>
+              </a:srgbClr>
+            </a:outerShdw>
+          </a:effectLst>
+          <a:latin typeface="+mn-lt"/>
+          <a:ea typeface="+mn-ea"/>
+          <a:cs typeface="+mn-cs"/>
+        </a:defRPr>
+      </a:lvl4pPr>
+      <a:lvl5pPr marL="2000250" indent="-171450" algn="l" defTabSz="457200" rtl="0" eaLnBrk="1" latinLnBrk="0" hangingPunct="1">
+        <a:spcBef>
+          <a:spcPct val="20000"/>
+        </a:spcBef>
+        <a:spcAft>
+          <a:spcPts val="600"/>
+        </a:spcAft>
+        <a:buClr>
+          <a:schemeClr val="tx1"/>
+        </a:buClr>
+        <a:buSzPct val="100000"/>
+        <a:buFont typeface="Arial"/>
+        <a:buChar char="•"/>
+        <a:defRPr sz="1400" kern="1200" cap="small">
+          <a:gradFill flip="none" rotWithShape="1">
+            <a:gsLst>
+              <a:gs pos="0">
+                <a:schemeClr val="tx1"/>
+              </a:gs>
+              <a:gs pos="100000">
+                <a:schemeClr val="tx1">
+                  <a:lumMod val="75000"/>
+                </a:schemeClr>
+              </a:gs>
+            </a:gsLst>
+            <a:lin ang="5580000" scaled="0"/>
+            <a:tileRect/>
+          </a:gradFill>
+          <a:effectLst>
+            <a:glow rad="38100">
+              <a:schemeClr val="bg1">
+                <a:lumMod val="50000"/>
+                <a:lumOff val="50000"/>
+                <a:alpha val="20000"/>
+              </a:schemeClr>
+            </a:glow>
+            <a:outerShdw blurRad="44450" dist="12700" dir="13860000" algn="tl" rotWithShape="0">
+              <a:srgbClr val="000000">
+                <a:alpha val="20000"/>
+              </a:srgbClr>
+            </a:outerShdw>
+          </a:effectLst>
+          <a:latin typeface="+mn-lt"/>
+          <a:ea typeface="+mn-ea"/>
+          <a:cs typeface="+mn-cs"/>
+        </a:defRPr>
+      </a:lvl5pPr>
+      <a:lvl6pPr marL="2514600" indent="-228600" algn="l" defTabSz="457200" rtl="0" eaLnBrk="1" latinLnBrk="0" hangingPunct="1">
+        <a:spcBef>
+          <a:spcPct val="20000"/>
+        </a:spcBef>
+        <a:spcAft>
+          <a:spcPts val="600"/>
+        </a:spcAft>
+        <a:buClr>
+          <a:schemeClr val="tx1"/>
+        </a:buClr>
+        <a:buSzPct val="100000"/>
+        <a:buFont typeface="Arial"/>
+        <a:buChar char="•"/>
+        <a:defRPr sz="1200" kern="1200" cap="small">
+          <a:gradFill flip="none" rotWithShape="1">
+            <a:gsLst>
+              <a:gs pos="0">
+                <a:schemeClr val="tx1"/>
+              </a:gs>
+              <a:gs pos="100000">
+                <a:schemeClr val="tx1">
+                  <a:lumMod val="75000"/>
+                </a:schemeClr>
+              </a:gs>
+            </a:gsLst>
+            <a:lin ang="5580000" scaled="0"/>
+            <a:tileRect/>
+          </a:gradFill>
+          <a:effectLst>
+            <a:glow rad="38100">
+              <a:schemeClr val="bg1">
+                <a:lumMod val="50000"/>
+                <a:lumOff val="50000"/>
+                <a:alpha val="20000"/>
+              </a:schemeClr>
+            </a:glow>
+            <a:outerShdw blurRad="44450" dist="12700" dir="13860000" algn="tl" rotWithShape="0">
+              <a:srgbClr val="000000">
+                <a:alpha val="20000"/>
+              </a:srgbClr>
+            </a:outerShdw>
+          </a:effectLst>
+          <a:latin typeface="+mn-lt"/>
+          <a:ea typeface="+mn-ea"/>
+          <a:cs typeface="+mn-cs"/>
+        </a:defRPr>
+      </a:lvl6pPr>
+      <a:lvl7pPr marL="2971800" indent="-228600" algn="l" defTabSz="457200" rtl="0" eaLnBrk="1" latinLnBrk="0" hangingPunct="1">
+        <a:spcBef>
+          <a:spcPct val="20000"/>
+        </a:spcBef>
+        <a:spcAft>
+          <a:spcPts val="600"/>
+        </a:spcAft>
+        <a:buClr>
+          <a:schemeClr val="tx1"/>
+        </a:buClr>
+        <a:buSzPct val="100000"/>
+        <a:buFont typeface="Arial"/>
+        <a:buChar char="•"/>
+        <a:defRPr sz="1200" kern="1200" cap="small">
+          <a:gradFill flip="none" rotWithShape="1">
+            <a:gsLst>
+              <a:gs pos="0">
+                <a:schemeClr val="tx1"/>
+              </a:gs>
+              <a:gs pos="100000">
+                <a:schemeClr val="tx1">
+                  <a:lumMod val="75000"/>
+                </a:schemeClr>
+              </a:gs>
+            </a:gsLst>
+            <a:lin ang="5580000" scaled="0"/>
+            <a:tileRect/>
+          </a:gradFill>
+          <a:effectLst>
+            <a:glow rad="38100">
+              <a:schemeClr val="bg1">
+                <a:lumMod val="50000"/>
+                <a:lumOff val="50000"/>
+                <a:alpha val="20000"/>
+              </a:schemeClr>
+            </a:glow>
+            <a:outerShdw blurRad="44450" dist="12700" dir="13860000" algn="tl" rotWithShape="0">
+              <a:srgbClr val="000000">
+                <a:alpha val="20000"/>
+              </a:srgbClr>
+            </a:outerShdw>
+          </a:effectLst>
+          <a:latin typeface="+mn-lt"/>
+          <a:ea typeface="+mn-ea"/>
+          <a:cs typeface="+mn-cs"/>
+        </a:defRPr>
+      </a:lvl7pPr>
+      <a:lvl8pPr marL="3429000" indent="-228600" algn="l" defTabSz="457200" rtl="0" eaLnBrk="1" latinLnBrk="0" hangingPunct="1">
+        <a:spcBef>
+          <a:spcPct val="20000"/>
+        </a:spcBef>
+        <a:spcAft>
+          <a:spcPts val="600"/>
+        </a:spcAft>
+        <a:buClr>
+          <a:schemeClr val="tx1"/>
+        </a:buClr>
+        <a:buSzPct val="100000"/>
+        <a:buFont typeface="Arial"/>
+        <a:buChar char="•"/>
+        <a:defRPr sz="1200" kern="1200" cap="small">
+          <a:gradFill flip="none" rotWithShape="1">
+            <a:gsLst>
+              <a:gs pos="0">
+                <a:schemeClr val="tx1"/>
+              </a:gs>
+              <a:gs pos="100000">
+                <a:schemeClr val="tx1">
+                  <a:lumMod val="75000"/>
+                </a:schemeClr>
+              </a:gs>
+            </a:gsLst>
+            <a:lin ang="5580000" scaled="0"/>
+            <a:tileRect/>
+          </a:gradFill>
+          <a:effectLst>
+            <a:glow rad="38100">
+              <a:schemeClr val="bg1">
+                <a:lumMod val="50000"/>
+                <a:lumOff val="50000"/>
+                <a:alpha val="20000"/>
+              </a:schemeClr>
+            </a:glow>
+            <a:outerShdw blurRad="44450" dist="12700" dir="13860000" algn="tl" rotWithShape="0">
+              <a:srgbClr val="000000">
+                <a:alpha val="20000"/>
+              </a:srgbClr>
+            </a:outerShdw>
+          </a:effectLst>
+          <a:latin typeface="+mn-lt"/>
+          <a:ea typeface="+mn-ea"/>
+          <a:cs typeface="+mn-cs"/>
+        </a:defRPr>
+      </a:lvl8pPr>
+      <a:lvl9pPr marL="3886200" indent="-228600" algn="l" defTabSz="457200" rtl="0" eaLnBrk="1" latinLnBrk="0" hangingPunct="1">
+        <a:spcBef>
+          <a:spcPct val="20000"/>
+        </a:spcBef>
+        <a:spcAft>
+          <a:spcPts val="600"/>
+        </a:spcAft>
+        <a:buClr>
+          <a:schemeClr val="tx1"/>
+        </a:buClr>
+        <a:buSzPct val="100000"/>
+        <a:buFont typeface="Arial"/>
+        <a:buChar char="•"/>
+        <a:defRPr sz="1200" kern="1200" cap="small">
+          <a:gradFill flip="none" rotWithShape="1">
+            <a:gsLst>
+              <a:gs pos="0">
+                <a:schemeClr val="tx1"/>
+              </a:gs>
+              <a:gs pos="100000">
+                <a:schemeClr val="tx1">
+                  <a:lumMod val="75000"/>
+                </a:schemeClr>
+              </a:gs>
+            </a:gsLst>
+            <a:lin ang="5580000" scaled="0"/>
+            <a:tileRect/>
+          </a:gradFill>
+          <a:effectLst>
+            <a:glow rad="38100">
+              <a:schemeClr val="bg1">
+                <a:lumMod val="50000"/>
+                <a:lumOff val="50000"/>
+                <a:alpha val="20000"/>
+              </a:schemeClr>
+            </a:glow>
+            <a:outerShdw blurRad="44450" dist="12700" dir="13860000" algn="tl" rotWithShape="0">
+              <a:srgbClr val="000000">
+                <a:alpha val="20000"/>
+              </a:srgbClr>
+            </a:outerShdw>
+          </a:effectLst>
+          <a:latin typeface="+mn-lt"/>
+          <a:ea typeface="+mn-ea"/>
+          <a:cs typeface="+mn-cs"/>
+        </a:defRPr>
+      </a:lvl9pPr>
+    </p:bodyStyle>
+    <p:otherStyle>
+      <a:defPPr>
+        <a:defRPr lang="en-US"/>
+      </a:defPPr>
+      <a:lvl1pPr marL="0" algn="l" defTabSz="457200" rtl="0" eaLnBrk="1" latinLnBrk="0" hangingPunct="1">
+        <a:defRPr sz="1800" kern="1200">
           <a:solidFill>
             <a:schemeClr val="tx1"/>
           </a:solidFill>
@@ -3060,16 +5625,8 @@
           <a:cs typeface="+mn-cs"/>
         </a:defRPr>
       </a:lvl1pPr>
-      <a:lvl2pPr marL="685800" indent="-228600" algn="l" defTabSz="914400" rtl="0" eaLnBrk="1" latinLnBrk="0" hangingPunct="1">
-        <a:lnSpc>
-          <a:spcPct val="90000"/>
-        </a:lnSpc>
-        <a:spcBef>
-          <a:spcPts val="500"/>
-        </a:spcBef>
-        <a:buFont typeface="Arial" panose="020B0604020202020204" pitchFamily="34" charset="0"/>
-        <a:buChar char="•"/>
-        <a:defRPr sz="2400" kern="1200">
+      <a:lvl2pPr marL="457200" algn="l" defTabSz="457200" rtl="0" eaLnBrk="1" latinLnBrk="0" hangingPunct="1">
+        <a:defRPr sz="1800" kern="1200">
           <a:solidFill>
             <a:schemeClr val="tx1"/>
           </a:solidFill>
@@ -3078,16 +5635,8 @@
           <a:cs typeface="+mn-cs"/>
         </a:defRPr>
       </a:lvl2pPr>
-      <a:lvl3pPr marL="1143000" indent="-228600" algn="l" defTabSz="914400" rtl="0" eaLnBrk="1" latinLnBrk="0" hangingPunct="1">
-        <a:lnSpc>
-          <a:spcPct val="90000"/>
-        </a:lnSpc>
-        <a:spcBef>
-          <a:spcPts val="500"/>
-        </a:spcBef>
-        <a:buFont typeface="Arial" panose="020B0604020202020204" pitchFamily="34" charset="0"/>
-        <a:buChar char="•"/>
-        <a:defRPr sz="2000" kern="1200">
+      <a:lvl3pPr marL="914400" algn="l" defTabSz="457200" rtl="0" eaLnBrk="1" latinLnBrk="0" hangingPunct="1">
+        <a:defRPr sz="1800" kern="1200">
           <a:solidFill>
             <a:schemeClr val="tx1"/>
           </a:solidFill>
@@ -3096,15 +5645,7 @@
           <a:cs typeface="+mn-cs"/>
         </a:defRPr>
       </a:lvl3pPr>
-      <a:lvl4pPr marL="1600200" indent="-228600" algn="l" defTabSz="914400" rtl="0" eaLnBrk="1" latinLnBrk="0" hangingPunct="1">
-        <a:lnSpc>
-          <a:spcPct val="90000"/>
-        </a:lnSpc>
-        <a:spcBef>
-          <a:spcPts val="500"/>
-        </a:spcBef>
-        <a:buFont typeface="Arial" panose="020B0604020202020204" pitchFamily="34" charset="0"/>
-        <a:buChar char="•"/>
+      <a:lvl4pPr marL="1371600" algn="l" defTabSz="457200" rtl="0" eaLnBrk="1" latinLnBrk="0" hangingPunct="1">
         <a:defRPr sz="1800" kern="1200">
           <a:solidFill>
             <a:schemeClr val="tx1"/>
@@ -3114,15 +5655,7 @@
           <a:cs typeface="+mn-cs"/>
         </a:defRPr>
       </a:lvl4pPr>
-      <a:lvl5pPr marL="2057400" indent="-228600" algn="l" defTabSz="914400" rtl="0" eaLnBrk="1" latinLnBrk="0" hangingPunct="1">
-        <a:lnSpc>
-          <a:spcPct val="90000"/>
-        </a:lnSpc>
-        <a:spcBef>
-          <a:spcPts val="500"/>
-        </a:spcBef>
-        <a:buFont typeface="Arial" panose="020B0604020202020204" pitchFamily="34" charset="0"/>
-        <a:buChar char="•"/>
+      <a:lvl5pPr marL="1828800" algn="l" defTabSz="457200" rtl="0" eaLnBrk="1" latinLnBrk="0" hangingPunct="1">
         <a:defRPr sz="1800" kern="1200">
           <a:solidFill>
             <a:schemeClr val="tx1"/>
@@ -3132,15 +5665,7 @@
           <a:cs typeface="+mn-cs"/>
         </a:defRPr>
       </a:lvl5pPr>
-      <a:lvl6pPr marL="2514600" indent="-228600" algn="l" defTabSz="914400" rtl="0" eaLnBrk="1" latinLnBrk="0" hangingPunct="1">
-        <a:lnSpc>
-          <a:spcPct val="90000"/>
-        </a:lnSpc>
-        <a:spcBef>
-          <a:spcPts val="500"/>
-        </a:spcBef>
-        <a:buFont typeface="Arial" panose="020B0604020202020204" pitchFamily="34" charset="0"/>
-        <a:buChar char="•"/>
+      <a:lvl6pPr marL="2286000" algn="l" defTabSz="457200" rtl="0" eaLnBrk="1" latinLnBrk="0" hangingPunct="1">
         <a:defRPr sz="1800" kern="1200">
           <a:solidFill>
             <a:schemeClr val="tx1"/>
@@ -3150,15 +5675,7 @@
           <a:cs typeface="+mn-cs"/>
         </a:defRPr>
       </a:lvl6pPr>
-      <a:lvl7pPr marL="2971800" indent="-228600" algn="l" defTabSz="914400" rtl="0" eaLnBrk="1" latinLnBrk="0" hangingPunct="1">
-        <a:lnSpc>
-          <a:spcPct val="90000"/>
-        </a:lnSpc>
-        <a:spcBef>
-          <a:spcPts val="500"/>
-        </a:spcBef>
-        <a:buFont typeface="Arial" panose="020B0604020202020204" pitchFamily="34" charset="0"/>
-        <a:buChar char="•"/>
+      <a:lvl7pPr marL="2743200" algn="l" defTabSz="457200" rtl="0" eaLnBrk="1" latinLnBrk="0" hangingPunct="1">
         <a:defRPr sz="1800" kern="1200">
           <a:solidFill>
             <a:schemeClr val="tx1"/>
@@ -3168,15 +5685,7 @@
           <a:cs typeface="+mn-cs"/>
         </a:defRPr>
       </a:lvl7pPr>
-      <a:lvl8pPr marL="3429000" indent="-228600" algn="l" defTabSz="914400" rtl="0" eaLnBrk="1" latinLnBrk="0" hangingPunct="1">
-        <a:lnSpc>
-          <a:spcPct val="90000"/>
-        </a:lnSpc>
-        <a:spcBef>
-          <a:spcPts val="500"/>
-        </a:spcBef>
-        <a:buFont typeface="Arial" panose="020B0604020202020204" pitchFamily="34" charset="0"/>
-        <a:buChar char="•"/>
+      <a:lvl8pPr marL="3200400" algn="l" defTabSz="457200" rtl="0" eaLnBrk="1" latinLnBrk="0" hangingPunct="1">
         <a:defRPr sz="1800" kern="1200">
           <a:solidFill>
             <a:schemeClr val="tx1"/>
@@ -3186,110 +5695,7 @@
           <a:cs typeface="+mn-cs"/>
         </a:defRPr>
       </a:lvl8pPr>
-      <a:lvl9pPr marL="3886200" indent="-228600" algn="l" defTabSz="914400" rtl="0" eaLnBrk="1" latinLnBrk="0" hangingPunct="1">
-        <a:lnSpc>
-          <a:spcPct val="90000"/>
-        </a:lnSpc>
-        <a:spcBef>
-          <a:spcPts val="500"/>
-        </a:spcBef>
-        <a:buFont typeface="Arial" panose="020B0604020202020204" pitchFamily="34" charset="0"/>
-        <a:buChar char="•"/>
-        <a:defRPr sz="1800" kern="1200">
-          <a:solidFill>
-            <a:schemeClr val="tx1"/>
-          </a:solidFill>
-          <a:latin typeface="+mn-lt"/>
-          <a:ea typeface="+mn-ea"/>
-          <a:cs typeface="+mn-cs"/>
-        </a:defRPr>
-      </a:lvl9pPr>
-    </p:bodyStyle>
-    <p:otherStyle>
-      <a:defPPr>
-        <a:defRPr lang="de-DE"/>
-      </a:defPPr>
-      <a:lvl1pPr marL="0" algn="l" defTabSz="914400" rtl="0" eaLnBrk="1" latinLnBrk="0" hangingPunct="1">
-        <a:defRPr sz="1800" kern="1200">
-          <a:solidFill>
-            <a:schemeClr val="tx1"/>
-          </a:solidFill>
-          <a:latin typeface="+mn-lt"/>
-          <a:ea typeface="+mn-ea"/>
-          <a:cs typeface="+mn-cs"/>
-        </a:defRPr>
-      </a:lvl1pPr>
-      <a:lvl2pPr marL="457200" algn="l" defTabSz="914400" rtl="0" eaLnBrk="1" latinLnBrk="0" hangingPunct="1">
-        <a:defRPr sz="1800" kern="1200">
-          <a:solidFill>
-            <a:schemeClr val="tx1"/>
-          </a:solidFill>
-          <a:latin typeface="+mn-lt"/>
-          <a:ea typeface="+mn-ea"/>
-          <a:cs typeface="+mn-cs"/>
-        </a:defRPr>
-      </a:lvl2pPr>
-      <a:lvl3pPr marL="914400" algn="l" defTabSz="914400" rtl="0" eaLnBrk="1" latinLnBrk="0" hangingPunct="1">
-        <a:defRPr sz="1800" kern="1200">
-          <a:solidFill>
-            <a:schemeClr val="tx1"/>
-          </a:solidFill>
-          <a:latin typeface="+mn-lt"/>
-          <a:ea typeface="+mn-ea"/>
-          <a:cs typeface="+mn-cs"/>
-        </a:defRPr>
-      </a:lvl3pPr>
-      <a:lvl4pPr marL="1371600" algn="l" defTabSz="914400" rtl="0" eaLnBrk="1" latinLnBrk="0" hangingPunct="1">
-        <a:defRPr sz="1800" kern="1200">
-          <a:solidFill>
-            <a:schemeClr val="tx1"/>
-          </a:solidFill>
-          <a:latin typeface="+mn-lt"/>
-          <a:ea typeface="+mn-ea"/>
-          <a:cs typeface="+mn-cs"/>
-        </a:defRPr>
-      </a:lvl4pPr>
-      <a:lvl5pPr marL="1828800" algn="l" defTabSz="914400" rtl="0" eaLnBrk="1" latinLnBrk="0" hangingPunct="1">
-        <a:defRPr sz="1800" kern="1200">
-          <a:solidFill>
-            <a:schemeClr val="tx1"/>
-          </a:solidFill>
-          <a:latin typeface="+mn-lt"/>
-          <a:ea typeface="+mn-ea"/>
-          <a:cs typeface="+mn-cs"/>
-        </a:defRPr>
-      </a:lvl5pPr>
-      <a:lvl6pPr marL="2286000" algn="l" defTabSz="914400" rtl="0" eaLnBrk="1" latinLnBrk="0" hangingPunct="1">
-        <a:defRPr sz="1800" kern="1200">
-          <a:solidFill>
-            <a:schemeClr val="tx1"/>
-          </a:solidFill>
-          <a:latin typeface="+mn-lt"/>
-          <a:ea typeface="+mn-ea"/>
-          <a:cs typeface="+mn-cs"/>
-        </a:defRPr>
-      </a:lvl6pPr>
-      <a:lvl7pPr marL="2743200" algn="l" defTabSz="914400" rtl="0" eaLnBrk="1" latinLnBrk="0" hangingPunct="1">
-        <a:defRPr sz="1800" kern="1200">
-          <a:solidFill>
-            <a:schemeClr val="tx1"/>
-          </a:solidFill>
-          <a:latin typeface="+mn-lt"/>
-          <a:ea typeface="+mn-ea"/>
-          <a:cs typeface="+mn-cs"/>
-        </a:defRPr>
-      </a:lvl7pPr>
-      <a:lvl8pPr marL="3200400" algn="l" defTabSz="914400" rtl="0" eaLnBrk="1" latinLnBrk="0" hangingPunct="1">
-        <a:defRPr sz="1800" kern="1200">
-          <a:solidFill>
-            <a:schemeClr val="tx1"/>
-          </a:solidFill>
-          <a:latin typeface="+mn-lt"/>
-          <a:ea typeface="+mn-ea"/>
-          <a:cs typeface="+mn-cs"/>
-        </a:defRPr>
-      </a:lvl8pPr>
-      <a:lvl9pPr marL="3657600" algn="l" defTabSz="914400" rtl="0" eaLnBrk="1" latinLnBrk="0" hangingPunct="1">
+      <a:lvl9pPr marL="3657600" algn="l" defTabSz="457200" rtl="0" eaLnBrk="1" latinLnBrk="0" hangingPunct="1">
         <a:defRPr sz="1800" kern="1200">
           <a:solidFill>
             <a:schemeClr val="tx1"/>
@@ -3307,6 +5713,17 @@
 <file path=ppt/slides/slide1.xml><?xml version="1.0" encoding="utf-8"?>
 <p:sld xmlns:a="http://schemas.openxmlformats.org/drawingml/2006/main" xmlns:r="http://schemas.openxmlformats.org/officeDocument/2006/relationships" xmlns:p="http://schemas.openxmlformats.org/presentationml/2006/main">
   <p:cSld>
+    <p:bg>
+      <p:bgPr>
+        <a:solidFill>
+          <a:schemeClr val="bg1">
+            <a:tint val="95000"/>
+            <a:satMod val="170000"/>
+          </a:schemeClr>
+        </a:solidFill>
+        <a:effectLst/>
+      </p:bgPr>
+    </p:bg>
     <p:spTree>
       <p:nvGrpSpPr>
         <p:cNvPr id="1" name=""/>
@@ -3337,12 +5754,24 @@
             <p:ph type="ctrTitle"/>
           </p:nvPr>
         </p:nvSpPr>
-        <p:spPr/>
-        <p:txBody>
-          <a:bodyPr/>
-          <a:lstStyle/>
-          <a:p>
-            <a:endParaRPr lang="de-DE"/>
+        <p:spPr>
+          <a:xfrm>
+            <a:off x="7028496" y="3525209"/>
+            <a:ext cx="4998404" cy="1147864"/>
+          </a:xfrm>
+        </p:spPr>
+        <p:txBody>
+          <a:bodyPr anchor="b">
+            <a:normAutofit/>
+          </a:bodyPr>
+          <a:lstStyle/>
+          <a:p>
+            <a:pPr algn="l"/>
+            <a:r>
+              <a:rPr lang="de-DE" sz="5400" dirty="0" err="1"/>
+              <a:t>CamerAscii</a:t>
+            </a:r>
+            <a:endParaRPr lang="de-DE" sz="5400" dirty="0"/>
           </a:p>
         </p:txBody>
       </p:sp>
@@ -3362,19 +5791,826 @@
             <p:ph type="subTitle" idx="1"/>
           </p:nvPr>
         </p:nvSpPr>
-        <p:spPr/>
-        <p:txBody>
-          <a:bodyPr/>
-          <a:lstStyle/>
-          <a:p>
-            <a:endParaRPr lang="de-DE"/>
-          </a:p>
-        </p:txBody>
-      </p:sp>
+        <p:spPr>
+          <a:xfrm>
+            <a:off x="7464612" y="4750893"/>
+            <a:ext cx="4087305" cy="1147863"/>
+          </a:xfrm>
+        </p:spPr>
+        <p:txBody>
+          <a:bodyPr anchor="t">
+            <a:normAutofit/>
+          </a:bodyPr>
+          <a:lstStyle/>
+          <a:p>
+            <a:pPr algn="l"/>
+            <a:endParaRPr lang="de-DE" sz="2000"/>
+          </a:p>
+        </p:txBody>
+      </p:sp>
+      <p:pic>
+        <p:nvPicPr>
+          <p:cNvPr id="5" name="Grafik 4" descr="Ein Bild, das Text enthält.&#10;&#10;Automatisch generierte Beschreibung">
+            <a:extLst>
+              <a:ext uri="{FF2B5EF4-FFF2-40B4-BE49-F238E27FC236}">
+                <a16:creationId xmlns:a16="http://schemas.microsoft.com/office/drawing/2014/main" id="{55E8E53E-352A-4864-A10E-84C3885FCAD1}"/>
+              </a:ext>
+            </a:extLst>
+          </p:cNvPr>
+          <p:cNvPicPr>
+            <a:picLocks noChangeAspect="1"/>
+          </p:cNvPicPr>
+          <p:nvPr/>
+        </p:nvPicPr>
+        <p:blipFill rotWithShape="1">
+          <a:blip r:embed="rId2"/>
+          <a:srcRect l="6620" r="14444" b="3"/>
+          <a:stretch/>
+        </p:blipFill>
+        <p:spPr>
+          <a:xfrm>
+            <a:off x="1" y="10"/>
+            <a:ext cx="7028495" cy="6857990"/>
+          </a:xfrm>
+          <a:custGeom>
+            <a:avLst/>
+            <a:gdLst/>
+            <a:ahLst/>
+            <a:cxnLst/>
+            <a:rect l="l" t="t" r="r" b="b"/>
+            <a:pathLst>
+              <a:path w="7028495" h="6858000">
+                <a:moveTo>
+                  <a:pt x="0" y="0"/>
+                </a:moveTo>
+                <a:lnTo>
+                  <a:pt x="6915668" y="0"/>
+                </a:lnTo>
+                <a:lnTo>
+                  <a:pt x="6952411" y="219663"/>
+                </a:lnTo>
+                <a:cubicBezTo>
+                  <a:pt x="7002551" y="569921"/>
+                  <a:pt x="7028495" y="927986"/>
+                  <a:pt x="7028495" y="1292112"/>
+                </a:cubicBezTo>
+                <a:cubicBezTo>
+                  <a:pt x="7028495" y="3343346"/>
+                  <a:pt x="6205186" y="5202289"/>
+                  <a:pt x="4870994" y="6556512"/>
+                </a:cubicBezTo>
+                <a:lnTo>
+                  <a:pt x="4556185" y="6858000"/>
+                </a:lnTo>
+                <a:lnTo>
+                  <a:pt x="0" y="6858000"/>
+                </a:lnTo>
+                <a:close/>
+              </a:path>
+            </a:pathLst>
+          </a:custGeom>
+        </p:spPr>
+      </p:pic>
     </p:spTree>
     <p:extLst>
       <p:ext uri="{BB962C8B-B14F-4D97-AF65-F5344CB8AC3E}">
         <p14:creationId xmlns:p14="http://schemas.microsoft.com/office/powerpoint/2010/main" val="1986817542"/>
+      </p:ext>
+    </p:extLst>
+  </p:cSld>
+  <p:clrMapOvr>
+    <a:overrideClrMapping bg1="dk1" tx1="lt1" bg2="dk2" tx2="lt2" accent1="accent1" accent2="accent2" accent3="accent3" accent4="accent4" accent5="accent5" accent6="accent6" hlink="hlink" folHlink="folHlink"/>
+  </p:clrMapOvr>
+</p:sld>
+</file>
+
+<file path=ppt/slides/slide2.xml><?xml version="1.0" encoding="utf-8"?>
+<p:sld xmlns:a="http://schemas.openxmlformats.org/drawingml/2006/main" xmlns:r="http://schemas.openxmlformats.org/officeDocument/2006/relationships" xmlns:p="http://schemas.openxmlformats.org/presentationml/2006/main">
+  <p:cSld>
+    <p:spTree>
+      <p:nvGrpSpPr>
+        <p:cNvPr id="1" name=""/>
+        <p:cNvGrpSpPr/>
+        <p:nvPr/>
+      </p:nvGrpSpPr>
+      <p:grpSpPr>
+        <a:xfrm>
+          <a:off x="0" y="0"/>
+          <a:ext cx="0" cy="0"/>
+          <a:chOff x="0" y="0"/>
+          <a:chExt cx="0" cy="0"/>
+        </a:xfrm>
+      </p:grpSpPr>
+      <p:sp>
+        <p:nvSpPr>
+          <p:cNvPr id="2" name="Titel 1">
+            <a:extLst>
+              <a:ext uri="{FF2B5EF4-FFF2-40B4-BE49-F238E27FC236}">
+                <a16:creationId xmlns:a16="http://schemas.microsoft.com/office/drawing/2014/main" id="{ACEA6DC8-0884-457F-9324-7BD2C53123E6}"/>
+              </a:ext>
+            </a:extLst>
+          </p:cNvPr>
+          <p:cNvSpPr>
+            <a:spLocks noGrp="1"/>
+          </p:cNvSpPr>
+          <p:nvPr>
+            <p:ph type="title"/>
+          </p:nvPr>
+        </p:nvSpPr>
+        <p:spPr>
+          <a:xfrm>
+            <a:off x="1141413" y="482600"/>
+            <a:ext cx="9905998" cy="1257300"/>
+          </a:xfrm>
+        </p:spPr>
+        <p:txBody>
+          <a:bodyPr/>
+          <a:lstStyle/>
+          <a:p>
+            <a:r>
+              <a:rPr lang="de-DE" dirty="0"/>
+              <a:t>Team</a:t>
+            </a:r>
+          </a:p>
+        </p:txBody>
+      </p:sp>
+      <p:sp>
+        <p:nvSpPr>
+          <p:cNvPr id="3" name="Inhaltsplatzhalter 2">
+            <a:extLst>
+              <a:ext uri="{FF2B5EF4-FFF2-40B4-BE49-F238E27FC236}">
+                <a16:creationId xmlns:a16="http://schemas.microsoft.com/office/drawing/2014/main" id="{4FDCF14C-8D99-41E5-8461-EF0518BD110A}"/>
+              </a:ext>
+            </a:extLst>
+          </p:cNvPr>
+          <p:cNvSpPr>
+            <a:spLocks noGrp="1"/>
+          </p:cNvSpPr>
+          <p:nvPr>
+            <p:ph idx="1"/>
+          </p:nvPr>
+        </p:nvSpPr>
+        <p:spPr>
+          <a:xfrm>
+            <a:off x="1141413" y="1422401"/>
+            <a:ext cx="9905998" cy="1447799"/>
+          </a:xfrm>
+        </p:spPr>
+        <p:txBody>
+          <a:bodyPr/>
+          <a:lstStyle/>
+          <a:p>
+            <a:r>
+              <a:rPr lang="de-DE" dirty="0"/>
+              <a:t>Buchsbaum Lukas (Angewandte Informatik)</a:t>
+            </a:r>
+          </a:p>
+          <a:p>
+            <a:r>
+              <a:rPr lang="de-DE" dirty="0" err="1"/>
+              <a:t>Ladurner</a:t>
+            </a:r>
+            <a:r>
+              <a:rPr lang="de-DE" dirty="0"/>
+              <a:t> Johannes (Angewandte Informatik)</a:t>
+            </a:r>
+          </a:p>
+        </p:txBody>
+      </p:sp>
+    </p:spTree>
+    <p:extLst>
+      <p:ext uri="{BB962C8B-B14F-4D97-AF65-F5344CB8AC3E}">
+        <p14:creationId xmlns:p14="http://schemas.microsoft.com/office/powerpoint/2010/main" val="2084499874"/>
+      </p:ext>
+    </p:extLst>
+  </p:cSld>
+  <p:clrMapOvr>
+    <a:masterClrMapping/>
+  </p:clrMapOvr>
+</p:sld>
+</file>
+
+<file path=ppt/slides/slide3.xml><?xml version="1.0" encoding="utf-8"?>
+<p:sld xmlns:a="http://schemas.openxmlformats.org/drawingml/2006/main" xmlns:r="http://schemas.openxmlformats.org/officeDocument/2006/relationships" xmlns:p="http://schemas.openxmlformats.org/presentationml/2006/main">
+  <p:cSld>
+    <p:spTree>
+      <p:nvGrpSpPr>
+        <p:cNvPr id="1" name=""/>
+        <p:cNvGrpSpPr/>
+        <p:nvPr/>
+      </p:nvGrpSpPr>
+      <p:grpSpPr>
+        <a:xfrm>
+          <a:off x="0" y="0"/>
+          <a:ext cx="0" cy="0"/>
+          <a:chOff x="0" y="0"/>
+          <a:chExt cx="0" cy="0"/>
+        </a:xfrm>
+      </p:grpSpPr>
+      <p:sp>
+        <p:nvSpPr>
+          <p:cNvPr id="2" name="Titel 1">
+            <a:extLst>
+              <a:ext uri="{FF2B5EF4-FFF2-40B4-BE49-F238E27FC236}">
+                <a16:creationId xmlns:a16="http://schemas.microsoft.com/office/drawing/2014/main" id="{20D4AF34-BFD0-4928-9D25-1303B0DF1766}"/>
+              </a:ext>
+            </a:extLst>
+          </p:cNvPr>
+          <p:cNvSpPr>
+            <a:spLocks noGrp="1"/>
+          </p:cNvSpPr>
+          <p:nvPr>
+            <p:ph type="title"/>
+          </p:nvPr>
+        </p:nvSpPr>
+        <p:spPr>
+          <a:xfrm>
+            <a:off x="1141413" y="203200"/>
+            <a:ext cx="9905998" cy="1905000"/>
+          </a:xfrm>
+        </p:spPr>
+        <p:txBody>
+          <a:bodyPr/>
+          <a:lstStyle/>
+          <a:p>
+            <a:r>
+              <a:rPr lang="de-DE" dirty="0" err="1"/>
+              <a:t>Idea</a:t>
+            </a:r>
+            <a:endParaRPr lang="de-DE" dirty="0"/>
+          </a:p>
+        </p:txBody>
+      </p:sp>
+      <p:sp>
+        <p:nvSpPr>
+          <p:cNvPr id="3" name="Inhaltsplatzhalter 2">
+            <a:extLst>
+              <a:ext uri="{FF2B5EF4-FFF2-40B4-BE49-F238E27FC236}">
+                <a16:creationId xmlns:a16="http://schemas.microsoft.com/office/drawing/2014/main" id="{5053B29A-BB36-4EC0-9AFB-D83C92A27BDC}"/>
+              </a:ext>
+            </a:extLst>
+          </p:cNvPr>
+          <p:cNvSpPr>
+            <a:spLocks noGrp="1"/>
+          </p:cNvSpPr>
+          <p:nvPr>
+            <p:ph idx="1"/>
+          </p:nvPr>
+        </p:nvSpPr>
+        <p:spPr/>
+        <p:txBody>
+          <a:bodyPr/>
+          <a:lstStyle/>
+          <a:p>
+            <a:endParaRPr lang="de-DE" dirty="0"/>
+          </a:p>
+        </p:txBody>
+      </p:sp>
+    </p:spTree>
+    <p:extLst>
+      <p:ext uri="{BB962C8B-B14F-4D97-AF65-F5344CB8AC3E}">
+        <p14:creationId xmlns:p14="http://schemas.microsoft.com/office/powerpoint/2010/main" val="611451843"/>
+      </p:ext>
+    </p:extLst>
+  </p:cSld>
+  <p:clrMapOvr>
+    <a:masterClrMapping/>
+  </p:clrMapOvr>
+</p:sld>
+</file>
+
+<file path=ppt/slides/slide4.xml><?xml version="1.0" encoding="utf-8"?>
+<p:sld xmlns:a="http://schemas.openxmlformats.org/drawingml/2006/main" xmlns:r="http://schemas.openxmlformats.org/officeDocument/2006/relationships" xmlns:p="http://schemas.openxmlformats.org/presentationml/2006/main">
+  <p:cSld>
+    <p:spTree>
+      <p:nvGrpSpPr>
+        <p:cNvPr id="1" name=""/>
+        <p:cNvGrpSpPr/>
+        <p:nvPr/>
+      </p:nvGrpSpPr>
+      <p:grpSpPr>
+        <a:xfrm>
+          <a:off x="0" y="0"/>
+          <a:ext cx="0" cy="0"/>
+          <a:chOff x="0" y="0"/>
+          <a:chExt cx="0" cy="0"/>
+        </a:xfrm>
+      </p:grpSpPr>
+      <p:sp>
+        <p:nvSpPr>
+          <p:cNvPr id="2" name="Titel 1">
+            <a:extLst>
+              <a:ext uri="{FF2B5EF4-FFF2-40B4-BE49-F238E27FC236}">
+                <a16:creationId xmlns:a16="http://schemas.microsoft.com/office/drawing/2014/main" id="{6D1D47FC-C975-4AD7-BD96-F3E7773BD479}"/>
+              </a:ext>
+            </a:extLst>
+          </p:cNvPr>
+          <p:cNvSpPr>
+            <a:spLocks noGrp="1"/>
+          </p:cNvSpPr>
+          <p:nvPr>
+            <p:ph type="title"/>
+          </p:nvPr>
+        </p:nvSpPr>
+        <p:spPr>
+          <a:xfrm>
+            <a:off x="1141413" y="571500"/>
+            <a:ext cx="9905998" cy="1206500"/>
+          </a:xfrm>
+        </p:spPr>
+        <p:txBody>
+          <a:bodyPr/>
+          <a:lstStyle/>
+          <a:p>
+            <a:r>
+              <a:rPr lang="de-DE" dirty="0"/>
+              <a:t>Features</a:t>
+            </a:r>
+          </a:p>
+        </p:txBody>
+      </p:sp>
+      <p:sp>
+        <p:nvSpPr>
+          <p:cNvPr id="3" name="Inhaltsplatzhalter 2">
+            <a:extLst>
+              <a:ext uri="{FF2B5EF4-FFF2-40B4-BE49-F238E27FC236}">
+                <a16:creationId xmlns:a16="http://schemas.microsoft.com/office/drawing/2014/main" id="{DEF88D80-9987-44BC-8ABD-35AAF310E06E}"/>
+              </a:ext>
+            </a:extLst>
+          </p:cNvPr>
+          <p:cNvSpPr>
+            <a:spLocks noGrp="1"/>
+          </p:cNvSpPr>
+          <p:nvPr>
+            <p:ph idx="1"/>
+          </p:nvPr>
+        </p:nvSpPr>
+        <p:spPr>
+          <a:xfrm>
+            <a:off x="1141413" y="1606550"/>
+            <a:ext cx="9905998" cy="2933700"/>
+          </a:xfrm>
+        </p:spPr>
+        <p:txBody>
+          <a:bodyPr>
+            <a:normAutofit/>
+          </a:bodyPr>
+          <a:lstStyle/>
+          <a:p>
+            <a:r>
+              <a:rPr lang="en-US" dirty="0"/>
+              <a:t>App to convert images to ASCII art</a:t>
+            </a:r>
+          </a:p>
+          <a:p>
+            <a:r>
+              <a:rPr lang="en-US" dirty="0"/>
+              <a:t>Live conversion what the camera sees</a:t>
+            </a:r>
+          </a:p>
+          <a:p>
+            <a:r>
+              <a:rPr lang="en-US" dirty="0"/>
+              <a:t>Choose pictures from the gallery</a:t>
+            </a:r>
+          </a:p>
+          <a:p>
+            <a:pPr algn="l">
+              <a:buFont typeface="Arial" panose="020B0604020202020204" pitchFamily="34" charset="0"/>
+              <a:buChar char="•"/>
+            </a:pPr>
+            <a:r>
+              <a:rPr lang="en-US" dirty="0"/>
+              <a:t>Change quality/size of the output</a:t>
+            </a:r>
+          </a:p>
+          <a:p>
+            <a:pPr algn="l">
+              <a:buFont typeface="Arial" panose="020B0604020202020204" pitchFamily="34" charset="0"/>
+              <a:buChar char="•"/>
+            </a:pPr>
+            <a:r>
+              <a:rPr lang="en-US" dirty="0"/>
+              <a:t>Change brightness</a:t>
+            </a:r>
+          </a:p>
+          <a:p>
+            <a:pPr algn="l">
+              <a:buFont typeface="Arial" panose="020B0604020202020204" pitchFamily="34" charset="0"/>
+              <a:buChar char="•"/>
+            </a:pPr>
+            <a:r>
+              <a:rPr lang="en-US" dirty="0"/>
+              <a:t>Save the images to the clipboard</a:t>
+            </a:r>
+          </a:p>
+        </p:txBody>
+      </p:sp>
+    </p:spTree>
+    <p:extLst>
+      <p:ext uri="{BB962C8B-B14F-4D97-AF65-F5344CB8AC3E}">
+        <p14:creationId xmlns:p14="http://schemas.microsoft.com/office/powerpoint/2010/main" val="706608282"/>
+      </p:ext>
+    </p:extLst>
+  </p:cSld>
+  <p:clrMapOvr>
+    <a:masterClrMapping/>
+  </p:clrMapOvr>
+</p:sld>
+</file>
+
+<file path=ppt/slides/slide5.xml><?xml version="1.0" encoding="utf-8"?>
+<p:sld xmlns:a="http://schemas.openxmlformats.org/drawingml/2006/main" xmlns:r="http://schemas.openxmlformats.org/officeDocument/2006/relationships" xmlns:p="http://schemas.openxmlformats.org/presentationml/2006/main">
+  <p:cSld>
+    <p:spTree>
+      <p:nvGrpSpPr>
+        <p:cNvPr id="1" name=""/>
+        <p:cNvGrpSpPr/>
+        <p:nvPr/>
+      </p:nvGrpSpPr>
+      <p:grpSpPr>
+        <a:xfrm>
+          <a:off x="0" y="0"/>
+          <a:ext cx="0" cy="0"/>
+          <a:chOff x="0" y="0"/>
+          <a:chExt cx="0" cy="0"/>
+        </a:xfrm>
+      </p:grpSpPr>
+      <p:pic>
+        <p:nvPicPr>
+          <p:cNvPr id="17" name="Grafik 16" descr="Ein Bild, das Pflanze, Blume, drinnen, Gänseblümchen enthält.&#10;&#10;Automatisch generierte Beschreibung">
+            <a:extLst>
+              <a:ext uri="{FF2B5EF4-FFF2-40B4-BE49-F238E27FC236}">
+                <a16:creationId xmlns:a16="http://schemas.microsoft.com/office/drawing/2014/main" id="{1BC00050-4DC3-4A7D-9257-3040A3C71C07}"/>
+              </a:ext>
+            </a:extLst>
+          </p:cNvPr>
+          <p:cNvPicPr>
+            <a:picLocks noChangeAspect="1"/>
+          </p:cNvPicPr>
+          <p:nvPr/>
+        </p:nvPicPr>
+        <p:blipFill rotWithShape="1">
+          <a:blip r:embed="rId2">
+            <a:extLst>
+              <a:ext uri="{28A0092B-C50C-407E-A947-70E740481C1C}">
+                <a14:useLocalDpi xmlns:a14="http://schemas.microsoft.com/office/drawing/2010/main" val="0"/>
+              </a:ext>
+            </a:extLst>
+          </a:blip>
+          <a:srcRect l="14803" t="17765" r="42077" b="50056"/>
+          <a:stretch/>
+        </p:blipFill>
+        <p:spPr>
+          <a:xfrm>
+            <a:off x="7127520" y="2457195"/>
+            <a:ext cx="2509710" cy="2818910"/>
+          </a:xfrm>
+          <a:prstGeom prst="rect">
+            <a:avLst/>
+          </a:prstGeom>
+        </p:spPr>
+      </p:pic>
+      <p:sp>
+        <p:nvSpPr>
+          <p:cNvPr id="2" name="Titel 1">
+            <a:extLst>
+              <a:ext uri="{FF2B5EF4-FFF2-40B4-BE49-F238E27FC236}">
+                <a16:creationId xmlns:a16="http://schemas.microsoft.com/office/drawing/2014/main" id="{504E2FFD-3CA0-4035-A9F9-9895A0C33468}"/>
+              </a:ext>
+            </a:extLst>
+          </p:cNvPr>
+          <p:cNvSpPr>
+            <a:spLocks noGrp="1"/>
+          </p:cNvSpPr>
+          <p:nvPr>
+            <p:ph type="title"/>
+          </p:nvPr>
+        </p:nvSpPr>
+        <p:spPr>
+          <a:xfrm>
+            <a:off x="789652" y="394158"/>
+            <a:ext cx="9905998" cy="1612899"/>
+          </a:xfrm>
+        </p:spPr>
+        <p:txBody>
+          <a:bodyPr/>
+          <a:lstStyle/>
+          <a:p>
+            <a:r>
+              <a:rPr lang="de-DE" dirty="0" err="1"/>
+              <a:t>How</a:t>
+            </a:r>
+            <a:r>
+              <a:rPr lang="de-DE" dirty="0"/>
+              <a:t> </a:t>
+            </a:r>
+            <a:r>
+              <a:rPr lang="de-DE" dirty="0" err="1"/>
+              <a:t>the</a:t>
+            </a:r>
+            <a:r>
+              <a:rPr lang="de-DE" dirty="0"/>
+              <a:t> </a:t>
+            </a:r>
+            <a:r>
+              <a:rPr lang="de-DE" dirty="0" err="1"/>
+              <a:t>conversion</a:t>
+            </a:r>
+            <a:r>
+              <a:rPr lang="de-DE" dirty="0"/>
+              <a:t> </a:t>
+            </a:r>
+            <a:r>
+              <a:rPr lang="de-DE" dirty="0" err="1"/>
+              <a:t>works</a:t>
+            </a:r>
+            <a:endParaRPr lang="de-DE" dirty="0"/>
+          </a:p>
+        </p:txBody>
+      </p:sp>
+      <p:pic>
+        <p:nvPicPr>
+          <p:cNvPr id="1026" name="Picture 2" descr="White flower with yellow bud public domain free photos for download  2592x3872 1.17MB">
+            <a:extLst>
+              <a:ext uri="{FF2B5EF4-FFF2-40B4-BE49-F238E27FC236}">
+                <a16:creationId xmlns:a16="http://schemas.microsoft.com/office/drawing/2014/main" id="{A129751C-254B-4AB1-8F4E-EABC1E493108}"/>
+              </a:ext>
+            </a:extLst>
+          </p:cNvPr>
+          <p:cNvPicPr>
+            <a:picLocks noGrp="1" noChangeAspect="1" noChangeArrowheads="1"/>
+          </p:cNvPicPr>
+          <p:nvPr>
+            <p:ph idx="1"/>
+          </p:nvPr>
+        </p:nvPicPr>
+        <p:blipFill>
+          <a:blip r:embed="rId3">
+            <a:extLst>
+              <a:ext uri="{28A0092B-C50C-407E-A947-70E740481C1C}">
+                <a14:useLocalDpi xmlns:a14="http://schemas.microsoft.com/office/drawing/2010/main" val="0"/>
+              </a:ext>
+            </a:extLst>
+          </a:blip>
+          <a:srcRect/>
+          <a:stretch>
+            <a:fillRect/>
+          </a:stretch>
+        </p:blipFill>
+        <p:spPr bwMode="auto">
+          <a:xfrm>
+            <a:off x="575918" y="2375080"/>
+            <a:ext cx="1890932" cy="2830870"/>
+          </a:xfrm>
+          <a:prstGeom prst="rect">
+            <a:avLst/>
+          </a:prstGeom>
+          <a:noFill/>
+          <a:extLst>
+            <a:ext uri="{909E8E84-426E-40DD-AFC4-6F175D3DCCD1}">
+              <a14:hiddenFill xmlns:a14="http://schemas.microsoft.com/office/drawing/2010/main">
+                <a:solidFill>
+                  <a:srgbClr val="FFFFFF"/>
+                </a:solidFill>
+              </a14:hiddenFill>
+            </a:ext>
+          </a:extLst>
+        </p:spPr>
+      </p:pic>
+      <p:pic>
+        <p:nvPicPr>
+          <p:cNvPr id="5" name="Picture 2" descr="White flower with yellow bud public domain free photos for download  2592x3872 1.17MB">
+            <a:extLst>
+              <a:ext uri="{FF2B5EF4-FFF2-40B4-BE49-F238E27FC236}">
+                <a16:creationId xmlns:a16="http://schemas.microsoft.com/office/drawing/2014/main" id="{04AED6BF-18E1-4175-8899-B57B1D111DEB}"/>
+              </a:ext>
+            </a:extLst>
+          </p:cNvPr>
+          <p:cNvPicPr>
+            <a:picLocks noChangeAspect="1" noChangeArrowheads="1"/>
+          </p:cNvPicPr>
+          <p:nvPr/>
+        </p:nvPicPr>
+        <p:blipFill>
+          <a:blip r:embed="rId4">
+            <a:extLst>
+              <a:ext uri="{BEBA8EAE-BF5A-486C-A8C5-ECC9F3942E4B}">
+                <a14:imgProps xmlns:a14="http://schemas.microsoft.com/office/drawing/2010/main">
+                  <a14:imgLayer r:embed="rId5">
+                    <a14:imgEffect>
+                      <a14:colorTemperature colorTemp="7200"/>
+                    </a14:imgEffect>
+                    <a14:imgEffect>
+                      <a14:saturation sat="0"/>
+                    </a14:imgEffect>
+                  </a14:imgLayer>
+                </a14:imgProps>
+              </a:ext>
+              <a:ext uri="{28A0092B-C50C-407E-A947-70E740481C1C}">
+                <a14:useLocalDpi xmlns:a14="http://schemas.microsoft.com/office/drawing/2010/main" val="0"/>
+              </a:ext>
+            </a:extLst>
+          </a:blip>
+          <a:srcRect/>
+          <a:stretch>
+            <a:fillRect/>
+          </a:stretch>
+        </p:blipFill>
+        <p:spPr bwMode="auto">
+          <a:xfrm>
+            <a:off x="3851719" y="2375080"/>
+            <a:ext cx="1890932" cy="2830870"/>
+          </a:xfrm>
+          <a:prstGeom prst="rect">
+            <a:avLst/>
+          </a:prstGeom>
+          <a:noFill/>
+          <a:extLst>
+            <a:ext uri="{909E8E84-426E-40DD-AFC4-6F175D3DCCD1}">
+              <a14:hiddenFill xmlns:a14="http://schemas.microsoft.com/office/drawing/2010/main">
+                <a:solidFill>
+                  <a:srgbClr val="FFFFFF"/>
+                </a:solidFill>
+              </a14:hiddenFill>
+            </a:ext>
+          </a:extLst>
+        </p:spPr>
+      </p:pic>
+      <p:cxnSp>
+        <p:nvCxnSpPr>
+          <p:cNvPr id="6" name="Gerade Verbindung mit Pfeil 5">
+            <a:extLst>
+              <a:ext uri="{FF2B5EF4-FFF2-40B4-BE49-F238E27FC236}">
+                <a16:creationId xmlns:a16="http://schemas.microsoft.com/office/drawing/2014/main" id="{7AFCEAFE-3E77-4153-B820-A8C93E2BEA3B}"/>
+              </a:ext>
+            </a:extLst>
+          </p:cNvPr>
+          <p:cNvCxnSpPr>
+            <a:cxnSpLocks/>
+          </p:cNvCxnSpPr>
+          <p:nvPr/>
+        </p:nvCxnSpPr>
+        <p:spPr>
+          <a:xfrm>
+            <a:off x="2578100" y="3790515"/>
+            <a:ext cx="1193800" cy="0"/>
+          </a:xfrm>
+          <a:prstGeom prst="straightConnector1">
+            <a:avLst/>
+          </a:prstGeom>
+          <a:ln w="63500">
+            <a:tailEnd type="triangle"/>
+          </a:ln>
+        </p:spPr>
+        <p:style>
+          <a:lnRef idx="1">
+            <a:schemeClr val="accent1"/>
+          </a:lnRef>
+          <a:fillRef idx="0">
+            <a:schemeClr val="accent1"/>
+          </a:fillRef>
+          <a:effectRef idx="0">
+            <a:schemeClr val="accent1"/>
+          </a:effectRef>
+          <a:fontRef idx="minor">
+            <a:schemeClr val="tx1"/>
+          </a:fontRef>
+        </p:style>
+      </p:cxnSp>
+      <p:cxnSp>
+        <p:nvCxnSpPr>
+          <p:cNvPr id="13" name="Gerade Verbindung mit Pfeil 12">
+            <a:extLst>
+              <a:ext uri="{FF2B5EF4-FFF2-40B4-BE49-F238E27FC236}">
+                <a16:creationId xmlns:a16="http://schemas.microsoft.com/office/drawing/2014/main" id="{43CBF0A7-F522-471B-AE07-971364A3B762}"/>
+              </a:ext>
+            </a:extLst>
+          </p:cNvPr>
+          <p:cNvCxnSpPr>
+            <a:cxnSpLocks/>
+          </p:cNvCxnSpPr>
+          <p:nvPr/>
+        </p:nvCxnSpPr>
+        <p:spPr>
+          <a:xfrm flipV="1">
+            <a:off x="7937500" y="1907703"/>
+            <a:ext cx="723150" cy="1127597"/>
+          </a:xfrm>
+          <a:prstGeom prst="straightConnector1">
+            <a:avLst/>
+          </a:prstGeom>
+          <a:ln w="31750">
+            <a:tailEnd type="triangle"/>
+          </a:ln>
+        </p:spPr>
+        <p:style>
+          <a:lnRef idx="1">
+            <a:schemeClr val="accent1"/>
+          </a:lnRef>
+          <a:fillRef idx="0">
+            <a:schemeClr val="accent1"/>
+          </a:fillRef>
+          <a:effectRef idx="0">
+            <a:schemeClr val="accent1"/>
+          </a:effectRef>
+          <a:fontRef idx="minor">
+            <a:schemeClr val="tx1"/>
+          </a:fontRef>
+        </p:style>
+      </p:cxnSp>
+      <p:sp>
+        <p:nvSpPr>
+          <p:cNvPr id="14" name="Textfeld 13">
+            <a:extLst>
+              <a:ext uri="{FF2B5EF4-FFF2-40B4-BE49-F238E27FC236}">
+                <a16:creationId xmlns:a16="http://schemas.microsoft.com/office/drawing/2014/main" id="{0F42096D-F4AC-45FB-AFC4-BE11762C5EC2}"/>
+              </a:ext>
+            </a:extLst>
+          </p:cNvPr>
+          <p:cNvSpPr txBox="1"/>
+          <p:nvPr/>
+        </p:nvSpPr>
+        <p:spPr>
+          <a:xfrm>
+            <a:off x="8660650" y="1342471"/>
+            <a:ext cx="1249060" cy="830997"/>
+          </a:xfrm>
+          <a:prstGeom prst="rect">
+            <a:avLst/>
+          </a:prstGeom>
+          <a:noFill/>
+        </p:spPr>
+        <p:txBody>
+          <a:bodyPr wrap="none" rtlCol="0">
+            <a:spAutoFit/>
+          </a:bodyPr>
+          <a:lstStyle/>
+          <a:p>
+            <a:r>
+              <a:rPr lang="de-DE" sz="1600" dirty="0"/>
+              <a:t>25      0</a:t>
+            </a:r>
+          </a:p>
+          <a:p>
+            <a:r>
+              <a:rPr lang="de-DE" sz="1600" dirty="0"/>
+              <a:t>70  =  0  = `_`</a:t>
+            </a:r>
+          </a:p>
+          <a:p>
+            <a:r>
+              <a:rPr lang="de-DE" sz="1600" dirty="0"/>
+              <a:t>215    1</a:t>
+            </a:r>
+          </a:p>
+        </p:txBody>
+      </p:sp>
+      <p:cxnSp>
+        <p:nvCxnSpPr>
+          <p:cNvPr id="16" name="Gerade Verbindung mit Pfeil 15">
+            <a:extLst>
+              <a:ext uri="{FF2B5EF4-FFF2-40B4-BE49-F238E27FC236}">
+                <a16:creationId xmlns:a16="http://schemas.microsoft.com/office/drawing/2014/main" id="{DD02EA8F-3AF6-43CE-8B45-69BBF2DD4656}"/>
+              </a:ext>
+            </a:extLst>
+          </p:cNvPr>
+          <p:cNvCxnSpPr>
+            <a:cxnSpLocks/>
+          </p:cNvCxnSpPr>
+          <p:nvPr/>
+        </p:nvCxnSpPr>
+        <p:spPr>
+          <a:xfrm>
+            <a:off x="5905500" y="3790515"/>
+            <a:ext cx="1193800" cy="0"/>
+          </a:xfrm>
+          <a:prstGeom prst="straightConnector1">
+            <a:avLst/>
+          </a:prstGeom>
+          <a:ln w="63500">
+            <a:tailEnd type="triangle"/>
+          </a:ln>
+        </p:spPr>
+        <p:style>
+          <a:lnRef idx="1">
+            <a:schemeClr val="accent1"/>
+          </a:lnRef>
+          <a:fillRef idx="0">
+            <a:schemeClr val="accent1"/>
+          </a:fillRef>
+          <a:effectRef idx="0">
+            <a:schemeClr val="accent1"/>
+          </a:effectRef>
+          <a:fontRef idx="minor">
+            <a:schemeClr val="tx1"/>
+          </a:fontRef>
+        </p:style>
+      </p:cxnSp>
+    </p:spTree>
+    <p:extLst>
+      <p:ext uri="{BB962C8B-B14F-4D97-AF65-F5344CB8AC3E}">
+        <p14:creationId xmlns:p14="http://schemas.microsoft.com/office/powerpoint/2010/main" val="435170328"/>
       </p:ext>
     </p:extLst>
   </p:cSld>
@@ -3385,9 +6621,9 @@
 </file>
 
 <file path=ppt/theme/theme1.xml><?xml version="1.0" encoding="utf-8"?>
-<a:theme xmlns:a="http://schemas.openxmlformats.org/drawingml/2006/main" name="Office">
+<a:theme xmlns:a="http://schemas.openxmlformats.org/drawingml/2006/main" name="Netz">
   <a:themeElements>
-    <a:clrScheme name="Office">
+    <a:clrScheme name="Netz">
       <a:dk1>
         <a:sysClr val="windowText" lastClr="000000"/>
       </a:dk1>
@@ -3395,100 +6631,48 @@
         <a:sysClr val="window" lastClr="FFFFFF"/>
       </a:lt1>
       <a:dk2>
-        <a:srgbClr val="44546A"/>
+        <a:srgbClr val="363D46"/>
       </a:dk2>
       <a:lt2>
-        <a:srgbClr val="E7E6E6"/>
+        <a:srgbClr val="EBEBEB"/>
       </a:lt2>
       <a:accent1>
-        <a:srgbClr val="4472C4"/>
+        <a:srgbClr val="6F6F6F"/>
       </a:accent1>
       <a:accent2>
-        <a:srgbClr val="ED7D31"/>
+        <a:srgbClr val="BFBFA5"/>
       </a:accent2>
       <a:accent3>
-        <a:srgbClr val="A5A5A5"/>
+        <a:srgbClr val="DCD084"/>
       </a:accent3>
       <a:accent4>
-        <a:srgbClr val="FFC000"/>
+        <a:srgbClr val="E7BF5F"/>
       </a:accent4>
       <a:accent5>
-        <a:srgbClr val="5B9BD5"/>
+        <a:srgbClr val="E9A039"/>
       </a:accent5>
       <a:accent6>
-        <a:srgbClr val="70AD47"/>
+        <a:srgbClr val="CF7133"/>
       </a:accent6>
       <a:hlink>
-        <a:srgbClr val="0563C1"/>
+        <a:srgbClr val="F28943"/>
       </a:hlink>
       <a:folHlink>
-        <a:srgbClr val="954F72"/>
+        <a:srgbClr val="F1B76C"/>
       </a:folHlink>
     </a:clrScheme>
-    <a:fontScheme name="Office">
+    <a:fontScheme name="Netz">
       <a:majorFont>
-        <a:latin typeface="Calibri Light" panose="020F0302020204030204"/>
+        <a:latin typeface="Century Gothic" panose="020B0502020202020204"/>
         <a:ea typeface=""/>
         <a:cs typeface=""/>
-        <a:font script="Jpan" typeface="游ゴシック Light"/>
+        <a:font script="Jpan" typeface="ＭＳ ゴシック"/>
         <a:font script="Hang" typeface="맑은 고딕"/>
-        <a:font script="Hans" typeface="等线 Light"/>
+        <a:font script="Hans" typeface="宋体"/>
         <a:font script="Hant" typeface="新細明體"/>
-        <a:font script="Arab" typeface="Times New Roman"/>
-        <a:font script="Hebr" typeface="Times New Roman"/>
-        <a:font script="Thai" typeface="Angsana New"/>
-        <a:font script="Ethi" typeface="Nyala"/>
-        <a:font script="Beng" typeface="Vrinda"/>
-        <a:font script="Gujr" typeface="Shruti"/>
-        <a:font script="Khmr" typeface="MoolBoran"/>
-        <a:font script="Knda" typeface="Tunga"/>
-        <a:font script="Guru" typeface="Raavi"/>
-        <a:font script="Cans" typeface="Euphemia"/>
-        <a:font script="Cher" typeface="Plantagenet Cherokee"/>
-        <a:font script="Yiii" typeface="Microsoft Yi Baiti"/>
-        <a:font script="Tibt" typeface="Microsoft Himalaya"/>
-        <a:font script="Thaa" typeface="MV Boli"/>
-        <a:font script="Deva" typeface="Mangal"/>
-        <a:font script="Telu" typeface="Gautami"/>
-        <a:font script="Taml" typeface="Latha"/>
-        <a:font script="Syrc" typeface="Estrangelo Edessa"/>
-        <a:font script="Orya" typeface="Kalinga"/>
-        <a:font script="Mlym" typeface="Kartika"/>
-        <a:font script="Laoo" typeface="DokChampa"/>
-        <a:font script="Sinh" typeface="Iskoola Pota"/>
-        <a:font script="Mong" typeface="Mongolian Baiti"/>
-        <a:font script="Viet" typeface="Times New Roman"/>
-        <a:font script="Uigh" typeface="Microsoft Uighur"/>
-        <a:font script="Geor" typeface="Sylfaen"/>
-        <a:font script="Armn" typeface="Arial"/>
-        <a:font script="Bugi" typeface="Leelawadee UI"/>
-        <a:font script="Bopo" typeface="Microsoft JhengHei"/>
-        <a:font script="Java" typeface="Javanese Text"/>
-        <a:font script="Lisu" typeface="Segoe UI"/>
-        <a:font script="Mymr" typeface="Myanmar Text"/>
-        <a:font script="Nkoo" typeface="Ebrima"/>
-        <a:font script="Olck" typeface="Nirmala UI"/>
-        <a:font script="Osma" typeface="Ebrima"/>
-        <a:font script="Phag" typeface="Phagspa"/>
-        <a:font script="Syrn" typeface="Estrangelo Edessa"/>
-        <a:font script="Syrj" typeface="Estrangelo Edessa"/>
-        <a:font script="Syre" typeface="Estrangelo Edessa"/>
-        <a:font script="Sora" typeface="Nirmala UI"/>
-        <a:font script="Tale" typeface="Microsoft Tai Le"/>
-        <a:font script="Talu" typeface="Microsoft New Tai Lue"/>
-        <a:font script="Tfng" typeface="Ebrima"/>
-      </a:majorFont>
-      <a:minorFont>
-        <a:latin typeface="Calibri" panose="020F0502020204030204"/>
-        <a:ea typeface=""/>
-        <a:cs typeface=""/>
-        <a:font script="Jpan" typeface="游ゴシック"/>
-        <a:font script="Hang" typeface="맑은 고딕"/>
-        <a:font script="Hans" typeface="等线"/>
-        <a:font script="Hant" typeface="新細明體"/>
-        <a:font script="Arab" typeface="Arial"/>
-        <a:font script="Hebr" typeface="Arial"/>
-        <a:font script="Thai" typeface="Cordia New"/>
+        <a:font script="Arab" typeface="Tahoma"/>
+        <a:font script="Hebr" typeface="Gisha"/>
+        <a:font script="Thai" typeface="DilleniaUPC"/>
         <a:font script="Ethi" typeface="Nyala"/>
         <a:font script="Beng" typeface="Vrinda"/>
         <a:font script="Gujr" typeface="Shruti"/>
@@ -3509,29 +6693,47 @@
         <a:font script="Laoo" typeface="DokChampa"/>
         <a:font script="Sinh" typeface="Iskoola Pota"/>
         <a:font script="Mong" typeface="Mongolian Baiti"/>
-        <a:font script="Viet" typeface="Arial"/>
+        <a:font script="Viet" typeface="Tahoma"/>
         <a:font script="Uigh" typeface="Microsoft Uighur"/>
         <a:font script="Geor" typeface="Sylfaen"/>
-        <a:font script="Armn" typeface="Arial"/>
-        <a:font script="Bugi" typeface="Leelawadee UI"/>
-        <a:font script="Bopo" typeface="Microsoft JhengHei"/>
-        <a:font script="Java" typeface="Javanese Text"/>
-        <a:font script="Lisu" typeface="Segoe UI"/>
-        <a:font script="Mymr" typeface="Myanmar Text"/>
-        <a:font script="Nkoo" typeface="Ebrima"/>
-        <a:font script="Olck" typeface="Nirmala UI"/>
-        <a:font script="Osma" typeface="Ebrima"/>
-        <a:font script="Phag" typeface="Phagspa"/>
-        <a:font script="Syrn" typeface="Estrangelo Edessa"/>
-        <a:font script="Syrj" typeface="Estrangelo Edessa"/>
-        <a:font script="Syre" typeface="Estrangelo Edessa"/>
-        <a:font script="Sora" typeface="Nirmala UI"/>
-        <a:font script="Tale" typeface="Microsoft Tai Le"/>
-        <a:font script="Talu" typeface="Microsoft New Tai Lue"/>
-        <a:font script="Tfng" typeface="Ebrima"/>
+      </a:majorFont>
+      <a:minorFont>
+        <a:latin typeface="Century Gothic" panose="020B0502020202020204"/>
+        <a:ea typeface=""/>
+        <a:cs typeface=""/>
+        <a:font script="Jpan" typeface="ＭＳ ゴシック"/>
+        <a:font script="Hang" typeface="맑은 고딕"/>
+        <a:font script="Hans" typeface="宋体"/>
+        <a:font script="Hant" typeface="新細明體"/>
+        <a:font script="Arab" typeface="Tahoma"/>
+        <a:font script="Hebr" typeface="Gisha"/>
+        <a:font script="Thai" typeface="DilleniaUPC"/>
+        <a:font script="Ethi" typeface="Nyala"/>
+        <a:font script="Beng" typeface="Vrinda"/>
+        <a:font script="Gujr" typeface="Shruti"/>
+        <a:font script="Khmr" typeface="DaunPenh"/>
+        <a:font script="Knda" typeface="Tunga"/>
+        <a:font script="Guru" typeface="Raavi"/>
+        <a:font script="Cans" typeface="Euphemia"/>
+        <a:font script="Cher" typeface="Plantagenet Cherokee"/>
+        <a:font script="Yiii" typeface="Microsoft Yi Baiti"/>
+        <a:font script="Tibt" typeface="Microsoft Himalaya"/>
+        <a:font script="Thaa" typeface="MV Boli"/>
+        <a:font script="Deva" typeface="Mangal"/>
+        <a:font script="Telu" typeface="Gautami"/>
+        <a:font script="Taml" typeface="Latha"/>
+        <a:font script="Syrc" typeface="Estrangelo Edessa"/>
+        <a:font script="Orya" typeface="Kalinga"/>
+        <a:font script="Mlym" typeface="Kartika"/>
+        <a:font script="Laoo" typeface="DokChampa"/>
+        <a:font script="Sinh" typeface="Iskoola Pota"/>
+        <a:font script="Mong" typeface="Mongolian Baiti"/>
+        <a:font script="Viet" typeface="Verdana"/>
+        <a:font script="Uigh" typeface="Microsoft Uighur"/>
+        <a:font script="Geor" typeface="Sylfaen"/>
       </a:minorFont>
     </a:fontScheme>
-    <a:fmtScheme name="Office">
+    <a:fmtScheme name="Netz">
       <a:fillStyleLst>
         <a:solidFill>
           <a:schemeClr val="phClr"/>
@@ -3540,23 +6742,13 @@
           <a:gsLst>
             <a:gs pos="0">
               <a:schemeClr val="phClr">
+                <a:tint val="60000"/>
                 <a:lumMod val="110000"/>
-                <a:satMod val="105000"/>
-                <a:tint val="67000"/>
-              </a:schemeClr>
-            </a:gs>
-            <a:gs pos="50000">
-              <a:schemeClr val="phClr">
-                <a:lumMod val="105000"/>
-                <a:satMod val="103000"/>
-                <a:tint val="73000"/>
               </a:schemeClr>
             </a:gs>
             <a:gs pos="100000">
               <a:schemeClr val="phClr">
-                <a:lumMod val="105000"/>
-                <a:satMod val="109000"/>
-                <a:tint val="81000"/>
+                <a:tint val="82000"/>
               </a:schemeClr>
             </a:gs>
           </a:gsLst>
@@ -3566,23 +6758,14 @@
           <a:gsLst>
             <a:gs pos="0">
               <a:schemeClr val="phClr">
-                <a:satMod val="103000"/>
-                <a:lumMod val="102000"/>
-                <a:tint val="94000"/>
-              </a:schemeClr>
-            </a:gs>
-            <a:gs pos="50000">
-              <a:schemeClr val="phClr">
-                <a:satMod val="110000"/>
-                <a:lumMod val="100000"/>
-                <a:shade val="100000"/>
+                <a:tint val="96000"/>
+                <a:lumMod val="104000"/>
               </a:schemeClr>
             </a:gs>
             <a:gs pos="100000">
               <a:schemeClr val="phClr">
-                <a:lumMod val="99000"/>
-                <a:satMod val="120000"/>
-                <a:shade val="78000"/>
+                <a:shade val="84000"/>
+                <a:lumMod val="84000"/>
               </a:schemeClr>
             </a:gs>
           </a:gsLst>
@@ -3590,26 +6773,23 @@
         </a:gradFill>
       </a:fillStyleLst>
       <a:lnStyleLst>
-        <a:ln w="6350" cap="flat" cmpd="sng" algn="ctr">
+        <a:ln w="9525" cap="rnd" cmpd="sng" algn="ctr">
           <a:solidFill>
             <a:schemeClr val="phClr"/>
           </a:solidFill>
           <a:prstDash val="solid"/>
-          <a:miter lim="800000"/>
         </a:ln>
-        <a:ln w="12700" cap="flat" cmpd="sng" algn="ctr">
+        <a:ln w="19050" cap="rnd" cmpd="sng" algn="ctr">
           <a:solidFill>
             <a:schemeClr val="phClr"/>
           </a:solidFill>
           <a:prstDash val="solid"/>
-          <a:miter lim="800000"/>
         </a:ln>
-        <a:ln w="19050" cap="flat" cmpd="sng" algn="ctr">
+        <a:ln w="25400" cap="rnd" cmpd="sng" algn="ctr">
           <a:solidFill>
             <a:schemeClr val="phClr"/>
           </a:solidFill>
           <a:prstDash val="solid"/>
-          <a:miter lim="800000"/>
         </a:ln>
       </a:lnStyleLst>
       <a:effectStyleLst>
@@ -3617,55 +6797,72 @@
           <a:effectLst/>
         </a:effectStyle>
         <a:effectStyle>
-          <a:effectLst/>
+          <a:effectLst>
+            <a:innerShdw blurRad="50800" dist="25400" dir="13500000">
+              <a:srgbClr val="000000">
+                <a:alpha val="55000"/>
+              </a:srgbClr>
+            </a:innerShdw>
+          </a:effectLst>
         </a:effectStyle>
         <a:effectStyle>
           <a:effectLst>
-            <a:outerShdw blurRad="57150" dist="19050" dir="5400000" algn="ctr" rotWithShape="0">
+            <a:outerShdw blurRad="50800" dist="38100" dir="5400000" rotWithShape="0">
               <a:srgbClr val="000000">
-                <a:alpha val="63000"/>
+                <a:alpha val="60000"/>
               </a:srgbClr>
             </a:outerShdw>
           </a:effectLst>
+          <a:scene3d>
+            <a:camera prst="orthographicFront">
+              <a:rot lat="0" lon="0" rev="0"/>
+            </a:camera>
+            <a:lightRig rig="threePt" dir="tl"/>
+          </a:scene3d>
+          <a:sp3d>
+            <a:bevelT w="25400" h="25400" prst="slope"/>
+          </a:sp3d>
         </a:effectStyle>
       </a:effectStyleLst>
       <a:bgFillStyleLst>
         <a:solidFill>
           <a:schemeClr val="phClr"/>
         </a:solidFill>
-        <a:solidFill>
-          <a:schemeClr val="phClr">
-            <a:tint val="95000"/>
-            <a:satMod val="170000"/>
-          </a:schemeClr>
-        </a:solidFill>
         <a:gradFill rotWithShape="1">
           <a:gsLst>
             <a:gs pos="0">
               <a:schemeClr val="phClr">
-                <a:tint val="93000"/>
-                <a:satMod val="150000"/>
-                <a:shade val="98000"/>
-                <a:lumMod val="102000"/>
-              </a:schemeClr>
-            </a:gs>
-            <a:gs pos="50000">
-              <a:schemeClr val="phClr">
-                <a:tint val="98000"/>
-                <a:satMod val="130000"/>
-                <a:shade val="90000"/>
-                <a:lumMod val="103000"/>
+                <a:tint val="90000"/>
+                <a:lumMod val="110000"/>
               </a:schemeClr>
             </a:gs>
             <a:gs pos="100000">
               <a:schemeClr val="phClr">
-                <a:shade val="63000"/>
-                <a:satMod val="120000"/>
+                <a:shade val="64000"/>
+                <a:lumMod val="98000"/>
               </a:schemeClr>
             </a:gs>
           </a:gsLst>
           <a:lin ang="5400000" scaled="0"/>
         </a:gradFill>
+        <a:blipFill rotWithShape="1">
+          <a:blip xmlns:r="http://schemas.openxmlformats.org/officeDocument/2006/relationships" r:embed="rId1">
+            <a:duotone>
+              <a:schemeClr val="phClr">
+                <a:shade val="28000"/>
+                <a:satMod val="94000"/>
+                <a:lumMod val="20000"/>
+              </a:schemeClr>
+              <a:schemeClr val="phClr">
+                <a:tint val="94000"/>
+                <a:shade val="84000"/>
+                <a:satMod val="148000"/>
+                <a:lumMod val="114000"/>
+              </a:schemeClr>
+            </a:duotone>
+          </a:blip>
+          <a:stretch/>
+        </a:blipFill>
       </a:bgFillStyleLst>
     </a:fmtScheme>
   </a:themeElements>
@@ -3673,7 +6870,7 @@
   <a:extraClrSchemeLst/>
   <a:extLst>
     <a:ext uri="{05A4C25C-085E-4340-85A3-A5531E510DB2}">
-      <thm15:themeFamily xmlns:thm15="http://schemas.microsoft.com/office/thememl/2012/main" name="Office Theme" id="{62F939B6-93AF-4DB8-9C6B-D6C7DFDC589F}" vid="{4A3C46E8-61CC-4603-A589-7422A47A8E4A}"/>
+      <thm15:themeFamily xmlns:thm15="http://schemas.microsoft.com/office/thememl/2012/main" name="Mesh" id="{789EC3FE-34FD-429C-9918-760025E6C145}" vid="{B8BE45C0-8141-4D58-8C71-A009BC26FBBB}"/>
     </a:ext>
   </a:extLst>
 </a:theme>

--- a/Presentation.pptx
+++ b/Presentation.pptx
@@ -329,7 +329,7 @@
           <a:p>
             <a:fld id="{43BCE32F-5E05-43DB-B938-369A12D4E909}" type="datetimeFigureOut">
               <a:rPr lang="de-DE" smtClean="0"/>
-              <a:t>17.06.2021</a:t>
+              <a:t>18.06.2021</a:t>
             </a:fld>
             <a:endParaRPr lang="de-DE"/>
           </a:p>
@@ -620,7 +620,7 @@
           <a:p>
             <a:fld id="{43BCE32F-5E05-43DB-B938-369A12D4E909}" type="datetimeFigureOut">
               <a:rPr lang="de-DE" smtClean="0"/>
-              <a:t>17.06.2021</a:t>
+              <a:t>18.06.2021</a:t>
             </a:fld>
             <a:endParaRPr lang="de-DE"/>
           </a:p>
@@ -879,7 +879,7 @@
           <a:p>
             <a:fld id="{43BCE32F-5E05-43DB-B938-369A12D4E909}" type="datetimeFigureOut">
               <a:rPr lang="de-DE" smtClean="0"/>
-              <a:t>17.06.2021</a:t>
+              <a:t>18.06.2021</a:t>
             </a:fld>
             <a:endParaRPr lang="de-DE"/>
           </a:p>
@@ -1348,7 +1348,7 @@
           <a:p>
             <a:fld id="{43BCE32F-5E05-43DB-B938-369A12D4E909}" type="datetimeFigureOut">
               <a:rPr lang="de-DE" smtClean="0"/>
-              <a:t>17.06.2021</a:t>
+              <a:t>18.06.2021</a:t>
             </a:fld>
             <a:endParaRPr lang="de-DE"/>
           </a:p>
@@ -1528,7 +1528,7 @@
           <a:p>
             <a:fld id="{43BCE32F-5E05-43DB-B938-369A12D4E909}" type="datetimeFigureOut">
               <a:rPr lang="de-DE" smtClean="0"/>
-              <a:t>17.06.2021</a:t>
+              <a:t>18.06.2021</a:t>
             </a:fld>
             <a:endParaRPr lang="de-DE"/>
           </a:p>
@@ -2104,7 +2104,7 @@
           <a:p>
             <a:fld id="{43BCE32F-5E05-43DB-B938-369A12D4E909}" type="datetimeFigureOut">
               <a:rPr lang="de-DE" smtClean="0"/>
-              <a:t>17.06.2021</a:t>
+              <a:t>18.06.2021</a:t>
             </a:fld>
             <a:endParaRPr lang="de-DE"/>
           </a:p>
@@ -2436,7 +2436,7 @@
           <a:p>
             <a:fld id="{43BCE32F-5E05-43DB-B938-369A12D4E909}" type="datetimeFigureOut">
               <a:rPr lang="de-DE" smtClean="0"/>
-              <a:t>17.06.2021</a:t>
+              <a:t>18.06.2021</a:t>
             </a:fld>
             <a:endParaRPr lang="de-DE"/>
           </a:p>
@@ -2611,7 +2611,7 @@
           <a:p>
             <a:fld id="{43BCE32F-5E05-43DB-B938-369A12D4E909}" type="datetimeFigureOut">
               <a:rPr lang="de-DE" smtClean="0"/>
-              <a:t>17.06.2021</a:t>
+              <a:t>18.06.2021</a:t>
             </a:fld>
             <a:endParaRPr lang="de-DE"/>
           </a:p>
@@ -2791,7 +2791,7 @@
           <a:p>
             <a:fld id="{43BCE32F-5E05-43DB-B938-369A12D4E909}" type="datetimeFigureOut">
               <a:rPr lang="de-DE" smtClean="0"/>
-              <a:t>17.06.2021</a:t>
+              <a:t>18.06.2021</a:t>
             </a:fld>
             <a:endParaRPr lang="de-DE"/>
           </a:p>
@@ -2961,7 +2961,7 @@
           <a:p>
             <a:fld id="{43BCE32F-5E05-43DB-B938-369A12D4E909}" type="datetimeFigureOut">
               <a:rPr lang="de-DE" smtClean="0"/>
-              <a:t>17.06.2021</a:t>
+              <a:t>18.06.2021</a:t>
             </a:fld>
             <a:endParaRPr lang="de-DE"/>
           </a:p>
@@ -3218,7 +3218,7 @@
           <a:p>
             <a:fld id="{43BCE32F-5E05-43DB-B938-369A12D4E909}" type="datetimeFigureOut">
               <a:rPr lang="de-DE" smtClean="0"/>
-              <a:t>17.06.2021</a:t>
+              <a:t>18.06.2021</a:t>
             </a:fld>
             <a:endParaRPr lang="de-DE"/>
           </a:p>
@@ -3510,7 +3510,7 @@
           <a:p>
             <a:fld id="{43BCE32F-5E05-43DB-B938-369A12D4E909}" type="datetimeFigureOut">
               <a:rPr lang="de-DE" smtClean="0"/>
-              <a:t>17.06.2021</a:t>
+              <a:t>18.06.2021</a:t>
             </a:fld>
             <a:endParaRPr lang="de-DE"/>
           </a:p>
@@ -3940,7 +3940,7 @@
           <a:p>
             <a:fld id="{43BCE32F-5E05-43DB-B938-369A12D4E909}" type="datetimeFigureOut">
               <a:rPr lang="de-DE" smtClean="0"/>
-              <a:t>17.06.2021</a:t>
+              <a:t>18.06.2021</a:t>
             </a:fld>
             <a:endParaRPr lang="de-DE"/>
           </a:p>
@@ -4058,7 +4058,7 @@
           <a:p>
             <a:fld id="{43BCE32F-5E05-43DB-B938-369A12D4E909}" type="datetimeFigureOut">
               <a:rPr lang="de-DE" smtClean="0"/>
-              <a:t>17.06.2021</a:t>
+              <a:t>18.06.2021</a:t>
             </a:fld>
             <a:endParaRPr lang="de-DE"/>
           </a:p>
@@ -4153,7 +4153,7 @@
           <a:p>
             <a:fld id="{43BCE32F-5E05-43DB-B938-369A12D4E909}" type="datetimeFigureOut">
               <a:rPr lang="de-DE" smtClean="0"/>
-              <a:t>17.06.2021</a:t>
+              <a:t>18.06.2021</a:t>
             </a:fld>
             <a:endParaRPr lang="de-DE"/>
           </a:p>
@@ -4436,7 +4436,7 @@
           <a:p>
             <a:fld id="{43BCE32F-5E05-43DB-B938-369A12D4E909}" type="datetimeFigureOut">
               <a:rPr lang="de-DE" smtClean="0"/>
-              <a:t>17.06.2021</a:t>
+              <a:t>18.06.2021</a:t>
             </a:fld>
             <a:endParaRPr lang="de-DE"/>
           </a:p>
@@ -4727,7 +4727,7 @@
           <a:p>
             <a:fld id="{43BCE32F-5E05-43DB-B938-369A12D4E909}" type="datetimeFigureOut">
               <a:rPr lang="de-DE" smtClean="0"/>
-              <a:t>17.06.2021</a:t>
+              <a:t>18.06.2021</a:t>
             </a:fld>
             <a:endParaRPr lang="de-DE"/>
           </a:p>
@@ -4958,7 +4958,7 @@
           <a:p>
             <a:fld id="{43BCE32F-5E05-43DB-B938-369A12D4E909}" type="datetimeFigureOut">
               <a:rPr lang="de-DE" smtClean="0"/>
-              <a:t>17.06.2021</a:t>
+              <a:t>18.06.2021</a:t>
             </a:fld>
             <a:endParaRPr lang="de-DE"/>
           </a:p>
@@ -6037,35 +6037,157 @@
               <a:rPr lang="de-DE" dirty="0" err="1"/>
               <a:t>Idea</a:t>
             </a:r>
-            <a:endParaRPr lang="de-DE" dirty="0"/>
-          </a:p>
-        </p:txBody>
-      </p:sp>
-      <p:sp>
-        <p:nvSpPr>
-          <p:cNvPr id="3" name="Inhaltsplatzhalter 2">
+            <a:r>
+              <a:rPr lang="de-DE" dirty="0"/>
+              <a:t> &amp; Prototype</a:t>
+            </a:r>
+          </a:p>
+        </p:txBody>
+      </p:sp>
+      <p:pic>
+        <p:nvPicPr>
+          <p:cNvPr id="5" name="Inhaltsplatzhalter 4" descr="Ein Bild, das Hund, Säugetier enthält.&#10;&#10;Automatisch generierte Beschreibung">
             <a:extLst>
               <a:ext uri="{FF2B5EF4-FFF2-40B4-BE49-F238E27FC236}">
-                <a16:creationId xmlns:a16="http://schemas.microsoft.com/office/drawing/2014/main" id="{5053B29A-BB36-4EC0-9AFB-D83C92A27BDC}"/>
+                <a16:creationId xmlns:a16="http://schemas.microsoft.com/office/drawing/2014/main" id="{69CFE82D-A340-4962-B4C6-B97D64721A16}"/>
               </a:ext>
             </a:extLst>
           </p:cNvPr>
-          <p:cNvSpPr>
-            <a:spLocks noGrp="1"/>
-          </p:cNvSpPr>
+          <p:cNvPicPr>
+            <a:picLocks noGrp="1" noChangeAspect="1"/>
+          </p:cNvPicPr>
           <p:nvPr>
             <p:ph idx="1"/>
           </p:nvPr>
-        </p:nvSpPr>
-        <p:spPr/>
-        <p:txBody>
-          <a:bodyPr/>
-          <a:lstStyle/>
-          <a:p>
-            <a:endParaRPr lang="de-DE" dirty="0"/>
-          </a:p>
-        </p:txBody>
-      </p:sp>
+        </p:nvPicPr>
+        <p:blipFill>
+          <a:blip r:embed="rId4">
+            <a:extLst>
+              <a:ext uri="{28A0092B-C50C-407E-A947-70E740481C1C}">
+                <a14:useLocalDpi xmlns:a14="http://schemas.microsoft.com/office/drawing/2010/main" val="0"/>
+              </a:ext>
+            </a:extLst>
+          </a:blip>
+          <a:stretch>
+            <a:fillRect/>
+          </a:stretch>
+        </p:blipFill>
+        <p:spPr>
+          <a:xfrm>
+            <a:off x="900113" y="1676400"/>
+            <a:ext cx="3797426" cy="1905000"/>
+          </a:xfrm>
+        </p:spPr>
+      </p:pic>
+      <p:pic>
+        <p:nvPicPr>
+          <p:cNvPr id="7" name="Grafik 6">
+            <a:extLst>
+              <a:ext uri="{FF2B5EF4-FFF2-40B4-BE49-F238E27FC236}">
+                <a16:creationId xmlns:a16="http://schemas.microsoft.com/office/drawing/2014/main" id="{9600F791-7736-4200-8295-1772E95ACA31}"/>
+              </a:ext>
+            </a:extLst>
+          </p:cNvPr>
+          <p:cNvPicPr>
+            <a:picLocks noChangeAspect="1"/>
+          </p:cNvPicPr>
+          <p:nvPr/>
+        </p:nvPicPr>
+        <p:blipFill>
+          <a:blip r:embed="rId5"/>
+          <a:stretch>
+            <a:fillRect/>
+          </a:stretch>
+        </p:blipFill>
+        <p:spPr>
+          <a:xfrm>
+            <a:off x="900113" y="4343400"/>
+            <a:ext cx="3872664" cy="1905000"/>
+          </a:xfrm>
+          <a:prstGeom prst="rect">
+            <a:avLst/>
+          </a:prstGeom>
+        </p:spPr>
+      </p:pic>
+      <p:pic>
+        <p:nvPicPr>
+          <p:cNvPr id="8" name="WhatsApp Video 2021-06-18 at 09.14.11">
+            <a:hlinkClick r:id="" action="ppaction://media"/>
+            <a:extLst>
+              <a:ext uri="{FF2B5EF4-FFF2-40B4-BE49-F238E27FC236}">
+                <a16:creationId xmlns:a16="http://schemas.microsoft.com/office/drawing/2014/main" id="{B49F88A5-10EA-4A0E-953F-3DF8CCC8C46A}"/>
+              </a:ext>
+            </a:extLst>
+          </p:cNvPr>
+          <p:cNvPicPr>
+            <a:picLocks noChangeAspect="1"/>
+          </p:cNvPicPr>
+          <p:nvPr>
+            <a:videoFile r:link="rId2"/>
+            <p:extLst>
+              <p:ext uri="{DAA4B4D4-6D71-4841-9C94-3DE7FCFB9230}">
+                <p14:media xmlns:p14="http://schemas.microsoft.com/office/powerpoint/2010/main" r:embed="rId1"/>
+              </p:ext>
+            </p:extLst>
+          </p:nvPr>
+        </p:nvPicPr>
+        <p:blipFill>
+          <a:blip r:embed="rId6"/>
+          <a:stretch>
+            <a:fillRect/>
+          </a:stretch>
+        </p:blipFill>
+        <p:spPr>
+          <a:xfrm>
+            <a:off x="7162800" y="1422400"/>
+            <a:ext cx="2654300" cy="4826000"/>
+          </a:xfrm>
+          <a:prstGeom prst="rect">
+            <a:avLst/>
+          </a:prstGeom>
+        </p:spPr>
+      </p:pic>
+      <p:cxnSp>
+        <p:nvCxnSpPr>
+          <p:cNvPr id="10" name="Gerade Verbindung mit Pfeil 9">
+            <a:extLst>
+              <a:ext uri="{FF2B5EF4-FFF2-40B4-BE49-F238E27FC236}">
+                <a16:creationId xmlns:a16="http://schemas.microsoft.com/office/drawing/2014/main" id="{1E76AFA8-2E31-43B1-8E67-43730A80C218}"/>
+              </a:ext>
+            </a:extLst>
+          </p:cNvPr>
+          <p:cNvCxnSpPr>
+            <a:cxnSpLocks/>
+          </p:cNvCxnSpPr>
+          <p:nvPr/>
+        </p:nvCxnSpPr>
+        <p:spPr>
+          <a:xfrm>
+            <a:off x="2836445" y="3695700"/>
+            <a:ext cx="0" cy="533400"/>
+          </a:xfrm>
+          <a:prstGeom prst="straightConnector1">
+            <a:avLst/>
+          </a:prstGeom>
+          <a:ln w="31750">
+            <a:tailEnd type="triangle"/>
+          </a:ln>
+        </p:spPr>
+        <p:style>
+          <a:lnRef idx="1">
+            <a:schemeClr val="accent1"/>
+          </a:lnRef>
+          <a:fillRef idx="0">
+            <a:schemeClr val="accent1"/>
+          </a:fillRef>
+          <a:effectRef idx="0">
+            <a:schemeClr val="accent1"/>
+          </a:effectRef>
+          <a:fontRef idx="minor">
+            <a:schemeClr val="tx1"/>
+          </a:fontRef>
+        </p:style>
+      </p:cxnSp>
     </p:spTree>
     <p:extLst>
       <p:ext uri="{BB962C8B-B14F-4D97-AF65-F5344CB8AC3E}">
@@ -6076,6 +6198,141 @@
   <p:clrMapOvr>
     <a:masterClrMapping/>
   </p:clrMapOvr>
+  <p:timing>
+    <p:tnLst>
+      <p:par>
+        <p:cTn id="1" dur="indefinite" restart="never" nodeType="tmRoot">
+          <p:childTnLst>
+            <p:seq concurrent="1" nextAc="seek">
+              <p:cTn id="2" dur="indefinite" nodeType="mainSeq">
+                <p:childTnLst>
+                  <p:par>
+                    <p:cTn id="3" fill="hold">
+                      <p:stCondLst>
+                        <p:cond delay="indefinite"/>
+                      </p:stCondLst>
+                      <p:childTnLst>
+                        <p:par>
+                          <p:cTn id="4" fill="hold">
+                            <p:stCondLst>
+                              <p:cond delay="0"/>
+                            </p:stCondLst>
+                            <p:childTnLst>
+                              <p:par>
+                                <p:cTn id="5" presetID="1" presetClass="mediacall" presetSubtype="0" fill="hold" nodeType="clickEffect">
+                                  <p:stCondLst>
+                                    <p:cond delay="0"/>
+                                  </p:stCondLst>
+                                  <p:childTnLst>
+                                    <p:cmd type="call" cmd="playFrom(0.0)">
+                                      <p:cBhvr>
+                                        <p:cTn id="6" dur="8237" fill="hold"/>
+                                        <p:tgtEl>
+                                          <p:spTgt spid="8"/>
+                                        </p:tgtEl>
+                                      </p:cBhvr>
+                                    </p:cmd>
+                                  </p:childTnLst>
+                                </p:cTn>
+                              </p:par>
+                            </p:childTnLst>
+                          </p:cTn>
+                        </p:par>
+                      </p:childTnLst>
+                    </p:cTn>
+                  </p:par>
+                </p:childTnLst>
+              </p:cTn>
+              <p:prevCondLst>
+                <p:cond evt="onPrev" delay="0">
+                  <p:tgtEl>
+                    <p:sldTgt/>
+                  </p:tgtEl>
+                </p:cond>
+              </p:prevCondLst>
+              <p:nextCondLst>
+                <p:cond evt="onNext" delay="0">
+                  <p:tgtEl>
+                    <p:sldTgt/>
+                  </p:tgtEl>
+                </p:cond>
+              </p:nextCondLst>
+            </p:seq>
+            <p:video>
+              <p:cMediaNode vol="80000">
+                <p:cTn id="7" repeatCount="indefinite" fill="hold" display="0">
+                  <p:stCondLst>
+                    <p:cond delay="indefinite"/>
+                  </p:stCondLst>
+                </p:cTn>
+                <p:tgtEl>
+                  <p:spTgt spid="8"/>
+                </p:tgtEl>
+              </p:cMediaNode>
+            </p:video>
+            <p:seq concurrent="1" nextAc="seek">
+              <p:cTn id="8" restart="whenNotActive" fill="hold" evtFilter="cancelBubble" nodeType="interactiveSeq">
+                <p:stCondLst>
+                  <p:cond evt="onClick" delay="0">
+                    <p:tgtEl>
+                      <p:spTgt spid="8"/>
+                    </p:tgtEl>
+                  </p:cond>
+                </p:stCondLst>
+                <p:endSync evt="end" delay="0">
+                  <p:rtn val="all"/>
+                </p:endSync>
+                <p:childTnLst>
+                  <p:par>
+                    <p:cTn id="9" fill="hold">
+                      <p:stCondLst>
+                        <p:cond delay="0"/>
+                      </p:stCondLst>
+                      <p:childTnLst>
+                        <p:par>
+                          <p:cTn id="10" fill="hold">
+                            <p:stCondLst>
+                              <p:cond delay="0"/>
+                            </p:stCondLst>
+                            <p:childTnLst>
+                              <p:par>
+                                <p:cTn id="11" presetID="2" presetClass="mediacall" presetSubtype="0" fill="hold" nodeType="clickEffect">
+                                  <p:stCondLst>
+                                    <p:cond delay="0"/>
+                                  </p:stCondLst>
+                                  <p:childTnLst>
+                                    <p:cmd type="call" cmd="togglePause">
+                                      <p:cBhvr>
+                                        <p:cTn id="12" dur="1" fill="hold"/>
+                                        <p:tgtEl>
+                                          <p:spTgt spid="8"/>
+                                        </p:tgtEl>
+                                      </p:cBhvr>
+                                    </p:cmd>
+                                  </p:childTnLst>
+                                </p:cTn>
+                              </p:par>
+                            </p:childTnLst>
+                          </p:cTn>
+                        </p:par>
+                      </p:childTnLst>
+                    </p:cTn>
+                  </p:par>
+                </p:childTnLst>
+              </p:cTn>
+              <p:nextCondLst>
+                <p:cond evt="onClick" delay="0">
+                  <p:tgtEl>
+                    <p:spTgt spid="8"/>
+                  </p:tgtEl>
+                </p:cond>
+              </p:nextCondLst>
+            </p:seq>
+          </p:childTnLst>
+        </p:cTn>
+      </p:par>
+    </p:tnLst>
+  </p:timing>
 </p:sld>
 </file>
 
@@ -6238,10 +6495,10 @@
       </p:grpSpPr>
       <p:pic>
         <p:nvPicPr>
-          <p:cNvPr id="17" name="Grafik 16" descr="Ein Bild, das Pflanze, Blume, drinnen, Gänseblümchen enthält.&#10;&#10;Automatisch generierte Beschreibung">
+          <p:cNvPr id="4" name="Grafik 3" descr="Ein Bild, das Pflanze, Blume, Gänseblümchen enthält.&#10;&#10;Automatisch generierte Beschreibung">
             <a:extLst>
               <a:ext uri="{FF2B5EF4-FFF2-40B4-BE49-F238E27FC236}">
-                <a16:creationId xmlns:a16="http://schemas.microsoft.com/office/drawing/2014/main" id="{1BC00050-4DC3-4A7D-9257-3040A3C71C07}"/>
+                <a16:creationId xmlns:a16="http://schemas.microsoft.com/office/drawing/2014/main" id="{4FF1880B-3102-4924-AAD2-3BB47119AB16}"/>
               </a:ext>
             </a:extLst>
           </p:cNvPr>
@@ -6258,13 +6515,13 @@
               </a:ext>
             </a:extLst>
           </a:blip>
-          <a:srcRect l="14803" t="17765" r="42077" b="50056"/>
+          <a:srcRect l="15734" t="28695" r="37691" b="48980"/>
           <a:stretch/>
         </p:blipFill>
         <p:spPr>
           <a:xfrm>
-            <a:off x="7127520" y="2457195"/>
-            <a:ext cx="2509710" cy="2818910"/>
+            <a:off x="7262149" y="2572290"/>
+            <a:ext cx="3650443" cy="2633659"/>
           </a:xfrm>
           <a:prstGeom prst="rect">
             <a:avLst/>
@@ -6460,6 +6717,9 @@
             <a:avLst/>
           </a:prstGeom>
           <a:ln w="63500">
+            <a:solidFill>
+              <a:srgbClr val="C00000"/>
+            </a:solidFill>
             <a:tailEnd type="triangle"/>
           </a:ln>
         </p:spPr>
@@ -6494,13 +6754,16 @@
         </p:nvCxnSpPr>
         <p:spPr>
           <a:xfrm flipV="1">
-            <a:off x="7937500" y="1907703"/>
-            <a:ext cx="723150" cy="1127597"/>
+            <a:off x="7670800" y="2007057"/>
+            <a:ext cx="863600" cy="1421943"/>
           </a:xfrm>
           <a:prstGeom prst="straightConnector1">
             <a:avLst/>
           </a:prstGeom>
           <a:ln w="31750">
+            <a:solidFill>
+              <a:srgbClr val="FF0000"/>
+            </a:solidFill>
             <a:tailEnd type="triangle"/>
           </a:ln>
         </p:spPr>
@@ -6534,7 +6797,7 @@
         <p:spPr>
           <a:xfrm>
             <a:off x="8660650" y="1342471"/>
-            <a:ext cx="1249060" cy="830997"/>
+            <a:ext cx="1539204" cy="830997"/>
           </a:xfrm>
           <a:prstGeom prst="rect">
             <a:avLst/>
@@ -6549,19 +6812,19 @@
           <a:p>
             <a:r>
               <a:rPr lang="de-DE" sz="1600" dirty="0"/>
-              <a:t>25      0</a:t>
+              <a:t>215      0</a:t>
             </a:r>
           </a:p>
           <a:p>
             <a:r>
               <a:rPr lang="de-DE" sz="1600" dirty="0"/>
-              <a:t>70  =  0  = `_`</a:t>
+              <a:t>230  =  0  = `_`</a:t>
             </a:r>
           </a:p>
           <a:p>
             <a:r>
               <a:rPr lang="de-DE" sz="1600" dirty="0"/>
-              <a:t>215    1</a:t>
+              <a:t>70        1</a:t>
             </a:r>
           </a:p>
         </p:txBody>
@@ -6589,6 +6852,9 @@
             <a:avLst/>
           </a:prstGeom>
           <a:ln w="63500">
+            <a:solidFill>
+              <a:srgbClr val="FF0000"/>
+            </a:solidFill>
             <a:tailEnd type="triangle"/>
           </a:ln>
         </p:spPr>
